--- a/onderwijsmateriaal/presentaties/Communication_Protocols_v1.0.pptx
+++ b/onderwijsmateriaal/presentaties/Communication_Protocols_v1.0.pptx
@@ -5,7 +5,7 @@
     <p:sldMasterId id="2147483664" r:id="rId4"/>
   </p:sldMasterIdLst>
   <p:notesMasterIdLst>
-    <p:notesMasterId r:id="rId57"/>
+    <p:notesMasterId r:id="rId59"/>
   </p:notesMasterIdLst>
   <p:sldIdLst>
     <p:sldId id="368" r:id="rId5"/>
@@ -35,31 +35,33 @@
     <p:sldId id="398" r:id="rId29"/>
     <p:sldId id="434" r:id="rId30"/>
     <p:sldId id="403" r:id="rId31"/>
-    <p:sldId id="425" r:id="rId32"/>
-    <p:sldId id="426" r:id="rId33"/>
-    <p:sldId id="417" r:id="rId34"/>
-    <p:sldId id="419" r:id="rId35"/>
-    <p:sldId id="416" r:id="rId36"/>
-    <p:sldId id="422" r:id="rId37"/>
-    <p:sldId id="424" r:id="rId38"/>
-    <p:sldId id="427" r:id="rId39"/>
-    <p:sldId id="428" r:id="rId40"/>
-    <p:sldId id="430" r:id="rId41"/>
-    <p:sldId id="435" r:id="rId42"/>
-    <p:sldId id="421" r:id="rId43"/>
-    <p:sldId id="437" r:id="rId44"/>
-    <p:sldId id="438" r:id="rId45"/>
-    <p:sldId id="423" r:id="rId46"/>
-    <p:sldId id="440" r:id="rId47"/>
-    <p:sldId id="441" r:id="rId48"/>
-    <p:sldId id="411" r:id="rId49"/>
-    <p:sldId id="444" r:id="rId50"/>
-    <p:sldId id="439" r:id="rId51"/>
-    <p:sldId id="442" r:id="rId52"/>
-    <p:sldId id="445" r:id="rId53"/>
-    <p:sldId id="443" r:id="rId54"/>
-    <p:sldId id="446" r:id="rId55"/>
-    <p:sldId id="447" r:id="rId56"/>
+    <p:sldId id="448" r:id="rId32"/>
+    <p:sldId id="449" r:id="rId33"/>
+    <p:sldId id="425" r:id="rId34"/>
+    <p:sldId id="426" r:id="rId35"/>
+    <p:sldId id="417" r:id="rId36"/>
+    <p:sldId id="419" r:id="rId37"/>
+    <p:sldId id="416" r:id="rId38"/>
+    <p:sldId id="422" r:id="rId39"/>
+    <p:sldId id="424" r:id="rId40"/>
+    <p:sldId id="427" r:id="rId41"/>
+    <p:sldId id="428" r:id="rId42"/>
+    <p:sldId id="430" r:id="rId43"/>
+    <p:sldId id="435" r:id="rId44"/>
+    <p:sldId id="421" r:id="rId45"/>
+    <p:sldId id="437" r:id="rId46"/>
+    <p:sldId id="438" r:id="rId47"/>
+    <p:sldId id="423" r:id="rId48"/>
+    <p:sldId id="440" r:id="rId49"/>
+    <p:sldId id="441" r:id="rId50"/>
+    <p:sldId id="411" r:id="rId51"/>
+    <p:sldId id="444" r:id="rId52"/>
+    <p:sldId id="439" r:id="rId53"/>
+    <p:sldId id="442" r:id="rId54"/>
+    <p:sldId id="445" r:id="rId55"/>
+    <p:sldId id="443" r:id="rId56"/>
+    <p:sldId id="446" r:id="rId57"/>
+    <p:sldId id="447" r:id="rId58"/>
   </p:sldIdLst>
   <p:sldSz cx="9144000" cy="6858000" type="screen4x3"/>
   <p:notesSz cx="7099300" cy="10234613"/>
@@ -1440,15 +1442,7 @@
             </a:r>
             <a:r>
               <a:rPr lang="en-GB" dirty="0"/>
-              <a:t>nterconnection”, an ISO standardised reference model for </a:t>
-            </a:r>
-            <a:r>
-              <a:rPr lang="en-GB" dirty="0" err="1"/>
-              <a:t>datacommunications</a:t>
-            </a:r>
-            <a:r>
-              <a:rPr lang="en-GB" dirty="0"/>
-              <a:t>.</a:t>
+              <a:t>nterconnection”, an ISO standardised reference model for data communications.</a:t>
             </a:r>
             <a:br>
               <a:rPr lang="en-GB" dirty="0"/>
@@ -2038,15 +2032,7 @@
             </a:br>
             <a:r>
               <a:rPr lang="en-GB" sz="1700" dirty="0"/>
-              <a:t>It can pass on messages based on </a:t>
-            </a:r>
-            <a:r>
-              <a:rPr lang="en-GB" sz="1700" dirty="0" err="1"/>
-              <a:t>a.o</a:t>
-            </a:r>
-            <a:r>
-              <a:rPr lang="en-GB" sz="1700" dirty="0"/>
-              <a:t> MAC-addresses only.</a:t>
+              <a:t>It can pass on messages based on MAC-addresses only.</a:t>
             </a:r>
           </a:p>
           <a:p>
@@ -2318,9 +2304,45 @@
           <a:bodyPr/>
           <a:lstStyle/>
           <a:p>
+            <a:pPr marL="171450" indent="-171450">
+              <a:buFont typeface="Arial" panose="020B0604020202020204" pitchFamily="34" charset="0"/>
+              <a:buChar char="•"/>
+            </a:pPr>
             <a:r>
               <a:rPr lang="en-GB" dirty="0"/>
-              <a:t>* Every layer adds directional information and then passes the result on to the next layer.</a:t>
+              <a:t>Every layer adds directional information and then passes the result on to the next layer.</a:t>
+            </a:r>
+          </a:p>
+          <a:p>
+            <a:pPr marL="171450" indent="-171450">
+              <a:buFont typeface="Arial" panose="020B0604020202020204" pitchFamily="34" charset="0"/>
+              <a:buChar char="•"/>
+            </a:pPr>
+            <a:endParaRPr lang="en-GB" dirty="0"/>
+          </a:p>
+          <a:p>
+            <a:pPr marL="171450" indent="-171450">
+              <a:buFont typeface="Arial" panose="020B0604020202020204" pitchFamily="34" charset="0"/>
+              <a:buChar char="•"/>
+            </a:pPr>
+            <a:r>
+              <a:rPr lang="en-US" b="1" i="0" u="none" strike="noStrike" dirty="0">
+                <a:solidFill>
+                  <a:srgbClr val="000000"/>
+                </a:solidFill>
+                <a:effectLst/>
+              </a:rPr>
+              <a:t>Encapsulation</a:t>
+            </a:r>
+            <a:r>
+              <a:rPr lang="en-US" b="0" i="0" u="none" strike="noStrike" dirty="0">
+                <a:solidFill>
+                  <a:srgbClr val="000000"/>
+                </a:solidFill>
+                <a:effectLst/>
+                <a:latin typeface="-webkit-standard"/>
+              </a:rPr>
+              <a:t> is the process of adding headers (and sometimes footers) to data as it moves down the network protocol stack. It ensures that data is properly formatted for transmission and can be understood by the receiving system.</a:t>
             </a:r>
             <a:endParaRPr lang="nl-NL" dirty="0"/>
           </a:p>
@@ -2446,7 +2468,7 @@
             </a:br>
             <a:r>
               <a:rPr lang="en-GB" dirty="0"/>
-              <a:t>(each ISP (Internet Service Provider).</a:t>
+              <a:t>each ISP (Internet Service Provider).</a:t>
             </a:r>
             <a:br>
               <a:rPr lang="en-GB" dirty="0"/>
@@ -2564,7 +2586,7 @@
             </a:br>
             <a:r>
               <a:rPr lang="en-GB" dirty="0"/>
-              <a:t>At the destination, the envelope with the address is removed and the letter is red.</a:t>
+              <a:t>At the destination, the envelope with the address is removed and the letter is read.</a:t>
             </a:r>
             <a:endParaRPr lang="nl-NL" dirty="0"/>
           </a:p>
@@ -3041,6 +3063,118 @@
               <a:t>Sockets are the endpoints of a connection between two processes.</a:t>
             </a:r>
           </a:p>
+          <a:p>
+            <a:pPr marL="177416" indent="-177416">
+              <a:buFont typeface="Arial" panose="020B0604020202020204" pitchFamily="34" charset="0"/>
+              <a:buChar char="•"/>
+            </a:pPr>
+            <a:endParaRPr lang="en-GB" sz="1700" dirty="0"/>
+          </a:p>
+          <a:p>
+            <a:pPr marL="177416" indent="-177416">
+              <a:buFont typeface="Arial" panose="020B0604020202020204" pitchFamily="34" charset="0"/>
+              <a:buChar char="•"/>
+            </a:pPr>
+            <a:r>
+              <a:rPr lang="en-US" sz="2800" b="0" i="0" u="none" strike="noStrike" dirty="0">
+                <a:solidFill>
+                  <a:srgbClr val="000000"/>
+                </a:solidFill>
+                <a:effectLst/>
+                <a:latin typeface="-webkit-standard"/>
+              </a:rPr>
+              <a:t>A </a:t>
+            </a:r>
+            <a:r>
+              <a:rPr lang="en-US" sz="2800" b="1" i="0" u="none" strike="noStrike" dirty="0">
+                <a:solidFill>
+                  <a:srgbClr val="000000"/>
+                </a:solidFill>
+                <a:effectLst/>
+              </a:rPr>
+              <a:t>socket</a:t>
+            </a:r>
+            <a:r>
+              <a:rPr lang="en-US" sz="2800" b="0" i="0" u="none" strike="noStrike" dirty="0">
+                <a:solidFill>
+                  <a:srgbClr val="000000"/>
+                </a:solidFill>
+                <a:effectLst/>
+                <a:latin typeface="-webkit-standard"/>
+              </a:rPr>
+              <a:t> is an endpoint for sending and receiving data across a network. It provides a communication interface between two applications, typically over </a:t>
+            </a:r>
+            <a:r>
+              <a:rPr lang="en-US" sz="2800" b="1" i="0" u="none" strike="noStrike" dirty="0">
+                <a:solidFill>
+                  <a:srgbClr val="000000"/>
+                </a:solidFill>
+                <a:effectLst/>
+              </a:rPr>
+              <a:t>TCP/IP</a:t>
+            </a:r>
+            <a:r>
+              <a:rPr lang="en-US" sz="2800" b="0" i="0" u="none" strike="noStrike" dirty="0">
+                <a:solidFill>
+                  <a:srgbClr val="000000"/>
+                </a:solidFill>
+                <a:effectLst/>
+                <a:latin typeface="-webkit-standard"/>
+              </a:rPr>
+              <a:t> networks.</a:t>
+            </a:r>
+            <a:endParaRPr lang="en-GB" sz="1700" b="0" i="0" u="none" strike="noStrike" dirty="0">
+              <a:solidFill>
+                <a:srgbClr val="000000"/>
+              </a:solidFill>
+              <a:effectLst/>
+              <a:latin typeface="-webkit-standard"/>
+            </a:endParaRPr>
+          </a:p>
+          <a:p>
+            <a:pPr marL="177416" indent="-177416">
+              <a:buFont typeface="Arial" panose="020B0604020202020204" pitchFamily="34" charset="0"/>
+              <a:buChar char="•"/>
+            </a:pPr>
+            <a:endParaRPr lang="en-GB" sz="1700" b="0" i="0" u="none" strike="noStrike" dirty="0">
+              <a:solidFill>
+                <a:srgbClr val="000000"/>
+              </a:solidFill>
+              <a:effectLst/>
+              <a:latin typeface="-webkit-standard"/>
+            </a:endParaRPr>
+          </a:p>
+          <a:p>
+            <a:pPr marL="177416" indent="-177416">
+              <a:buFont typeface="Arial" panose="020B0604020202020204" pitchFamily="34" charset="0"/>
+              <a:buChar char="•"/>
+            </a:pPr>
+            <a:r>
+              <a:rPr lang="en-GB" sz="1700" b="0" i="0" u="none" strike="noStrike" dirty="0">
+                <a:solidFill>
+                  <a:srgbClr val="000000"/>
+                </a:solidFill>
+                <a:effectLst/>
+                <a:latin typeface="-webkit-standard"/>
+              </a:rPr>
+              <a:t>A socket is defined by an IP address (device on the network) and a Port number (specific application) </a:t>
+            </a:r>
+            <a:r>
+              <a:rPr lang="en-US" sz="2800" b="0" i="0" u="none" strike="noStrike" dirty="0">
+                <a:solidFill>
+                  <a:srgbClr val="000000"/>
+                </a:solidFill>
+                <a:effectLst/>
+                <a:latin typeface="-webkit-standard"/>
+              </a:rPr>
+              <a:t>e.g.</a:t>
+            </a:r>
+            <a:r>
+              <a:rPr lang="en-US" sz="2800" dirty="0"/>
+              <a:t>192.168.1.1:80</a:t>
+            </a:r>
+            <a:endParaRPr lang="en-GB" sz="1700" dirty="0"/>
+          </a:p>
         </p:txBody>
       </p:sp>
       <p:sp>
@@ -3187,15 +3321,7 @@
             </a:pPr>
             <a:r>
               <a:rPr lang="en-US" altLang="nl-NL" sz="1700" dirty="0"/>
-              <a:t>Ideally (according to REST principles), the server is agnostic about the client he </a:t>
-            </a:r>
-            <a:r>
-              <a:rPr lang="en-US" altLang="nl-NL" sz="1700" dirty="0" err="1"/>
-              <a:t>serves.That</a:t>
-            </a:r>
-            <a:r>
-              <a:rPr lang="en-US" altLang="nl-NL" sz="1700" dirty="0"/>
-              <a:t> is, its well-functioning does not depend on the presence or the well-functioning of a client.</a:t>
+              <a:t>Ideally (according to REST principles), the server is agnostic about the client he serves. That is, its well-functioning does not depend on the presence or the well-functioning of a client.</a:t>
             </a:r>
           </a:p>
           <a:p>
@@ -4404,7 +4530,96 @@
               <a:rPr lang="en-GB" sz="1700" dirty="0"/>
               <a:t> of a transition can be that the client can watch a representation of a resource.</a:t>
             </a:r>
-            <a:endParaRPr lang="nl-NL" sz="1700" dirty="0"/>
+          </a:p>
+          <a:p>
+            <a:pPr marL="177416" indent="-177416">
+              <a:buFont typeface="Arial" panose="020B0604020202020204" pitchFamily="34" charset="0"/>
+              <a:buChar char="•"/>
+            </a:pPr>
+            <a:endParaRPr lang="en-GB" sz="1700" dirty="0"/>
+          </a:p>
+          <a:p>
+            <a:pPr marL="177416" indent="-177416">
+              <a:buFont typeface="Arial" panose="020B0604020202020204" pitchFamily="34" charset="0"/>
+              <a:buChar char="•"/>
+            </a:pPr>
+            <a:r>
+              <a:rPr lang="en-US" sz="2800" b="0" i="0" u="none" strike="noStrike" dirty="0">
+                <a:solidFill>
+                  <a:srgbClr val="000000"/>
+                </a:solidFill>
+                <a:effectLst/>
+              </a:rPr>
+              <a:t>REST (Representational State Transfer)</a:t>
+            </a:r>
+            <a:r>
+              <a:rPr lang="en-US" sz="2800" b="0" i="0" u="none" strike="noStrike" dirty="0">
+                <a:solidFill>
+                  <a:srgbClr val="000000"/>
+                </a:solidFill>
+                <a:effectLst/>
+                <a:latin typeface="-webkit-standard"/>
+              </a:rPr>
+              <a:t> is an </a:t>
+            </a:r>
+            <a:r>
+              <a:rPr lang="en-US" sz="2800" b="0" i="0" u="none" strike="noStrike" dirty="0">
+                <a:solidFill>
+                  <a:srgbClr val="000000"/>
+                </a:solidFill>
+                <a:effectLst/>
+              </a:rPr>
+              <a:t>architectural style</a:t>
+            </a:r>
+            <a:r>
+              <a:rPr lang="en-US" sz="2800" b="0" i="0" u="none" strike="noStrike" dirty="0">
+                <a:solidFill>
+                  <a:srgbClr val="000000"/>
+                </a:solidFill>
+                <a:effectLst/>
+                <a:latin typeface="-webkit-standard"/>
+              </a:rPr>
+              <a:t> for designing </a:t>
+            </a:r>
+            <a:r>
+              <a:rPr lang="en-US" sz="2800" b="0" i="0" u="none" strike="noStrike" dirty="0">
+                <a:solidFill>
+                  <a:srgbClr val="000000"/>
+                </a:solidFill>
+                <a:effectLst/>
+              </a:rPr>
+              <a:t>web services and APIs</a:t>
+            </a:r>
+            <a:r>
+              <a:rPr lang="en-US" sz="2800" b="0" i="0" u="none" strike="noStrike" dirty="0">
+                <a:solidFill>
+                  <a:srgbClr val="000000"/>
+                </a:solidFill>
+                <a:effectLst/>
+                <a:latin typeface="-webkit-standard"/>
+              </a:rPr>
+              <a:t>. It enables communication between clients (e.g., web browsers, mobile apps) and servers over a network, typically using </a:t>
+            </a:r>
+            <a:r>
+              <a:rPr lang="en-US" sz="2800" b="0" i="0" u="none" strike="noStrike" dirty="0">
+                <a:solidFill>
+                  <a:srgbClr val="000000"/>
+                </a:solidFill>
+                <a:effectLst/>
+              </a:rPr>
+              <a:t>HTTP</a:t>
+            </a:r>
+            <a:r>
+              <a:rPr lang="en-US" sz="2800" b="0" i="0" u="none" strike="noStrike" dirty="0">
+                <a:solidFill>
+                  <a:srgbClr val="000000"/>
+                </a:solidFill>
+                <a:effectLst/>
+                <a:latin typeface="-webkit-standard"/>
+              </a:rPr>
+              <a:t>.</a:t>
+            </a:r>
+            <a:endParaRPr lang="nl-NL" sz="1700" b="0" dirty="0"/>
           </a:p>
         </p:txBody>
       </p:sp>
@@ -4471,7 +4686,13 @@
   <p:cSld>
     <p:spTree>
       <p:nvGrpSpPr>
-        <p:cNvPr id="1" name=""/>
+        <p:cNvPr id="1" name="">
+          <a:extLst>
+            <a:ext uri="{FF2B5EF4-FFF2-40B4-BE49-F238E27FC236}">
+              <a16:creationId xmlns:a16="http://schemas.microsoft.com/office/drawing/2014/main" id="{478407B3-7E77-2E1C-84F0-C440A2DD13DE}"/>
+            </a:ext>
+          </a:extLst>
+        </p:cNvPr>
         <p:cNvGrpSpPr/>
         <p:nvPr/>
       </p:nvGrpSpPr>
@@ -4485,7 +4706,13 @@
       </p:grpSpPr>
       <p:sp>
         <p:nvSpPr>
-          <p:cNvPr id="2" name="Tijdelijke aanduiding voor dia-afbeelding 1"/>
+          <p:cNvPr id="2" name="Tijdelijke aanduiding voor dia-afbeelding 1">
+            <a:extLst>
+              <a:ext uri="{FF2B5EF4-FFF2-40B4-BE49-F238E27FC236}">
+                <a16:creationId xmlns:a16="http://schemas.microsoft.com/office/drawing/2014/main" id="{605076E6-8A40-BF5D-3D04-3AE675519B23}"/>
+              </a:ext>
+            </a:extLst>
+          </p:cNvPr>
           <p:cNvSpPr>
             <a:spLocks noGrp="1" noRot="1" noChangeAspect="1"/>
           </p:cNvSpPr>
@@ -4502,7 +4729,13 @@
       </p:sp>
       <p:sp>
         <p:nvSpPr>
-          <p:cNvPr id="3" name="Tijdelijke aanduiding voor notities 2"/>
+          <p:cNvPr id="3" name="Tijdelijke aanduiding voor notities 2">
+            <a:extLst>
+              <a:ext uri="{FF2B5EF4-FFF2-40B4-BE49-F238E27FC236}">
+                <a16:creationId xmlns:a16="http://schemas.microsoft.com/office/drawing/2014/main" id="{18E2C541-25DC-619C-5AFD-81ACC45FCB54}"/>
+              </a:ext>
+            </a:extLst>
+          </p:cNvPr>
           <p:cNvSpPr>
             <a:spLocks noGrp="1"/>
           </p:cNvSpPr>
@@ -4519,62 +4752,19 @@
               <a:buFont typeface="Arial" panose="020B0604020202020204" pitchFamily="34" charset="0"/>
               <a:buChar char="•"/>
             </a:pPr>
-            <a:r>
-              <a:rPr lang="en-GB" dirty="0"/>
-              <a:t>User Agent</a:t>
-            </a:r>
-            <a:br>
-              <a:rPr lang="en-GB" dirty="0"/>
-            </a:br>
-            <a:r>
-              <a:rPr lang="en-GB" dirty="0"/>
-              <a:t>You interact with your User Agent, which in turn interacts for you with the web.</a:t>
-            </a:r>
-          </a:p>
-          <a:p>
-            <a:pPr marL="177416" indent="-177416">
-              <a:buFont typeface="Arial" panose="020B0604020202020204" pitchFamily="34" charset="0"/>
-              <a:buChar char="•"/>
-            </a:pPr>
-            <a:r>
-              <a:rPr lang="en-GB" dirty="0"/>
-              <a:t>The representation of the resource is rendered for the client, for example:</a:t>
-            </a:r>
-            <a:br>
-              <a:rPr lang="en-GB" dirty="0"/>
-            </a:br>
-            <a:r>
-              <a:rPr lang="en-GB" dirty="0"/>
-              <a:t>You ask the server a representation of a resource, preferably in xml, or otherwise jpg.</a:t>
-            </a:r>
-            <a:br>
-              <a:rPr lang="en-GB" dirty="0"/>
-            </a:br>
-            <a:r>
-              <a:rPr lang="en-GB" dirty="0"/>
-              <a:t>This is called content negotiation. </a:t>
-            </a:r>
-            <a:br>
-              <a:rPr lang="en-GB" dirty="0"/>
-            </a:br>
-            <a:r>
-              <a:rPr lang="en-GB" dirty="0"/>
-              <a:t>The server then should try to send a representation that is closest to the requested form</a:t>
-            </a:r>
-            <a:br>
-              <a:rPr lang="en-GB" dirty="0"/>
-            </a:br>
-            <a:r>
-              <a:rPr lang="en-GB" dirty="0"/>
-              <a:t>(or let it know if that form is not available).</a:t>
-            </a:r>
-            <a:endParaRPr lang="nl-NL" dirty="0"/>
+            <a:endParaRPr lang="nl-NL" sz="1700" b="0" dirty="0"/>
           </a:p>
         </p:txBody>
       </p:sp>
       <p:sp>
         <p:nvSpPr>
-          <p:cNvPr id="4" name="Tijdelijke aanduiding voor dianummer 3"/>
+          <p:cNvPr id="4" name="Tijdelijke aanduiding voor dianummer 3">
+            <a:extLst>
+              <a:ext uri="{FF2B5EF4-FFF2-40B4-BE49-F238E27FC236}">
+                <a16:creationId xmlns:a16="http://schemas.microsoft.com/office/drawing/2014/main" id="{00E405E4-D797-1BAD-A03C-EEFA46A55536}"/>
+              </a:ext>
+            </a:extLst>
+          </p:cNvPr>
           <p:cNvSpPr>
             <a:spLocks noGrp="1"/>
           </p:cNvSpPr>
@@ -4620,7 +4810,7 @@
     </p:spTree>
     <p:extLst>
       <p:ext uri="{BB962C8B-B14F-4D97-AF65-F5344CB8AC3E}">
-        <p14:creationId xmlns:p14="http://schemas.microsoft.com/office/powerpoint/2010/main" val="3126098596"/>
+        <p14:creationId xmlns:p14="http://schemas.microsoft.com/office/powerpoint/2010/main" val="1247270148"/>
       </p:ext>
     </p:extLst>
   </p:cSld>
@@ -4635,7 +4825,13 @@
   <p:cSld>
     <p:spTree>
       <p:nvGrpSpPr>
-        <p:cNvPr id="1" name=""/>
+        <p:cNvPr id="1" name="">
+          <a:extLst>
+            <a:ext uri="{FF2B5EF4-FFF2-40B4-BE49-F238E27FC236}">
+              <a16:creationId xmlns:a16="http://schemas.microsoft.com/office/drawing/2014/main" id="{B972EC52-CCDF-900C-45C2-5C0D414D493A}"/>
+            </a:ext>
+          </a:extLst>
+        </p:cNvPr>
         <p:cNvGrpSpPr/>
         <p:nvPr/>
       </p:nvGrpSpPr>
@@ -4649,7 +4845,13 @@
       </p:grpSpPr>
       <p:sp>
         <p:nvSpPr>
-          <p:cNvPr id="2" name="Tijdelijke aanduiding voor dia-afbeelding 1"/>
+          <p:cNvPr id="2" name="Tijdelijke aanduiding voor dia-afbeelding 1">
+            <a:extLst>
+              <a:ext uri="{FF2B5EF4-FFF2-40B4-BE49-F238E27FC236}">
+                <a16:creationId xmlns:a16="http://schemas.microsoft.com/office/drawing/2014/main" id="{CDDF1B99-5478-5279-4F2A-848AE0AB72D8}"/>
+              </a:ext>
+            </a:extLst>
+          </p:cNvPr>
           <p:cNvSpPr>
             <a:spLocks noGrp="1" noRot="1" noChangeAspect="1"/>
           </p:cNvSpPr>
@@ -4666,7 +4868,13 @@
       </p:sp>
       <p:sp>
         <p:nvSpPr>
-          <p:cNvPr id="3" name="Tijdelijke aanduiding voor notities 2"/>
+          <p:cNvPr id="3" name="Tijdelijke aanduiding voor notities 2">
+            <a:extLst>
+              <a:ext uri="{FF2B5EF4-FFF2-40B4-BE49-F238E27FC236}">
+                <a16:creationId xmlns:a16="http://schemas.microsoft.com/office/drawing/2014/main" id="{80E5BB76-8AB9-AF6B-8F0D-C92B17F41D51}"/>
+              </a:ext>
+            </a:extLst>
+          </p:cNvPr>
           <p:cNvSpPr>
             <a:spLocks noGrp="1"/>
           </p:cNvSpPr>
@@ -4684,71 +4892,29 @@
               <a:buChar char="•"/>
             </a:pPr>
             <a:r>
-              <a:rPr lang="en-GB" dirty="0"/>
-              <a:t>An item of interest is something abstract. It can be really anything.</a:t>
-            </a:r>
-            <a:br>
-              <a:rPr lang="en-GB" dirty="0"/>
-            </a:br>
-            <a:r>
-              <a:rPr lang="en-GB" dirty="0"/>
-              <a:t>In this example, the concept “4” is used.</a:t>
-            </a:r>
-          </a:p>
-          <a:p>
-            <a:pPr marL="177416" indent="-177416">
-              <a:buFont typeface="Arial" panose="020B0604020202020204" pitchFamily="34" charset="0"/>
-              <a:buChar char="•"/>
-            </a:pPr>
-            <a:r>
-              <a:rPr lang="en-GB" dirty="0"/>
-              <a:t>The representation is determined by content negotiation. The client asks for a specific type of representation.</a:t>
-            </a:r>
-          </a:p>
-          <a:p>
-            <a:pPr marL="177416" indent="-177416">
-              <a:buFont typeface="Arial" panose="020B0604020202020204" pitchFamily="34" charset="0"/>
-              <a:buChar char="•"/>
-            </a:pPr>
-            <a:r>
-              <a:rPr lang="en-GB" dirty="0"/>
-              <a:t>Representations are the ONLY means of transfer between client and server:</a:t>
-            </a:r>
-            <a:br>
-              <a:rPr lang="en-GB" dirty="0"/>
-            </a:br>
-            <a:r>
-              <a:rPr lang="en-GB" dirty="0"/>
-              <a:t>* That means that a client can only change a resource by sending back an updated representation of that resource.</a:t>
-            </a:r>
-            <a:br>
-              <a:rPr lang="en-GB" dirty="0"/>
-            </a:br>
-            <a:r>
-              <a:rPr lang="en-GB" dirty="0"/>
-              <a:t>* For example, if the resource is a collection of accounts, and you like to add your own account, to stay following</a:t>
-            </a:r>
-            <a:br>
-              <a:rPr lang="en-GB" dirty="0"/>
-            </a:br>
-            <a:r>
-              <a:rPr lang="en-GB" dirty="0"/>
-              <a:t>REST principles, you should download a representation of the entire collection, create an updated representation that</a:t>
-            </a:r>
-            <a:br>
-              <a:rPr lang="en-GB" dirty="0"/>
-            </a:br>
-            <a:r>
-              <a:rPr lang="en-GB" dirty="0"/>
-              <a:t>includes the new account, and upload the updated representation.</a:t>
-            </a:r>
-            <a:endParaRPr lang="nl-NL" dirty="0"/>
+              <a:rPr lang="nl-NL" sz="1700" b="0" dirty="0"/>
+              <a:t>Server response is </a:t>
+            </a:r>
+            <a:r>
+              <a:rPr lang="nl-NL" sz="1700" b="0" dirty="0" err="1"/>
+              <a:t>often</a:t>
+            </a:r>
+            <a:r>
+              <a:rPr lang="nl-NL" sz="1700" b="0" dirty="0"/>
+              <a:t> JSON</a:t>
+            </a:r>
           </a:p>
         </p:txBody>
       </p:sp>
       <p:sp>
         <p:nvSpPr>
-          <p:cNvPr id="4" name="Tijdelijke aanduiding voor dianummer 3"/>
+          <p:cNvPr id="4" name="Tijdelijke aanduiding voor dianummer 3">
+            <a:extLst>
+              <a:ext uri="{FF2B5EF4-FFF2-40B4-BE49-F238E27FC236}">
+                <a16:creationId xmlns:a16="http://schemas.microsoft.com/office/drawing/2014/main" id="{457C7424-C796-8BB8-05D5-78633329F4BE}"/>
+              </a:ext>
+            </a:extLst>
+          </p:cNvPr>
           <p:cNvSpPr>
             <a:spLocks noGrp="1"/>
           </p:cNvSpPr>
@@ -4794,7 +4960,7 @@
     </p:spTree>
     <p:extLst>
       <p:ext uri="{BB962C8B-B14F-4D97-AF65-F5344CB8AC3E}">
-        <p14:creationId xmlns:p14="http://schemas.microsoft.com/office/powerpoint/2010/main" val="1237030100"/>
+        <p14:creationId xmlns:p14="http://schemas.microsoft.com/office/powerpoint/2010/main" val="2385519229"/>
       </p:ext>
     </p:extLst>
   </p:cSld>
@@ -4973,8 +5139,15 @@
               <a:buChar char="•"/>
             </a:pPr>
             <a:r>
-              <a:rPr lang="en-GB" sz="1400" dirty="0"/>
-              <a:t>REST formulates a series of Constraints/Rules with as purpose to enforce some Desirable Key Properties / Non-functional requirements.</a:t>
+              <a:rPr lang="en-GB" dirty="0"/>
+              <a:t>User Agent</a:t>
+            </a:r>
+            <a:br>
+              <a:rPr lang="en-GB" dirty="0"/>
+            </a:br>
+            <a:r>
+              <a:rPr lang="en-GB" dirty="0"/>
+              <a:t>You interact with your User Agent, which in turn interacts for you with the web.</a:t>
             </a:r>
           </a:p>
           <a:p>
@@ -4983,39 +5156,38 @@
               <a:buChar char="•"/>
             </a:pPr>
             <a:r>
-              <a:rPr lang="en-GB" sz="1400" dirty="0"/>
-              <a:t>Connections = The amount of concurrent socket-connections (note: 1 user can have multiple socket connections)</a:t>
-            </a:r>
-          </a:p>
-          <a:p>
-            <a:pPr marL="177416" indent="-177416">
-              <a:buFont typeface="Arial" panose="020B0604020202020204" pitchFamily="34" charset="0"/>
-              <a:buChar char="•"/>
-            </a:pPr>
-            <a:r>
-              <a:rPr lang="en-GB" sz="1400" dirty="0"/>
-              <a:t>No single points of failure -&gt; graceful degradation if a node falls away.</a:t>
-            </a:r>
-          </a:p>
-          <a:p>
-            <a:pPr marL="177416" indent="-177416">
-              <a:buFont typeface="Arial" panose="020B0604020202020204" pitchFamily="34" charset="0"/>
-              <a:buChar char="•"/>
-            </a:pPr>
-            <a:r>
-              <a:rPr lang="en-GB" sz="1400" dirty="0"/>
-              <a:t>Failover mechanisms -&gt; ability to recover from certain failures.</a:t>
-            </a:r>
-          </a:p>
-          <a:p>
-            <a:pPr marL="177416" indent="-177416">
-              <a:buFont typeface="Arial" panose="020B0604020202020204" pitchFamily="34" charset="0"/>
-              <a:buChar char="•"/>
-            </a:pPr>
-            <a:r>
-              <a:rPr lang="en-GB" sz="1400" dirty="0"/>
-              <a:t>Monitoring -&gt; of performance / throughput (such that you know when to scale up or down resources).</a:t>
-            </a:r>
+              <a:rPr lang="en-GB" dirty="0"/>
+              <a:t>The representation of the resource is rendered for the client, for example:</a:t>
+            </a:r>
+            <a:br>
+              <a:rPr lang="en-GB" dirty="0"/>
+            </a:br>
+            <a:r>
+              <a:rPr lang="en-GB" dirty="0"/>
+              <a:t>You ask the server a representation of a resource, preferably in xml, or otherwise jpg.</a:t>
+            </a:r>
+            <a:br>
+              <a:rPr lang="en-GB" dirty="0"/>
+            </a:br>
+            <a:r>
+              <a:rPr lang="en-GB" dirty="0"/>
+              <a:t>This is called content negotiation. </a:t>
+            </a:r>
+            <a:br>
+              <a:rPr lang="en-GB" dirty="0"/>
+            </a:br>
+            <a:r>
+              <a:rPr lang="en-GB" dirty="0"/>
+              <a:t>The server then should try to send a representation that is closest to the requested form</a:t>
+            </a:r>
+            <a:br>
+              <a:rPr lang="en-GB" dirty="0"/>
+            </a:br>
+            <a:r>
+              <a:rPr lang="en-GB" dirty="0"/>
+              <a:t>(or let it know if that form is not available).</a:t>
+            </a:r>
+            <a:endParaRPr lang="nl-NL" dirty="0"/>
           </a:p>
         </p:txBody>
       </p:sp>
@@ -5067,7 +5239,7 @@
     </p:spTree>
     <p:extLst>
       <p:ext uri="{BB962C8B-B14F-4D97-AF65-F5344CB8AC3E}">
-        <p14:creationId xmlns:p14="http://schemas.microsoft.com/office/powerpoint/2010/main" val="35145421"/>
+        <p14:creationId xmlns:p14="http://schemas.microsoft.com/office/powerpoint/2010/main" val="3126098596"/>
       </p:ext>
     </p:extLst>
   </p:cSld>
@@ -5131,12 +5303,15 @@
               <a:buChar char="•"/>
             </a:pPr>
             <a:r>
-              <a:rPr lang="en-GB" sz="1400" dirty="0" err="1"/>
-              <a:t>Serparating</a:t>
-            </a:r>
-            <a:r>
-              <a:rPr lang="en-GB" sz="1400" dirty="0"/>
-              <a:t> functionality -&gt; such that we only need to worry about the part that is relevant to us.</a:t>
+              <a:rPr lang="en-GB" dirty="0"/>
+              <a:t>An item of interest is something abstract. It can be really anything.</a:t>
+            </a:r>
+            <a:br>
+              <a:rPr lang="en-GB" dirty="0"/>
+            </a:br>
+            <a:r>
+              <a:rPr lang="en-GB" dirty="0"/>
+              <a:t>In this example, the concept “4” is used.</a:t>
             </a:r>
           </a:p>
           <a:p>
@@ -5145,8 +5320,8 @@
               <a:buChar char="•"/>
             </a:pPr>
             <a:r>
-              <a:rPr lang="en-GB" sz="1400" dirty="0"/>
-              <a:t>Uniform interaction -&gt; communication / behaviour via uniform rules – that prevents the need to read different manuals for everything.</a:t>
+              <a:rPr lang="en-GB" dirty="0"/>
+              <a:t>The representation is determined by content negotiation. The client asks for a specific type of representation.</a:t>
             </a:r>
           </a:p>
           <a:p>
@@ -5155,70 +5330,38 @@
               <a:buChar char="•"/>
             </a:pPr>
             <a:r>
-              <a:rPr lang="en-GB" sz="1400" dirty="0"/>
-              <a:t>Discoverable services (hypermedia)</a:t>
-            </a:r>
-          </a:p>
-          <a:p>
-            <a:pPr marL="177416" indent="-177416">
-              <a:buFont typeface="Arial" panose="020B0604020202020204" pitchFamily="34" charset="0"/>
-              <a:buChar char="•"/>
-            </a:pPr>
-            <a:r>
-              <a:rPr lang="en-GB" sz="1400" dirty="0"/>
-              <a:t>Robust to changes over time (hypermedia)</a:t>
-            </a:r>
-          </a:p>
-          <a:p>
-            <a:pPr marL="177416" indent="-177416">
-              <a:buFont typeface="Arial" panose="020B0604020202020204" pitchFamily="34" charset="0"/>
-              <a:buChar char="•"/>
-            </a:pPr>
-            <a:r>
-              <a:rPr lang="en-GB" sz="1400" dirty="0"/>
-              <a:t>Evolvable-&gt;representation of resources, client and server can evolve independently.</a:t>
-            </a:r>
-          </a:p>
-          <a:p>
-            <a:pPr marL="177416" indent="-177416">
-              <a:buFont typeface="Arial" panose="020B0604020202020204" pitchFamily="34" charset="0"/>
-              <a:buChar char="•"/>
-            </a:pPr>
-            <a:r>
-              <a:rPr lang="en-GB" sz="1400" dirty="0"/>
-              <a:t>Extensible-&gt;scalable</a:t>
-            </a:r>
-          </a:p>
-          <a:p>
-            <a:pPr marL="177416" indent="-177416">
-              <a:buFont typeface="Arial" panose="020B0604020202020204" pitchFamily="34" charset="0"/>
-              <a:buChar char="•"/>
-            </a:pPr>
-            <a:r>
-              <a:rPr lang="en-GB" sz="1400" dirty="0"/>
-              <a:t>Monitor -&gt; what is happening in the system, who talks with who, what’s the bottleneck.</a:t>
-            </a:r>
-          </a:p>
-          <a:p>
-            <a:pPr marL="177416" indent="-177416">
-              <a:buFont typeface="Arial" panose="020B0604020202020204" pitchFamily="34" charset="0"/>
-              <a:buChar char="•"/>
-            </a:pPr>
-            <a:r>
-              <a:rPr lang="en-GB" sz="1400" dirty="0"/>
-              <a:t>Regulate (e.g. caching) -&gt; cache unaltered data on a place closer to the client to allow faster access.</a:t>
-            </a:r>
-          </a:p>
-          <a:p>
-            <a:pPr marL="177416" indent="-177416">
-              <a:buFont typeface="Arial" panose="020B0604020202020204" pitchFamily="34" charset="0"/>
-              <a:buChar char="•"/>
-            </a:pPr>
-            <a:r>
-              <a:rPr lang="en-GB" sz="1400" dirty="0"/>
-              <a:t>Availability – because of scalability of resources.</a:t>
-            </a:r>
-            <a:endParaRPr lang="nl-NL" sz="1400" dirty="0"/>
+              <a:rPr lang="en-GB" dirty="0"/>
+              <a:t>Representations are the ONLY means of transfer between client and server:</a:t>
+            </a:r>
+            <a:br>
+              <a:rPr lang="en-GB" dirty="0"/>
+            </a:br>
+            <a:r>
+              <a:rPr lang="en-GB" dirty="0"/>
+              <a:t>* That means that a client can only change a resource by sending back an updated representation of that resource.</a:t>
+            </a:r>
+            <a:br>
+              <a:rPr lang="en-GB" dirty="0"/>
+            </a:br>
+            <a:r>
+              <a:rPr lang="en-GB" dirty="0"/>
+              <a:t>* For example, if the resource is a collection of accounts, and you like to add your own account, to stay following</a:t>
+            </a:r>
+            <a:br>
+              <a:rPr lang="en-GB" dirty="0"/>
+            </a:br>
+            <a:r>
+              <a:rPr lang="en-GB" dirty="0"/>
+              <a:t>REST principles, you should download a representation of the entire collection, create an updated representation that</a:t>
+            </a:r>
+            <a:br>
+              <a:rPr lang="en-GB" dirty="0"/>
+            </a:br>
+            <a:r>
+              <a:rPr lang="en-GB" dirty="0"/>
+              <a:t>includes the new account, and upload the updated representation.</a:t>
+            </a:r>
+            <a:endParaRPr lang="nl-NL" dirty="0"/>
           </a:p>
         </p:txBody>
       </p:sp>
@@ -5270,7 +5413,7 @@
     </p:spTree>
     <p:extLst>
       <p:ext uri="{BB962C8B-B14F-4D97-AF65-F5344CB8AC3E}">
-        <p14:creationId xmlns:p14="http://schemas.microsoft.com/office/powerpoint/2010/main" val="716965187"/>
+        <p14:creationId xmlns:p14="http://schemas.microsoft.com/office/powerpoint/2010/main" val="1237030100"/>
       </p:ext>
     </p:extLst>
   </p:cSld>
@@ -5334,8 +5477,8 @@
               <a:buChar char="•"/>
             </a:pPr>
             <a:r>
-              <a:rPr lang="en-GB" sz="1700" dirty="0"/>
-              <a:t>To allow those key properties, Roy proposed 6 constraints.</a:t>
+              <a:rPr lang="en-GB" sz="1400" dirty="0"/>
+              <a:t>REST formulates a series of Constraints/Rules with as purpose to enforce some Desirable Key Properties / Non-functional requirements.</a:t>
             </a:r>
           </a:p>
           <a:p>
@@ -5344,8 +5487,8 @@
               <a:buChar char="•"/>
             </a:pPr>
             <a:r>
-              <a:rPr lang="en-GB" sz="1700" dirty="0"/>
-              <a:t>Constraint 1: use Client/Server architecture</a:t>
+              <a:rPr lang="en-GB" sz="1400" dirty="0"/>
+              <a:t>Connections = The amount of concurrent socket-connections (note: 1 user can have multiple socket connections)</a:t>
             </a:r>
           </a:p>
           <a:p>
@@ -5354,8 +5497,8 @@
               <a:buChar char="•"/>
             </a:pPr>
             <a:r>
-              <a:rPr lang="en-GB" sz="1700" dirty="0"/>
-              <a:t>Clear roles – client vs server</a:t>
+              <a:rPr lang="en-GB" sz="1400" dirty="0"/>
+              <a:t>No single points of failure -&gt; graceful degradation if a node falls away.</a:t>
             </a:r>
           </a:p>
           <a:p>
@@ -5364,8 +5507,8 @@
               <a:buChar char="•"/>
             </a:pPr>
             <a:r>
-              <a:rPr lang="en-GB" sz="1700" dirty="0"/>
-              <a:t>Pull by the client.</a:t>
+              <a:rPr lang="en-GB" sz="1400" dirty="0"/>
+              <a:t>Failover mechanisms -&gt; ability to recover from certain failures.</a:t>
             </a:r>
           </a:p>
           <a:p>
@@ -5374,8 +5517,8 @@
               <a:buChar char="•"/>
             </a:pPr>
             <a:r>
-              <a:rPr lang="en-GB" sz="1700" dirty="0"/>
-              <a:t>Separation of concerns – client and server can each focus on their own problems</a:t>
+              <a:rPr lang="en-GB" sz="1400" dirty="0"/>
+              <a:t>Monitoring -&gt; of performance / throughput (such that you know when to scale up or down resources).</a:t>
             </a:r>
           </a:p>
         </p:txBody>
@@ -5428,7 +5571,7 @@
     </p:spTree>
     <p:extLst>
       <p:ext uri="{BB962C8B-B14F-4D97-AF65-F5344CB8AC3E}">
-        <p14:creationId xmlns:p14="http://schemas.microsoft.com/office/powerpoint/2010/main" val="435278374"/>
+        <p14:creationId xmlns:p14="http://schemas.microsoft.com/office/powerpoint/2010/main" val="35145421"/>
       </p:ext>
     </p:extLst>
   </p:cSld>
@@ -5492,29 +5635,12 @@
               <a:buChar char="•"/>
             </a:pPr>
             <a:r>
+              <a:rPr lang="en-GB" sz="1400" dirty="0" err="1"/>
+              <a:t>Serparating</a:t>
+            </a:r>
+            <a:r>
               <a:rPr lang="en-GB" sz="1400" dirty="0"/>
-              <a:t>Self contained: </a:t>
-            </a:r>
-            <a:br>
-              <a:rPr lang="en-GB" sz="1400" dirty="0"/>
-            </a:br>
-            <a:r>
-              <a:rPr lang="en-GB" sz="1400" dirty="0"/>
-              <a:t>The application is responsible for its own state (the application state).</a:t>
-            </a:r>
-            <a:br>
-              <a:rPr lang="en-GB" sz="1400" dirty="0"/>
-            </a:br>
-            <a:r>
-              <a:rPr lang="en-GB" sz="1400" dirty="0"/>
-              <a:t>The server is also responsible for its own state (the resource state).</a:t>
-            </a:r>
-            <a:br>
-              <a:rPr lang="en-GB" sz="1400" dirty="0"/>
-            </a:br>
-            <a:r>
-              <a:rPr lang="en-GB" sz="1400" dirty="0"/>
-              <a:t>These should not be mixed.</a:t>
+              <a:t> functionality -&gt; such that we only need to worry about the part that is relevant to us.</a:t>
             </a:r>
           </a:p>
           <a:p>
@@ -5524,14 +5650,7 @@
             </a:pPr>
             <a:r>
               <a:rPr lang="en-GB" sz="1400" dirty="0"/>
-              <a:t>Application State = Session State.</a:t>
-            </a:r>
-            <a:br>
-              <a:rPr lang="en-GB" sz="1400" dirty="0"/>
-            </a:br>
-            <a:r>
-              <a:rPr lang="en-GB" sz="1400" dirty="0"/>
-              <a:t>With Restful design, the application state should reside entirely at the client.</a:t>
+              <a:t>Uniform interaction -&gt; communication / behaviour via uniform rules – that prevents the need to read different manuals for everything.</a:t>
             </a:r>
           </a:p>
           <a:p>
@@ -5541,21 +5660,67 @@
             </a:pPr>
             <a:r>
               <a:rPr lang="en-GB" sz="1400" dirty="0"/>
-              <a:t>So in a restful system, the server is not allowed to bookkeep the shopping basket.</a:t>
-            </a:r>
-            <a:br>
+              <a:t>Discoverable services (hypermedia)</a:t>
+            </a:r>
+          </a:p>
+          <a:p>
+            <a:pPr marL="177416" indent="-177416">
+              <a:buFont typeface="Arial" panose="020B0604020202020204" pitchFamily="34" charset="0"/>
+              <a:buChar char="•"/>
+            </a:pPr>
+            <a:r>
               <a:rPr lang="en-GB" sz="1400" dirty="0"/>
-            </a:br>
+              <a:t>Robust to changes over time (hypermedia)</a:t>
+            </a:r>
+          </a:p>
+          <a:p>
+            <a:pPr marL="177416" indent="-177416">
+              <a:buFont typeface="Arial" panose="020B0604020202020204" pitchFamily="34" charset="0"/>
+              <a:buChar char="•"/>
+            </a:pPr>
             <a:r>
               <a:rPr lang="en-GB" sz="1400" dirty="0"/>
-              <a:t>So every time the client adds a shopping item, it should send a representation of the complete, updated shopping basket to the server</a:t>
-            </a:r>
-            <a:br>
+              <a:t>Evolvable-&gt;representation of resources, client and server can evolve independently.</a:t>
+            </a:r>
+          </a:p>
+          <a:p>
+            <a:pPr marL="177416" indent="-177416">
+              <a:buFont typeface="Arial" panose="020B0604020202020204" pitchFamily="34" charset="0"/>
+              <a:buChar char="•"/>
+            </a:pPr>
+            <a:r>
               <a:rPr lang="en-GB" sz="1400" dirty="0"/>
-            </a:br>
+              <a:t>Extensible-&gt;scalable</a:t>
+            </a:r>
+          </a:p>
+          <a:p>
+            <a:pPr marL="177416" indent="-177416">
+              <a:buFont typeface="Arial" panose="020B0604020202020204" pitchFamily="34" charset="0"/>
+              <a:buChar char="•"/>
+            </a:pPr>
             <a:r>
               <a:rPr lang="en-GB" sz="1400" dirty="0"/>
-              <a:t>(which then can validate whether the requested amount of items is actually available and so on).</a:t>
+              <a:t>Monitor -&gt; what is happening in the system, who talks with who, what’s the bottleneck.</a:t>
+            </a:r>
+          </a:p>
+          <a:p>
+            <a:pPr marL="177416" indent="-177416">
+              <a:buFont typeface="Arial" panose="020B0604020202020204" pitchFamily="34" charset="0"/>
+              <a:buChar char="•"/>
+            </a:pPr>
+            <a:r>
+              <a:rPr lang="en-GB" sz="1400" dirty="0"/>
+              <a:t>Regulate (e.g. caching) -&gt; cache unaltered data on a place closer to the client to allow faster access.</a:t>
+            </a:r>
+          </a:p>
+          <a:p>
+            <a:pPr marL="177416" indent="-177416">
+              <a:buFont typeface="Arial" panose="020B0604020202020204" pitchFamily="34" charset="0"/>
+              <a:buChar char="•"/>
+            </a:pPr>
+            <a:r>
+              <a:rPr lang="en-GB" sz="1400" dirty="0"/>
+              <a:t>Availability – because of scalability of resources.</a:t>
             </a:r>
             <a:endParaRPr lang="nl-NL" sz="1400" dirty="0"/>
           </a:p>
@@ -5609,7 +5774,7 @@
     </p:spTree>
     <p:extLst>
       <p:ext uri="{BB962C8B-B14F-4D97-AF65-F5344CB8AC3E}">
-        <p14:creationId xmlns:p14="http://schemas.microsoft.com/office/powerpoint/2010/main" val="3572588625"/>
+        <p14:creationId xmlns:p14="http://schemas.microsoft.com/office/powerpoint/2010/main" val="716965187"/>
       </p:ext>
     </p:extLst>
   </p:cSld>
@@ -5674,17 +5839,48 @@
             </a:pPr>
             <a:r>
               <a:rPr lang="en-GB" sz="1700" dirty="0"/>
-              <a:t>The above constraints are ensured </a:t>
-            </a:r>
-            <a:r>
-              <a:rPr lang="en-GB" sz="1700" dirty="0" err="1"/>
-              <a:t>a.o.</a:t>
-            </a:r>
+              <a:t>To allow those key properties, Roy proposed 6 constraints.</a:t>
+            </a:r>
+          </a:p>
+          <a:p>
+            <a:pPr marL="177416" indent="-177416">
+              <a:buFont typeface="Arial" panose="020B0604020202020204" pitchFamily="34" charset="0"/>
+              <a:buChar char="•"/>
+            </a:pPr>
             <a:r>
               <a:rPr lang="en-GB" sz="1700" dirty="0"/>
-              <a:t> by using http with “Cache-Control” and “Last-Modified” headers, and by not using GET to change resources.</a:t>
-            </a:r>
-            <a:endParaRPr lang="nl-NL" sz="1700" dirty="0"/>
+              <a:t>Constraint 1: use Client/Server architecture</a:t>
+            </a:r>
+          </a:p>
+          <a:p>
+            <a:pPr marL="177416" indent="-177416">
+              <a:buFont typeface="Arial" panose="020B0604020202020204" pitchFamily="34" charset="0"/>
+              <a:buChar char="•"/>
+            </a:pPr>
+            <a:r>
+              <a:rPr lang="en-GB" sz="1700" dirty="0"/>
+              <a:t>Clear roles – client vs server</a:t>
+            </a:r>
+          </a:p>
+          <a:p>
+            <a:pPr marL="177416" indent="-177416">
+              <a:buFont typeface="Arial" panose="020B0604020202020204" pitchFamily="34" charset="0"/>
+              <a:buChar char="•"/>
+            </a:pPr>
+            <a:r>
+              <a:rPr lang="en-GB" sz="1700" dirty="0"/>
+              <a:t>Pull by the client.</a:t>
+            </a:r>
+          </a:p>
+          <a:p>
+            <a:pPr marL="177416" indent="-177416">
+              <a:buFont typeface="Arial" panose="020B0604020202020204" pitchFamily="34" charset="0"/>
+              <a:buChar char="•"/>
+            </a:pPr>
+            <a:r>
+              <a:rPr lang="en-GB" sz="1700" dirty="0"/>
+              <a:t>Separation of concerns – client and server can each focus on their own problems</a:t>
+            </a:r>
           </a:p>
         </p:txBody>
       </p:sp>
@@ -5736,7 +5932,7 @@
     </p:spTree>
     <p:extLst>
       <p:ext uri="{BB962C8B-B14F-4D97-AF65-F5344CB8AC3E}">
-        <p14:creationId xmlns:p14="http://schemas.microsoft.com/office/powerpoint/2010/main" val="250370106"/>
+        <p14:creationId xmlns:p14="http://schemas.microsoft.com/office/powerpoint/2010/main" val="435278374"/>
       </p:ext>
     </p:extLst>
   </p:cSld>
@@ -5800,15 +5996,29 @@
               <a:buChar char="•"/>
             </a:pPr>
             <a:r>
-              <a:rPr lang="en-GB" i="0" dirty="0"/>
-              <a:t>Identification of resources: </a:t>
+              <a:rPr lang="en-GB" sz="1400" dirty="0"/>
+              <a:t>Self contained: </a:t>
             </a:r>
             <a:br>
-              <a:rPr lang="en-GB" i="0" dirty="0"/>
+              <a:rPr lang="en-GB" sz="1400" dirty="0"/>
             </a:br>
             <a:r>
-              <a:rPr lang="en-GB" i="0" dirty="0"/>
-              <a:t>We need to think in terms of nouns, rather than verbs.</a:t>
+              <a:rPr lang="en-GB" sz="1400" dirty="0"/>
+              <a:t>The application is responsible for its own state (the application state).</a:t>
+            </a:r>
+            <a:br>
+              <a:rPr lang="en-GB" sz="1400" dirty="0"/>
+            </a:br>
+            <a:r>
+              <a:rPr lang="en-GB" sz="1400" dirty="0"/>
+              <a:t>The server is also responsible for its own state (the resource state).</a:t>
+            </a:r>
+            <a:br>
+              <a:rPr lang="en-GB" sz="1400" dirty="0"/>
+            </a:br>
+            <a:r>
+              <a:rPr lang="en-GB" sz="1400" dirty="0"/>
+              <a:t>These should not be mixed.</a:t>
             </a:r>
           </a:p>
           <a:p>
@@ -5817,15 +6027,15 @@
               <a:buChar char="•"/>
             </a:pPr>
             <a:r>
-              <a:rPr lang="en-GB" i="0" dirty="0"/>
-              <a:t>Self-descriptive messages with a standard set of methods.</a:t>
+              <a:rPr lang="en-GB" sz="1400" dirty="0"/>
+              <a:t>Application State = Session State.</a:t>
             </a:r>
             <a:br>
-              <a:rPr lang="en-GB" i="0" dirty="0"/>
+              <a:rPr lang="en-GB" sz="1400" dirty="0"/>
             </a:br>
             <a:r>
-              <a:rPr lang="en-GB" i="0" dirty="0"/>
-              <a:t>Examples: Create, Update or Delete a resource.</a:t>
+              <a:rPr lang="en-GB" sz="1400" dirty="0"/>
+              <a:t>With Restful design, the application state should reside entirely at the client.</a:t>
             </a:r>
           </a:p>
           <a:p>
@@ -5834,72 +6044,24 @@
               <a:buChar char="•"/>
             </a:pPr>
             <a:r>
-              <a:rPr lang="en-GB" i="0" dirty="0"/>
-              <a:t>HATEOS means:</a:t>
+              <a:rPr lang="en-GB" sz="1400" dirty="0"/>
+              <a:t>So in a restful system, the server is not allowed to bookkeep the shopping basket.</a:t>
             </a:r>
             <a:br>
-              <a:rPr lang="en-GB" i="0" dirty="0"/>
+              <a:rPr lang="en-GB" sz="1400" dirty="0"/>
             </a:br>
             <a:r>
-              <a:rPr lang="en-GB" i="0" dirty="0"/>
-              <a:t>Be discoverable. The server lets the user know where he can find the resources</a:t>
+              <a:rPr lang="en-GB" sz="1400" dirty="0"/>
+              <a:t>So every time the client adds a shopping item, it should send a representation of the complete, updated shopping basket to the server</a:t>
             </a:r>
             <a:br>
-              <a:rPr lang="en-GB" i="0" dirty="0"/>
+              <a:rPr lang="en-GB" sz="1400" dirty="0"/>
             </a:br>
             <a:r>
-              <a:rPr lang="en-GB" i="0" dirty="0"/>
-              <a:t>(the user would like to know for each resource what he can do with it).</a:t>
-            </a:r>
-            <a:br>
-              <a:rPr lang="en-GB" i="0" dirty="0"/>
-            </a:br>
-            <a:r>
-              <a:rPr lang="en-GB" i="0" dirty="0"/>
-              <a:t>For that reason, context information is added.</a:t>
-            </a:r>
-          </a:p>
-          <a:p>
-            <a:pPr marL="177416" indent="-177416">
-              <a:buFont typeface="Arial" panose="020B0604020202020204" pitchFamily="34" charset="0"/>
-              <a:buChar char="•"/>
-            </a:pPr>
-            <a:r>
-              <a:rPr lang="en-GB" i="0" dirty="0"/>
-              <a:t>Limited set of representation formats (xml, html) -&gt; so if the client understands html,</a:t>
-            </a:r>
-            <a:br>
-              <a:rPr lang="en-GB" i="0" dirty="0"/>
-            </a:br>
-            <a:r>
-              <a:rPr lang="en-GB" i="0" dirty="0"/>
-              <a:t>he’ll be able to deal with all sites that serve that.</a:t>
-            </a:r>
-          </a:p>
-          <a:p>
-            <a:pPr marL="177416" indent="-177416">
-              <a:buFont typeface="Arial" panose="020B0604020202020204" pitchFamily="34" charset="0"/>
-              <a:buChar char="•"/>
-            </a:pPr>
-            <a:r>
-              <a:rPr lang="en-GB" i="0" dirty="0"/>
-              <a:t>Hypermedia-driven -&gt;</a:t>
-            </a:r>
-            <a:br>
-              <a:rPr lang="en-GB" i="0" dirty="0"/>
-            </a:br>
-            <a:r>
-              <a:rPr lang="en-GB" i="0" dirty="0"/>
-              <a:t>That is: independent of a specific API – an online, on the fly </a:t>
-            </a:r>
-            <a:r>
-              <a:rPr lang="en-GB" i="0" dirty="0" err="1"/>
-              <a:t>modifyable</a:t>
-            </a:r>
-            <a:r>
-              <a:rPr lang="en-GB" i="0" dirty="0"/>
-              <a:t> interface.</a:t>
-            </a:r>
+              <a:rPr lang="en-GB" sz="1400" dirty="0"/>
+              <a:t>(which then can validate whether the requested amount of items is actually available and so on).</a:t>
+            </a:r>
+            <a:endParaRPr lang="nl-NL" sz="1400" dirty="0"/>
           </a:p>
         </p:txBody>
       </p:sp>
@@ -5951,7 +6113,7 @@
     </p:spTree>
     <p:extLst>
       <p:ext uri="{BB962C8B-B14F-4D97-AF65-F5344CB8AC3E}">
-        <p14:creationId xmlns:p14="http://schemas.microsoft.com/office/powerpoint/2010/main" val="546518692"/>
+        <p14:creationId xmlns:p14="http://schemas.microsoft.com/office/powerpoint/2010/main" val="3572588625"/>
       </p:ext>
     </p:extLst>
   </p:cSld>
@@ -6016,41 +6178,15 @@
             </a:pPr>
             <a:r>
               <a:rPr lang="en-GB" sz="1700" dirty="0"/>
-              <a:t>Proxy = machine</a:t>
-            </a:r>
-          </a:p>
-          <a:p>
-            <a:pPr marL="177416" indent="-177416">
-              <a:buFont typeface="Arial" panose="020B0604020202020204" pitchFamily="34" charset="0"/>
-              <a:buChar char="•"/>
-            </a:pPr>
+              <a:t>The above constraints are ensured </a:t>
+            </a:r>
+            <a:r>
+              <a:rPr lang="en-GB" sz="1700" dirty="0" err="1"/>
+              <a:t>a.o.</a:t>
+            </a:r>
             <a:r>
               <a:rPr lang="en-GB" sz="1700" dirty="0"/>
-              <a:t>Forward Proxy = Machine that acts on behalf of the client – to protect the client from the server:</a:t>
-            </a:r>
-            <a:br>
-              <a:rPr lang="en-GB" sz="1700" dirty="0"/>
-            </a:br>
-            <a:r>
-              <a:rPr lang="en-GB" sz="1700" dirty="0"/>
-              <a:t>all the server sees, is the forward proxy, not the client itself.</a:t>
-            </a:r>
-          </a:p>
-          <a:p>
-            <a:pPr marL="177416" indent="-177416">
-              <a:buFont typeface="Arial" panose="020B0604020202020204" pitchFamily="34" charset="0"/>
-              <a:buChar char="•"/>
-            </a:pPr>
-            <a:r>
-              <a:rPr lang="en-GB" sz="1700" dirty="0"/>
-              <a:t>Reverse Proxy = Machine that acts on behalf of the server – to protect the server from the client:</a:t>
-            </a:r>
-            <a:br>
-              <a:rPr lang="en-GB" sz="1700" dirty="0"/>
-            </a:br>
-            <a:r>
-              <a:rPr lang="en-GB" sz="1700" dirty="0"/>
-              <a:t>for example, protection from overload by means of caching.</a:t>
+              <a:t> by using http with “Cache-Control” and “Last-Modified” headers, and by not using GET to change resources.</a:t>
             </a:r>
             <a:endParaRPr lang="nl-NL" sz="1700" dirty="0"/>
           </a:p>
@@ -6104,7 +6240,7 @@
     </p:spTree>
     <p:extLst>
       <p:ext uri="{BB962C8B-B14F-4D97-AF65-F5344CB8AC3E}">
-        <p14:creationId xmlns:p14="http://schemas.microsoft.com/office/powerpoint/2010/main" val="783593993"/>
+        <p14:creationId xmlns:p14="http://schemas.microsoft.com/office/powerpoint/2010/main" val="250370106"/>
       </p:ext>
     </p:extLst>
   </p:cSld>
@@ -6168,16 +6304,15 @@
               <a:buChar char="•"/>
             </a:pPr>
             <a:r>
-              <a:rPr lang="en-GB" sz="1700" dirty="0"/>
-              <a:t>Often improves user experience by offering a nicer </a:t>
-            </a:r>
-            <a:r>
-              <a:rPr lang="en-GB" sz="1700" dirty="0" err="1"/>
-              <a:t>ui</a:t>
-            </a:r>
-            <a:r>
-              <a:rPr lang="en-GB" sz="1700" dirty="0"/>
-              <a:t>.</a:t>
+              <a:rPr lang="en-GB" i="0" dirty="0"/>
+              <a:t>Identification of resources: </a:t>
+            </a:r>
+            <a:br>
+              <a:rPr lang="en-GB" i="0" dirty="0"/>
+            </a:br>
+            <a:r>
+              <a:rPr lang="en-GB" i="0" dirty="0"/>
+              <a:t>We need to think in terms of nouns, rather than verbs.</a:t>
             </a:r>
           </a:p>
           <a:p>
@@ -6186,10 +6321,89 @@
               <a:buChar char="•"/>
             </a:pPr>
             <a:r>
-              <a:rPr lang="en-GB" sz="1700" dirty="0"/>
-              <a:t>Disadvantage: less safe.</a:t>
-            </a:r>
-            <a:endParaRPr lang="nl-NL" sz="1700" dirty="0"/>
+              <a:rPr lang="en-GB" i="0" dirty="0"/>
+              <a:t>Self-descriptive messages with a standard set of methods.</a:t>
+            </a:r>
+            <a:br>
+              <a:rPr lang="en-GB" i="0" dirty="0"/>
+            </a:br>
+            <a:r>
+              <a:rPr lang="en-GB" i="0" dirty="0"/>
+              <a:t>Examples: Create, Update or Delete a resource.</a:t>
+            </a:r>
+          </a:p>
+          <a:p>
+            <a:pPr marL="177416" indent="-177416">
+              <a:buFont typeface="Arial" panose="020B0604020202020204" pitchFamily="34" charset="0"/>
+              <a:buChar char="•"/>
+            </a:pPr>
+            <a:r>
+              <a:rPr lang="en-GB" i="0" dirty="0"/>
+              <a:t>HATEOS means:</a:t>
+            </a:r>
+            <a:br>
+              <a:rPr lang="en-GB" i="0" dirty="0"/>
+            </a:br>
+            <a:r>
+              <a:rPr lang="en-GB" i="0" dirty="0"/>
+              <a:t>Be discoverable. The server lets the user know where he can find the resources</a:t>
+            </a:r>
+            <a:br>
+              <a:rPr lang="en-GB" i="0" dirty="0"/>
+            </a:br>
+            <a:r>
+              <a:rPr lang="en-GB" i="0" dirty="0"/>
+              <a:t>(the user would like to know for each resource what he can do with it).</a:t>
+            </a:r>
+            <a:br>
+              <a:rPr lang="en-GB" i="0" dirty="0"/>
+            </a:br>
+            <a:r>
+              <a:rPr lang="en-GB" i="0" dirty="0"/>
+              <a:t>For that reason, context information is added.</a:t>
+            </a:r>
+          </a:p>
+          <a:p>
+            <a:pPr marL="177416" indent="-177416">
+              <a:buFont typeface="Arial" panose="020B0604020202020204" pitchFamily="34" charset="0"/>
+              <a:buChar char="•"/>
+            </a:pPr>
+            <a:r>
+              <a:rPr lang="en-GB" i="0" dirty="0"/>
+              <a:t>Limited set of representation formats (xml, html) -&gt; so if the client understands html,</a:t>
+            </a:r>
+            <a:br>
+              <a:rPr lang="en-GB" i="0" dirty="0"/>
+            </a:br>
+            <a:r>
+              <a:rPr lang="en-GB" i="0" dirty="0"/>
+              <a:t>he’ll be able to deal with all sites that serve that.</a:t>
+            </a:r>
+          </a:p>
+          <a:p>
+            <a:pPr marL="177416" indent="-177416">
+              <a:buFont typeface="Arial" panose="020B0604020202020204" pitchFamily="34" charset="0"/>
+              <a:buChar char="•"/>
+            </a:pPr>
+            <a:r>
+              <a:rPr lang="en-GB" i="0" dirty="0"/>
+              <a:t>Hypermedia-driven -&gt;</a:t>
+            </a:r>
+            <a:br>
+              <a:rPr lang="en-GB" i="0" dirty="0"/>
+            </a:br>
+            <a:r>
+              <a:rPr lang="en-GB" i="0" dirty="0"/>
+              <a:t>That is: independent of a specific API – an online, on the fly </a:t>
+            </a:r>
+            <a:r>
+              <a:rPr lang="en-GB" i="0" dirty="0" err="1"/>
+              <a:t>modifyable</a:t>
+            </a:r>
+            <a:r>
+              <a:rPr lang="en-GB" i="0" dirty="0"/>
+              <a:t> interface.</a:t>
+            </a:r>
           </a:p>
         </p:txBody>
       </p:sp>
@@ -6241,7 +6455,7 @@
     </p:spTree>
     <p:extLst>
       <p:ext uri="{BB962C8B-B14F-4D97-AF65-F5344CB8AC3E}">
-        <p14:creationId xmlns:p14="http://schemas.microsoft.com/office/powerpoint/2010/main" val="893493856"/>
+        <p14:creationId xmlns:p14="http://schemas.microsoft.com/office/powerpoint/2010/main" val="546518692"/>
       </p:ext>
     </p:extLst>
   </p:cSld>
@@ -6300,11 +6514,49 @@
           <a:bodyPr/>
           <a:lstStyle/>
           <a:p>
-            <a:r>
-              <a:rPr lang="en-GB" dirty="0"/>
-              <a:t> </a:t>
-            </a:r>
-            <a:endParaRPr lang="nl-NL" dirty="0"/>
+            <a:pPr marL="177416" indent="-177416">
+              <a:buFont typeface="Arial" panose="020B0604020202020204" pitchFamily="34" charset="0"/>
+              <a:buChar char="•"/>
+            </a:pPr>
+            <a:r>
+              <a:rPr lang="en-GB" sz="1700" dirty="0"/>
+              <a:t>Proxy = machine</a:t>
+            </a:r>
+          </a:p>
+          <a:p>
+            <a:pPr marL="177416" indent="-177416">
+              <a:buFont typeface="Arial" panose="020B0604020202020204" pitchFamily="34" charset="0"/>
+              <a:buChar char="•"/>
+            </a:pPr>
+            <a:r>
+              <a:rPr lang="en-GB" sz="1700" dirty="0"/>
+              <a:t>Forward Proxy = Machine that acts on behalf of the client – to protect the client from the server:</a:t>
+            </a:r>
+            <a:br>
+              <a:rPr lang="en-GB" sz="1700" dirty="0"/>
+            </a:br>
+            <a:r>
+              <a:rPr lang="en-GB" sz="1700" dirty="0"/>
+              <a:t>all the server sees, is the forward proxy, not the client itself.</a:t>
+            </a:r>
+          </a:p>
+          <a:p>
+            <a:pPr marL="177416" indent="-177416">
+              <a:buFont typeface="Arial" panose="020B0604020202020204" pitchFamily="34" charset="0"/>
+              <a:buChar char="•"/>
+            </a:pPr>
+            <a:r>
+              <a:rPr lang="en-GB" sz="1700" dirty="0"/>
+              <a:t>Reverse Proxy = Machine that acts on behalf of the server – to protect the server from the client:</a:t>
+            </a:r>
+            <a:br>
+              <a:rPr lang="en-GB" sz="1700" dirty="0"/>
+            </a:br>
+            <a:r>
+              <a:rPr lang="en-GB" sz="1700" dirty="0"/>
+              <a:t>for example, protection from overload by means of caching.</a:t>
+            </a:r>
+            <a:endParaRPr lang="nl-NL" sz="1700" dirty="0"/>
           </a:p>
         </p:txBody>
       </p:sp>
@@ -6356,7 +6608,7 @@
     </p:spTree>
     <p:extLst>
       <p:ext uri="{BB962C8B-B14F-4D97-AF65-F5344CB8AC3E}">
-        <p14:creationId xmlns:p14="http://schemas.microsoft.com/office/powerpoint/2010/main" val="3845287742"/>
+        <p14:creationId xmlns:p14="http://schemas.microsoft.com/office/powerpoint/2010/main" val="783593993"/>
       </p:ext>
     </p:extLst>
   </p:cSld>
@@ -6421,7 +6673,15 @@
             </a:pPr>
             <a:r>
               <a:rPr lang="en-GB" sz="1700" dirty="0"/>
-              <a:t>Underlined means: HTTP allows it, but does not enforce it.</a:t>
+              <a:t>Often improves user experience by offering a nicer </a:t>
+            </a:r>
+            <a:r>
+              <a:rPr lang="en-GB" sz="1700" dirty="0" err="1"/>
+              <a:t>ui</a:t>
+            </a:r>
+            <a:r>
+              <a:rPr lang="en-GB" sz="1700" dirty="0"/>
+              <a:t>.</a:t>
             </a:r>
           </a:p>
           <a:p>
@@ -6431,17 +6691,7 @@
             </a:pPr>
             <a:r>
               <a:rPr lang="en-GB" sz="1700" dirty="0"/>
-              <a:t>HTTP/2 allows multi-text: multiple communications on a single connection (= faster).</a:t>
-            </a:r>
-          </a:p>
-          <a:p>
-            <a:pPr marL="177416" indent="-177416">
-              <a:buFont typeface="Arial" panose="020B0604020202020204" pitchFamily="34" charset="0"/>
-              <a:buChar char="•"/>
-            </a:pPr>
-            <a:r>
-              <a:rPr lang="en-GB" sz="1700" dirty="0"/>
-              <a:t>Mime types: For example html, xml, jpeg.</a:t>
+              <a:t>Disadvantage: less safe.</a:t>
             </a:r>
             <a:endParaRPr lang="nl-NL" sz="1700" dirty="0"/>
           </a:p>
@@ -6495,7 +6745,7 @@
     </p:spTree>
     <p:extLst>
       <p:ext uri="{BB962C8B-B14F-4D97-AF65-F5344CB8AC3E}">
-        <p14:creationId xmlns:p14="http://schemas.microsoft.com/office/powerpoint/2010/main" val="540252878"/>
+        <p14:creationId xmlns:p14="http://schemas.microsoft.com/office/powerpoint/2010/main" val="893493856"/>
       </p:ext>
     </p:extLst>
   </p:cSld>
@@ -6669,25 +6919,11 @@
           <a:bodyPr/>
           <a:lstStyle/>
           <a:p>
-            <a:pPr marL="177416" indent="-177416">
-              <a:buFont typeface="Arial" panose="020B0604020202020204" pitchFamily="34" charset="0"/>
-              <a:buChar char="•"/>
-            </a:pPr>
-            <a:r>
-              <a:rPr lang="en-GB" sz="1700" dirty="0"/>
-              <a:t>URL = “Uniform Resource Locator”</a:t>
-            </a:r>
-          </a:p>
-          <a:p>
-            <a:pPr marL="177416" indent="-177416">
-              <a:buFont typeface="Arial" panose="020B0604020202020204" pitchFamily="34" charset="0"/>
-              <a:buChar char="•"/>
-            </a:pPr>
-            <a:r>
-              <a:rPr lang="en-GB" sz="1700" dirty="0"/>
-              <a:t>HTTP/1.1 200 OK = status line of HTTP response message header (see other sheet)</a:t>
-            </a:r>
-            <a:endParaRPr lang="nl-NL" sz="1700" dirty="0"/>
+            <a:r>
+              <a:rPr lang="en-GB" dirty="0"/>
+              <a:t> </a:t>
+            </a:r>
+            <a:endParaRPr lang="nl-NL" dirty="0"/>
           </a:p>
         </p:txBody>
       </p:sp>
@@ -6739,7 +6975,7 @@
     </p:spTree>
     <p:extLst>
       <p:ext uri="{BB962C8B-B14F-4D97-AF65-F5344CB8AC3E}">
-        <p14:creationId xmlns:p14="http://schemas.microsoft.com/office/powerpoint/2010/main" val="2051756714"/>
+        <p14:creationId xmlns:p14="http://schemas.microsoft.com/office/powerpoint/2010/main" val="3845287742"/>
       </p:ext>
     </p:extLst>
   </p:cSld>
@@ -6804,7 +7040,7 @@
             </a:pPr>
             <a:r>
               <a:rPr lang="en-GB" sz="1700" dirty="0"/>
-              <a:t>Above Accept Header implies: In order of preference: first gif, then jpeg, otherwise anything else (like html) is okay.</a:t>
+              <a:t>Underlined means: HTTP allows it, but does not enforce it.</a:t>
             </a:r>
           </a:p>
           <a:p>
@@ -6814,21 +7050,17 @@
             </a:pPr>
             <a:r>
               <a:rPr lang="en-GB" sz="1700" dirty="0"/>
-              <a:t>Above example is not very restful:</a:t>
-            </a:r>
-            <a:br>
+              <a:t>HTTP/2 allows multi-text: multiple communications on a single connection (= faster).</a:t>
+            </a:r>
+          </a:p>
+          <a:p>
+            <a:pPr marL="177416" indent="-177416">
+              <a:buFont typeface="Arial" panose="020B0604020202020204" pitchFamily="34" charset="0"/>
+              <a:buChar char="•"/>
+            </a:pPr>
+            <a:r>
               <a:rPr lang="en-GB" sz="1700" dirty="0"/>
-            </a:br>
-            <a:r>
-              <a:rPr lang="en-GB" sz="1700" dirty="0"/>
-              <a:t>The query string should be in the request line.</a:t>
-            </a:r>
-            <a:br>
-              <a:rPr lang="en-GB" sz="1700" dirty="0"/>
-            </a:br>
-            <a:r>
-              <a:rPr lang="en-GB" sz="1700" dirty="0"/>
-              <a:t>The content should only contain representations.</a:t>
+              <a:t>Mime types: For example html, xml, jpeg.</a:t>
             </a:r>
             <a:endParaRPr lang="nl-NL" sz="1700" dirty="0"/>
           </a:p>
@@ -6882,7 +7114,7 @@
     </p:spTree>
     <p:extLst>
       <p:ext uri="{BB962C8B-B14F-4D97-AF65-F5344CB8AC3E}">
-        <p14:creationId xmlns:p14="http://schemas.microsoft.com/office/powerpoint/2010/main" val="4066550174"/>
+        <p14:creationId xmlns:p14="http://schemas.microsoft.com/office/powerpoint/2010/main" val="540252878"/>
       </p:ext>
     </p:extLst>
   </p:cSld>
@@ -6946,15 +7178,8 @@
               <a:buChar char="•"/>
             </a:pPr>
             <a:r>
-              <a:rPr lang="en-GB" sz="1400" dirty="0"/>
-              <a:t>The file protocol is normally used to retrieve files from your own computer, for example:</a:t>
-            </a:r>
-            <a:br>
-              <a:rPr lang="en-GB" sz="1400" dirty="0"/>
-            </a:br>
-            <a:r>
-              <a:rPr lang="en-GB" sz="1400" dirty="0"/>
-              <a:t>file://localhost/c:/myimage.jpg</a:t>
+              <a:rPr lang="en-GB" sz="1700" dirty="0"/>
+              <a:t>URL = “Uniform Resource Locator”</a:t>
             </a:r>
           </a:p>
           <a:p>
@@ -6963,72 +7188,10 @@
               <a:buChar char="•"/>
             </a:pPr>
             <a:r>
-              <a:rPr lang="en-GB" sz="1400" dirty="0"/>
-              <a:t>Fragment can be used to select part of a resource. Semantics depend on mime-type and local application.</a:t>
-            </a:r>
-          </a:p>
-          <a:p>
-            <a:pPr marL="177416" indent="-177416">
-              <a:buFont typeface="Arial" panose="020B0604020202020204" pitchFamily="34" charset="0"/>
-              <a:buChar char="•"/>
-            </a:pPr>
-            <a:r>
-              <a:rPr lang="en-GB" sz="1400" dirty="0"/>
-              <a:t>User information -&gt; can be used with .</a:t>
-            </a:r>
-            <a:r>
-              <a:rPr lang="en-GB" sz="1400" dirty="0" err="1"/>
-              <a:t>htaccess</a:t>
-            </a:r>
-            <a:r>
-              <a:rPr lang="en-GB" sz="1400" dirty="0"/>
-              <a:t> and .</a:t>
-            </a:r>
-            <a:r>
-              <a:rPr lang="en-GB" sz="1400" dirty="0" err="1"/>
-              <a:t>htpasswd</a:t>
-            </a:r>
-            <a:r>
-              <a:rPr lang="en-GB" sz="1400" dirty="0"/>
-              <a:t> files on the server.</a:t>
-            </a:r>
-            <a:br>
-              <a:rPr lang="en-GB" sz="1400" dirty="0"/>
-            </a:br>
-            <a:r>
-              <a:rPr lang="en-GB" sz="1400" dirty="0"/>
-              <a:t>Only use them with https, because otherwise the login credentials are sent unencrypted.</a:t>
-            </a:r>
-            <a:br>
-              <a:rPr lang="en-GB" sz="1400" dirty="0"/>
-            </a:br>
-            <a:r>
-              <a:rPr lang="en-GB" sz="1400" dirty="0"/>
-              <a:t>(note: in such cases: often only the protected </a:t>
-            </a:r>
-            <a:r>
-              <a:rPr lang="en-GB" sz="1400" dirty="0" err="1"/>
-              <a:t>urls</a:t>
-            </a:r>
-            <a:r>
-              <a:rPr lang="en-GB" sz="1400" dirty="0"/>
-              <a:t>, like those of account management or login need to be https</a:t>
-            </a:r>
-            <a:br>
-              <a:rPr lang="en-GB" sz="1400" dirty="0"/>
-            </a:br>
-            <a:r>
-              <a:rPr lang="en-GB" sz="1400" dirty="0"/>
-              <a:t> as https is slower. That’s something to keep in mind when using (low power-) embedded devices)</a:t>
-            </a:r>
-            <a:br>
-              <a:rPr lang="en-GB" sz="1400" dirty="0"/>
-            </a:br>
-            <a:r>
-              <a:rPr lang="en-GB" sz="1400" dirty="0"/>
-              <a:t>For example: at login, the https server could provide a temporary token which can subsequently be used for an http server-client connection.</a:t>
-            </a:r>
-            <a:endParaRPr lang="nl-NL" sz="1400" dirty="0"/>
+              <a:rPr lang="en-GB" sz="1700" dirty="0"/>
+              <a:t>HTTP/1.1 200 OK = status line of HTTP response message header (see other sheet)</a:t>
+            </a:r>
+            <a:endParaRPr lang="nl-NL" sz="1700" dirty="0"/>
           </a:p>
         </p:txBody>
       </p:sp>
@@ -7080,7 +7243,7 @@
     </p:spTree>
     <p:extLst>
       <p:ext uri="{BB962C8B-B14F-4D97-AF65-F5344CB8AC3E}">
-        <p14:creationId xmlns:p14="http://schemas.microsoft.com/office/powerpoint/2010/main" val="3271679637"/>
+        <p14:creationId xmlns:p14="http://schemas.microsoft.com/office/powerpoint/2010/main" val="2051756714"/>
       </p:ext>
     </p:extLst>
   </p:cSld>
@@ -7109,7 +7272,7 @@
       </p:grpSpPr>
       <p:sp>
         <p:nvSpPr>
-          <p:cNvPr id="2" name="Slide Image Placeholder 1"/>
+          <p:cNvPr id="2" name="Tijdelijke aanduiding voor dia-afbeelding 1"/>
           <p:cNvSpPr>
             <a:spLocks noGrp="1" noRot="1" noChangeAspect="1"/>
           </p:cNvSpPr>
@@ -7126,7 +7289,7 @@
       </p:sp>
       <p:sp>
         <p:nvSpPr>
-          <p:cNvPr id="3" name="Notes Placeholder 2"/>
+          <p:cNvPr id="3" name="Tijdelijke aanduiding voor notities 2"/>
           <p:cNvSpPr>
             <a:spLocks noGrp="1"/>
           </p:cNvSpPr>
@@ -7145,39 +7308,7 @@
             </a:pPr>
             <a:r>
               <a:rPr lang="en-GB" sz="1700" dirty="0"/>
-              <a:t>CRUD = </a:t>
-            </a:r>
-            <a:r>
-              <a:rPr lang="en-GB" sz="1700" b="1" dirty="0"/>
-              <a:t>C</a:t>
-            </a:r>
-            <a:r>
-              <a:rPr lang="en-GB" sz="1700" dirty="0"/>
-              <a:t>reate, </a:t>
-            </a:r>
-            <a:r>
-              <a:rPr lang="en-GB" sz="1700" b="1" dirty="0"/>
-              <a:t>R</a:t>
-            </a:r>
-            <a:r>
-              <a:rPr lang="en-GB" sz="1700" dirty="0"/>
-              <a:t>ead, </a:t>
-            </a:r>
-            <a:r>
-              <a:rPr lang="en-GB" sz="1700" b="1" dirty="0"/>
-              <a:t>U</a:t>
-            </a:r>
-            <a:r>
-              <a:rPr lang="en-GB" sz="1700" dirty="0"/>
-              <a:t>pdate &amp; </a:t>
-            </a:r>
-            <a:r>
-              <a:rPr lang="en-GB" sz="1700" b="1" dirty="0"/>
-              <a:t>D</a:t>
-            </a:r>
-            <a:r>
-              <a:rPr lang="en-GB" sz="1700" dirty="0"/>
-              <a:t>elete (comes from database terminology).</a:t>
+              <a:t>Above Accept Header implies: In order of preference: first gif, then jpeg, otherwise anything else (like html) is okay.</a:t>
             </a:r>
           </a:p>
           <a:p>
@@ -7187,90 +7318,29 @@
             </a:pPr>
             <a:r>
               <a:rPr lang="en-GB" sz="1700" dirty="0"/>
-              <a:t>Idempotent = “if you repeat the same instruction multiple times, then each of those times, it will yield the same result”.</a:t>
-            </a:r>
-          </a:p>
-          <a:p>
-            <a:pPr marL="177416" indent="-177416">
-              <a:buFont typeface="Arial" panose="020B0604020202020204" pitchFamily="34" charset="0"/>
-              <a:buChar char="•"/>
-            </a:pPr>
-            <a:r>
-              <a:rPr lang="en-GB" sz="1700" dirty="0"/>
-              <a:t>Body = the content-body of the message, sent along by the client.</a:t>
-            </a:r>
-          </a:p>
-          <a:p>
-            <a:pPr marL="177416" indent="-177416">
-              <a:buFont typeface="Arial" panose="020B0604020202020204" pitchFamily="34" charset="0"/>
-              <a:buChar char="•"/>
-            </a:pPr>
-            <a:r>
-              <a:rPr lang="en-GB" sz="1700" dirty="0"/>
-              <a:t>In practice, only the topmost 4 Verbs are of importance</a:t>
+              <a:t>Above example is not very restful:</a:t>
             </a:r>
             <a:br>
               <a:rPr lang="en-GB" sz="1700" dirty="0"/>
             </a:br>
             <a:r>
               <a:rPr lang="en-GB" sz="1700" dirty="0"/>
-              <a:t>(you may forget about the others for the exam)</a:t>
-            </a:r>
-          </a:p>
-          <a:p>
-            <a:pPr marL="177416" indent="-177416">
-              <a:buFont typeface="Arial" panose="020B0604020202020204" pitchFamily="34" charset="0"/>
-              <a:buChar char="•"/>
-            </a:pPr>
-            <a:r>
-              <a:rPr lang="en-GB" sz="1700" dirty="0"/>
-              <a:t>Note the red areas, and note the functionality-descriptions of the Verbs.</a:t>
+              <a:t>The query string should be in the request line.</a:t>
             </a:r>
             <a:br>
               <a:rPr lang="en-GB" sz="1700" dirty="0"/>
             </a:br>
             <a:r>
               <a:rPr lang="en-GB" sz="1700" dirty="0"/>
-              <a:t>Head them, or you will get into trouble.</a:t>
-            </a:r>
-            <a:br>
-              <a:rPr lang="en-GB" sz="1700" dirty="0"/>
-            </a:br>
-            <a:r>
-              <a:rPr lang="en-GB" sz="1700" dirty="0"/>
-              <a:t>Example: if you use a GET verb to change a resource, you may get into trouble.</a:t>
-            </a:r>
-            <a:br>
-              <a:rPr lang="en-GB" sz="1700" dirty="0"/>
-            </a:br>
-            <a:r>
-              <a:rPr lang="en-GB" sz="1700" dirty="0"/>
-              <a:t>For example, next time, your browser may fetch the webpage from </a:t>
-            </a:r>
-            <a:r>
-              <a:rPr lang="en-GB" sz="1700" dirty="0" err="1"/>
-              <a:t>browsercache</a:t>
-            </a:r>
-            <a:r>
-              <a:rPr lang="en-GB" sz="1700" dirty="0"/>
-              <a:t>, because it assumes that it has not changed since the last GET.</a:t>
-            </a:r>
-          </a:p>
-          <a:p>
-            <a:pPr marL="177416" indent="-177416">
-              <a:buFont typeface="Arial" panose="020B0604020202020204" pitchFamily="34" charset="0"/>
-              <a:buChar char="•"/>
-            </a:pPr>
-            <a:r>
-              <a:rPr lang="en-GB" sz="1700" dirty="0"/>
-              <a:t>Other example: POST should only create a collection, not an item.</a:t>
-            </a:r>
+              <a:t>The content should only contain representations.</a:t>
+            </a:r>
+            <a:endParaRPr lang="nl-NL" sz="1700" dirty="0"/>
           </a:p>
         </p:txBody>
       </p:sp>
       <p:sp>
         <p:nvSpPr>
-          <p:cNvPr id="4" name="Slide Number Placeholder 3"/>
+          <p:cNvPr id="4" name="Tijdelijke aanduiding voor dianummer 3"/>
           <p:cNvSpPr>
             <a:spLocks noGrp="1"/>
           </p:cNvSpPr>
@@ -7316,7 +7386,7 @@
     </p:spTree>
     <p:extLst>
       <p:ext uri="{BB962C8B-B14F-4D97-AF65-F5344CB8AC3E}">
-        <p14:creationId xmlns:p14="http://schemas.microsoft.com/office/powerpoint/2010/main" val="2445694211"/>
+        <p14:creationId xmlns:p14="http://schemas.microsoft.com/office/powerpoint/2010/main" val="4066550174"/>
       </p:ext>
     </p:extLst>
   </p:cSld>
@@ -7375,11 +7445,94 @@
           <a:bodyPr/>
           <a:lstStyle/>
           <a:p>
-            <a:r>
-              <a:rPr lang="en-GB" dirty="0"/>
-              <a:t> </a:t>
-            </a:r>
-            <a:endParaRPr lang="nl-NL" dirty="0"/>
+            <a:pPr marL="177416" indent="-177416">
+              <a:buFont typeface="Arial" panose="020B0604020202020204" pitchFamily="34" charset="0"/>
+              <a:buChar char="•"/>
+            </a:pPr>
+            <a:r>
+              <a:rPr lang="en-GB" sz="1400" dirty="0"/>
+              <a:t>The file protocol is normally used to retrieve files from your own computer, for example:</a:t>
+            </a:r>
+            <a:br>
+              <a:rPr lang="en-GB" sz="1400" dirty="0"/>
+            </a:br>
+            <a:r>
+              <a:rPr lang="en-GB" sz="1400" dirty="0"/>
+              <a:t>file://localhost/c:/myimage.jpg</a:t>
+            </a:r>
+          </a:p>
+          <a:p>
+            <a:pPr marL="177416" indent="-177416">
+              <a:buFont typeface="Arial" panose="020B0604020202020204" pitchFamily="34" charset="0"/>
+              <a:buChar char="•"/>
+            </a:pPr>
+            <a:r>
+              <a:rPr lang="en-GB" sz="1400" dirty="0"/>
+              <a:t>Fragment can be used to select part of a resource. Semantics depend on mime-type and local application.</a:t>
+            </a:r>
+          </a:p>
+          <a:p>
+            <a:pPr marL="177416" indent="-177416">
+              <a:buFont typeface="Arial" panose="020B0604020202020204" pitchFamily="34" charset="0"/>
+              <a:buChar char="•"/>
+            </a:pPr>
+            <a:r>
+              <a:rPr lang="en-GB" sz="1400" dirty="0"/>
+              <a:t>User information -&gt; can be used with .</a:t>
+            </a:r>
+            <a:r>
+              <a:rPr lang="en-GB" sz="1400" dirty="0" err="1"/>
+              <a:t>htaccess</a:t>
+            </a:r>
+            <a:r>
+              <a:rPr lang="en-GB" sz="1400" dirty="0"/>
+              <a:t> and .</a:t>
+            </a:r>
+            <a:r>
+              <a:rPr lang="en-GB" sz="1400" dirty="0" err="1"/>
+              <a:t>htpasswd</a:t>
+            </a:r>
+            <a:r>
+              <a:rPr lang="en-GB" sz="1400" dirty="0"/>
+              <a:t> files on the server.</a:t>
+            </a:r>
+            <a:br>
+              <a:rPr lang="en-GB" sz="1400" dirty="0"/>
+            </a:br>
+            <a:r>
+              <a:rPr lang="en-GB" sz="1400" dirty="0"/>
+              <a:t>Only use them with https, because otherwise the login credentials are sent unencrypted.</a:t>
+            </a:r>
+            <a:br>
+              <a:rPr lang="en-GB" sz="1400" dirty="0"/>
+            </a:br>
+            <a:r>
+              <a:rPr lang="en-GB" sz="1400" dirty="0"/>
+              <a:t>(note: in such cases: often only the protected </a:t>
+            </a:r>
+            <a:r>
+              <a:rPr lang="en-GB" sz="1400" dirty="0" err="1"/>
+              <a:t>urls</a:t>
+            </a:r>
+            <a:r>
+              <a:rPr lang="en-GB" sz="1400" dirty="0"/>
+              <a:t>, like those of account management or login need to be https</a:t>
+            </a:r>
+            <a:br>
+              <a:rPr lang="en-GB" sz="1400" dirty="0"/>
+            </a:br>
+            <a:r>
+              <a:rPr lang="en-GB" sz="1400" dirty="0"/>
+              <a:t> as https is slower. That’s something to keep in mind when using (low power-) embedded devices)</a:t>
+            </a:r>
+            <a:br>
+              <a:rPr lang="en-GB" sz="1400" dirty="0"/>
+            </a:br>
+            <a:r>
+              <a:rPr lang="en-GB" sz="1400" dirty="0"/>
+              <a:t>For example: at login, the https server could provide a temporary token which can subsequently be used for an http server-client connection.</a:t>
+            </a:r>
+            <a:endParaRPr lang="nl-NL" sz="1400" dirty="0"/>
           </a:p>
         </p:txBody>
       </p:sp>
@@ -7431,7 +7584,7 @@
     </p:spTree>
     <p:extLst>
       <p:ext uri="{BB962C8B-B14F-4D97-AF65-F5344CB8AC3E}">
-        <p14:creationId xmlns:p14="http://schemas.microsoft.com/office/powerpoint/2010/main" val="1980087711"/>
+        <p14:creationId xmlns:p14="http://schemas.microsoft.com/office/powerpoint/2010/main" val="3271679637"/>
       </p:ext>
     </p:extLst>
   </p:cSld>
@@ -7495,8 +7648,40 @@
               <a:buChar char="•"/>
             </a:pPr>
             <a:r>
-              <a:rPr lang="en-US" sz="1700" dirty="0"/>
-              <a:t>The media types can be regarded as protocols on their own.</a:t>
+              <a:rPr lang="en-GB" sz="1700" dirty="0"/>
+              <a:t>CRUD = </a:t>
+            </a:r>
+            <a:r>
+              <a:rPr lang="en-GB" sz="1700" b="1" dirty="0"/>
+              <a:t>C</a:t>
+            </a:r>
+            <a:r>
+              <a:rPr lang="en-GB" sz="1700" dirty="0"/>
+              <a:t>reate, </a:t>
+            </a:r>
+            <a:r>
+              <a:rPr lang="en-GB" sz="1700" b="1" dirty="0"/>
+              <a:t>R</a:t>
+            </a:r>
+            <a:r>
+              <a:rPr lang="en-GB" sz="1700" dirty="0"/>
+              <a:t>ead, </a:t>
+            </a:r>
+            <a:r>
+              <a:rPr lang="en-GB" sz="1700" b="1" dirty="0"/>
+              <a:t>U</a:t>
+            </a:r>
+            <a:r>
+              <a:rPr lang="en-GB" sz="1700" dirty="0"/>
+              <a:t>pdate &amp; </a:t>
+            </a:r>
+            <a:r>
+              <a:rPr lang="en-GB" sz="1700" b="1" dirty="0"/>
+              <a:t>D</a:t>
+            </a:r>
+            <a:r>
+              <a:rPr lang="en-GB" sz="1700" dirty="0"/>
+              <a:t>elete (comes from database terminology).</a:t>
             </a:r>
           </a:p>
           <a:p>
@@ -7505,10 +7690,85 @@
               <a:buChar char="•"/>
             </a:pPr>
             <a:r>
-              <a:rPr lang="en-US" sz="1700" dirty="0"/>
-              <a:t>Octet = series of 8 bits = byte</a:t>
-            </a:r>
-            <a:endParaRPr lang="nl-NL" sz="1700" dirty="0"/>
+              <a:rPr lang="en-GB" sz="1700" dirty="0"/>
+              <a:t>Idempotent = “if you repeat the same instruction multiple times, then each of those times, it will yield the same result”.</a:t>
+            </a:r>
+          </a:p>
+          <a:p>
+            <a:pPr marL="177416" indent="-177416">
+              <a:buFont typeface="Arial" panose="020B0604020202020204" pitchFamily="34" charset="0"/>
+              <a:buChar char="•"/>
+            </a:pPr>
+            <a:r>
+              <a:rPr lang="en-GB" sz="1700" dirty="0"/>
+              <a:t>Body = the content-body of the message, sent along by the client.</a:t>
+            </a:r>
+          </a:p>
+          <a:p>
+            <a:pPr marL="177416" indent="-177416">
+              <a:buFont typeface="Arial" panose="020B0604020202020204" pitchFamily="34" charset="0"/>
+              <a:buChar char="•"/>
+            </a:pPr>
+            <a:r>
+              <a:rPr lang="en-GB" sz="1700" dirty="0"/>
+              <a:t>In practice, only the topmost 4 Verbs are of importance</a:t>
+            </a:r>
+            <a:br>
+              <a:rPr lang="en-GB" sz="1700" dirty="0"/>
+            </a:br>
+            <a:r>
+              <a:rPr lang="en-GB" sz="1700" dirty="0"/>
+              <a:t>(you may forget about the others for the exam)</a:t>
+            </a:r>
+          </a:p>
+          <a:p>
+            <a:pPr marL="177416" indent="-177416">
+              <a:buFont typeface="Arial" panose="020B0604020202020204" pitchFamily="34" charset="0"/>
+              <a:buChar char="•"/>
+            </a:pPr>
+            <a:r>
+              <a:rPr lang="en-GB" sz="1700" dirty="0"/>
+              <a:t>Note the red areas, and note the functionality-descriptions of the Verbs.</a:t>
+            </a:r>
+            <a:br>
+              <a:rPr lang="en-GB" sz="1700" dirty="0"/>
+            </a:br>
+            <a:r>
+              <a:rPr lang="en-GB" sz="1700" dirty="0"/>
+              <a:t>Head them, or you will get into trouble.</a:t>
+            </a:r>
+            <a:br>
+              <a:rPr lang="en-GB" sz="1700" dirty="0"/>
+            </a:br>
+            <a:r>
+              <a:rPr lang="en-GB" sz="1700" dirty="0"/>
+              <a:t>Example: if you use a GET verb to change a resource, you may get into trouble.</a:t>
+            </a:r>
+            <a:br>
+              <a:rPr lang="en-GB" sz="1700" dirty="0"/>
+            </a:br>
+            <a:r>
+              <a:rPr lang="en-GB" sz="1700" dirty="0"/>
+              <a:t>For example, next time, your browser may fetch the webpage from </a:t>
+            </a:r>
+            <a:r>
+              <a:rPr lang="en-GB" sz="1700" dirty="0" err="1"/>
+              <a:t>browsercache</a:t>
+            </a:r>
+            <a:r>
+              <a:rPr lang="en-GB" sz="1700" dirty="0"/>
+              <a:t>, because it assumes that it has not changed since the last GET.</a:t>
+            </a:r>
+          </a:p>
+          <a:p>
+            <a:pPr marL="177416" indent="-177416">
+              <a:buFont typeface="Arial" panose="020B0604020202020204" pitchFamily="34" charset="0"/>
+              <a:buChar char="•"/>
+            </a:pPr>
+            <a:r>
+              <a:rPr lang="en-GB" sz="1700" dirty="0"/>
+              <a:t>Other example: POST should only create a collection, not an item.</a:t>
+            </a:r>
           </a:p>
         </p:txBody>
       </p:sp>
@@ -7560,7 +7820,7 @@
     </p:spTree>
     <p:extLst>
       <p:ext uri="{BB962C8B-B14F-4D97-AF65-F5344CB8AC3E}">
-        <p14:creationId xmlns:p14="http://schemas.microsoft.com/office/powerpoint/2010/main" val="644808487"/>
+        <p14:creationId xmlns:p14="http://schemas.microsoft.com/office/powerpoint/2010/main" val="2445694211"/>
       </p:ext>
     </p:extLst>
   </p:cSld>
@@ -7589,7 +7849,7 @@
       </p:grpSpPr>
       <p:sp>
         <p:nvSpPr>
-          <p:cNvPr id="2" name="Slide Image Placeholder 1"/>
+          <p:cNvPr id="2" name="Tijdelijke aanduiding voor dia-afbeelding 1"/>
           <p:cNvSpPr>
             <a:spLocks noGrp="1" noRot="1" noChangeAspect="1"/>
           </p:cNvSpPr>
@@ -7606,7 +7866,7 @@
       </p:sp>
       <p:sp>
         <p:nvSpPr>
-          <p:cNvPr id="3" name="Notes Placeholder 2"/>
+          <p:cNvPr id="3" name="Tijdelijke aanduiding voor notities 2"/>
           <p:cNvSpPr>
             <a:spLocks noGrp="1"/>
           </p:cNvSpPr>
@@ -7629,7 +7889,7 @@
       </p:sp>
       <p:sp>
         <p:nvSpPr>
-          <p:cNvPr id="4" name="Slide Number Placeholder 3"/>
+          <p:cNvPr id="4" name="Tijdelijke aanduiding voor dianummer 3"/>
           <p:cNvSpPr>
             <a:spLocks noGrp="1"/>
           </p:cNvSpPr>
@@ -7675,7 +7935,7 @@
     </p:spTree>
     <p:extLst>
       <p:ext uri="{BB962C8B-B14F-4D97-AF65-F5344CB8AC3E}">
-        <p14:creationId xmlns:p14="http://schemas.microsoft.com/office/powerpoint/2010/main" val="2034392254"/>
+        <p14:creationId xmlns:p14="http://schemas.microsoft.com/office/powerpoint/2010/main" val="1980087711"/>
       </p:ext>
     </p:extLst>
   </p:cSld>
@@ -7704,7 +7964,7 @@
       </p:grpSpPr>
       <p:sp>
         <p:nvSpPr>
-          <p:cNvPr id="2" name="Tijdelijke aanduiding voor dia-afbeelding 1"/>
+          <p:cNvPr id="2" name="Slide Image Placeholder 1"/>
           <p:cNvSpPr>
             <a:spLocks noGrp="1" noRot="1" noChangeAspect="1"/>
           </p:cNvSpPr>
@@ -7721,7 +7981,7 @@
       </p:sp>
       <p:sp>
         <p:nvSpPr>
-          <p:cNvPr id="3" name="Tijdelijke aanduiding voor notities 2"/>
+          <p:cNvPr id="3" name="Notes Placeholder 2"/>
           <p:cNvSpPr>
             <a:spLocks noGrp="1"/>
           </p:cNvSpPr>
@@ -7739,18 +7999,9 @@
               <a:buChar char="•"/>
             </a:pPr>
             <a:r>
-              <a:rPr lang="en-GB" sz="1700" dirty="0"/>
-              <a:t>The “Date” header is included for cache-control (de REST constraint </a:t>
-            </a:r>
-            <a:r>
-              <a:rPr lang="en-GB" sz="1700" dirty="0" err="1"/>
-              <a:t>cachability</a:t>
-            </a:r>
-            <a:r>
-              <a:rPr lang="en-GB" sz="1700" dirty="0"/>
-              <a:t>).</a:t>
-            </a:r>
-            <a:endParaRPr lang="nl-NL" sz="1700" dirty="0"/>
+              <a:rPr lang="en-US" sz="1700" dirty="0"/>
+              <a:t>The media types can be regarded as protocols on their own.</a:t>
+            </a:r>
           </a:p>
           <a:p>
             <a:pPr marL="177416" indent="-177416">
@@ -7758,389 +8009,16 @@
               <a:buChar char="•"/>
             </a:pPr>
             <a:r>
-              <a:rPr lang="en-GB" sz="1700" dirty="0"/>
-              <a:t>N</a:t>
-            </a:r>
-            <a:r>
-              <a:rPr lang="nl-NL" sz="1700" dirty="0" err="1"/>
-              <a:t>ote</a:t>
-            </a:r>
-            <a:r>
-              <a:rPr lang="nl-NL" sz="1700" dirty="0"/>
-              <a:t>: The content-body here </a:t>
-            </a:r>
-            <a:r>
-              <a:rPr lang="nl-NL" sz="1700" dirty="0" err="1"/>
-              <a:t>contains</a:t>
-            </a:r>
-            <a:r>
-              <a:rPr lang="nl-NL" sz="1700" dirty="0"/>
-              <a:t> </a:t>
-            </a:r>
-            <a:r>
-              <a:rPr lang="nl-NL" sz="1700" dirty="0" err="1"/>
-              <a:t>an</a:t>
-            </a:r>
-            <a:r>
-              <a:rPr lang="nl-NL" sz="1700" dirty="0"/>
-              <a:t> html </a:t>
-            </a:r>
-            <a:r>
-              <a:rPr lang="nl-NL" sz="1700" dirty="0" err="1"/>
-              <a:t>representation</a:t>
-            </a:r>
-            <a:r>
-              <a:rPr lang="nl-NL" sz="1700" dirty="0"/>
-              <a:t> of </a:t>
-            </a:r>
-            <a:r>
-              <a:rPr lang="nl-NL" sz="1700" dirty="0" err="1"/>
-              <a:t>the</a:t>
-            </a:r>
-            <a:r>
-              <a:rPr lang="nl-NL" sz="1700" dirty="0"/>
-              <a:t> content, </a:t>
-            </a:r>
-            <a:r>
-              <a:rPr lang="nl-NL" sz="1700" dirty="0" err="1"/>
-              <a:t>which</a:t>
-            </a:r>
-            <a:r>
-              <a:rPr lang="nl-NL" sz="1700" dirty="0"/>
-              <a:t> is </a:t>
-            </a:r>
-            <a:r>
-              <a:rPr lang="nl-NL" sz="1700" dirty="0" err="1"/>
-              <a:t>very</a:t>
-            </a:r>
-            <a:r>
-              <a:rPr lang="nl-NL" sz="1700" dirty="0"/>
-              <a:t> </a:t>
-            </a:r>
-            <a:r>
-              <a:rPr lang="nl-NL" sz="1700" dirty="0" err="1"/>
-              <a:t>Restful</a:t>
-            </a:r>
-            <a:r>
-              <a:rPr lang="nl-NL" sz="1700" dirty="0"/>
-              <a:t>.</a:t>
-            </a:r>
-          </a:p>
-          <a:p>
-            <a:pPr marL="177416" indent="-177416">
-              <a:buFont typeface="Arial" panose="020B0604020202020204" pitchFamily="34" charset="0"/>
-              <a:buChar char="•"/>
-            </a:pPr>
-            <a:r>
-              <a:rPr lang="en-GB" sz="1700" dirty="0"/>
-              <a:t>A</a:t>
-            </a:r>
-            <a:r>
-              <a:rPr lang="nl-NL" sz="1700" dirty="0" err="1"/>
-              <a:t>ccept</a:t>
-            </a:r>
-            <a:r>
-              <a:rPr lang="nl-NL" sz="1700" dirty="0"/>
-              <a:t>-Ranges: bytes -&gt; server </a:t>
-            </a:r>
-            <a:r>
-              <a:rPr lang="nl-NL" sz="1700" dirty="0" err="1"/>
-              <a:t>advertises</a:t>
-            </a:r>
-            <a:r>
-              <a:rPr lang="nl-NL" sz="1700" dirty="0"/>
-              <a:t> </a:t>
-            </a:r>
-            <a:r>
-              <a:rPr lang="nl-NL" sz="1700" dirty="0" err="1"/>
-              <a:t>that</a:t>
-            </a:r>
-            <a:r>
-              <a:rPr lang="nl-NL" sz="1700" dirty="0"/>
-              <a:t> </a:t>
-            </a:r>
-            <a:r>
-              <a:rPr lang="nl-NL" sz="1700" dirty="0" err="1"/>
-              <a:t>it</a:t>
-            </a:r>
-            <a:r>
-              <a:rPr lang="nl-NL" sz="1700" dirty="0"/>
-              <a:t> supports </a:t>
-            </a:r>
-            <a:r>
-              <a:rPr lang="nl-NL" sz="1700" dirty="0" err="1"/>
-              <a:t>partial</a:t>
-            </a:r>
-            <a:r>
-              <a:rPr lang="nl-NL" sz="1700" dirty="0"/>
-              <a:t> </a:t>
-            </a:r>
-            <a:r>
-              <a:rPr lang="nl-NL" sz="1700" dirty="0" err="1"/>
-              <a:t>requests</a:t>
-            </a:r>
-            <a:r>
-              <a:rPr lang="nl-NL" sz="1700" dirty="0"/>
-              <a:t>. </a:t>
-            </a:r>
-            <a:r>
-              <a:rPr lang="nl-NL" sz="1700" dirty="0" err="1"/>
-              <a:t>That</a:t>
-            </a:r>
-            <a:r>
-              <a:rPr lang="nl-NL" sz="1700" dirty="0"/>
-              <a:t> </a:t>
-            </a:r>
-            <a:r>
-              <a:rPr lang="nl-NL" sz="1700" dirty="0" err="1"/>
-              <a:t>allows</a:t>
-            </a:r>
-            <a:r>
-              <a:rPr lang="nl-NL" sz="1700" dirty="0"/>
-              <a:t> a browser </a:t>
-            </a:r>
-            <a:r>
-              <a:rPr lang="nl-NL" sz="1700" dirty="0" err="1"/>
-              <a:t>to</a:t>
-            </a:r>
-            <a:r>
-              <a:rPr lang="nl-NL" sz="1700" dirty="0"/>
-              <a:t> resume </a:t>
-            </a:r>
-            <a:r>
-              <a:rPr lang="nl-NL" sz="1700" dirty="0" err="1"/>
-              <a:t>an</a:t>
-            </a:r>
-            <a:r>
-              <a:rPr lang="nl-NL" sz="1700" dirty="0"/>
-              <a:t> </a:t>
-            </a:r>
-            <a:r>
-              <a:rPr lang="nl-NL" sz="1700" dirty="0" err="1"/>
-              <a:t>interrupted</a:t>
-            </a:r>
-            <a:r>
-              <a:rPr lang="nl-NL" sz="1700" dirty="0"/>
-              <a:t> download, </a:t>
-            </a:r>
-            <a:r>
-              <a:rPr lang="nl-NL" sz="1700" dirty="0" err="1"/>
-              <a:t>rather</a:t>
-            </a:r>
-            <a:r>
-              <a:rPr lang="nl-NL" sz="1700" dirty="0"/>
-              <a:t> </a:t>
-            </a:r>
-            <a:r>
-              <a:rPr lang="nl-NL" sz="1700" dirty="0" err="1"/>
-              <a:t>then</a:t>
-            </a:r>
-            <a:r>
-              <a:rPr lang="nl-NL" sz="1700" dirty="0"/>
-              <a:t> start </a:t>
-            </a:r>
-            <a:r>
-              <a:rPr lang="nl-NL" sz="1700" dirty="0" err="1"/>
-              <a:t>it</a:t>
-            </a:r>
-            <a:r>
-              <a:rPr lang="nl-NL" sz="1700" dirty="0"/>
-              <a:t> </a:t>
-            </a:r>
-            <a:r>
-              <a:rPr lang="nl-NL" sz="1700" dirty="0" err="1"/>
-              <a:t>from</a:t>
-            </a:r>
-            <a:r>
-              <a:rPr lang="nl-NL" sz="1700" dirty="0"/>
-              <a:t> </a:t>
-            </a:r>
-            <a:r>
-              <a:rPr lang="nl-NL" sz="1700" dirty="0" err="1"/>
-              <a:t>the</a:t>
-            </a:r>
-            <a:r>
-              <a:rPr lang="nl-NL" sz="1700" dirty="0"/>
-              <a:t> start </a:t>
-            </a:r>
-            <a:r>
-              <a:rPr lang="nl-NL" sz="1700" dirty="0" err="1"/>
-              <a:t>again</a:t>
-            </a:r>
-            <a:r>
-              <a:rPr lang="nl-NL" sz="1700" dirty="0"/>
-              <a:t>.</a:t>
-            </a:r>
-          </a:p>
-          <a:p>
-            <a:pPr marL="177416" indent="-177416">
-              <a:buFont typeface="Arial" panose="020B0604020202020204" pitchFamily="34" charset="0"/>
-              <a:buChar char="•"/>
-            </a:pPr>
-            <a:r>
-              <a:rPr lang="en-GB" sz="1700" dirty="0"/>
-              <a:t>E</a:t>
-            </a:r>
-            <a:r>
-              <a:rPr lang="nl-NL" sz="1700" dirty="0"/>
-              <a:t>tag -&gt; </a:t>
-            </a:r>
-            <a:r>
-              <a:rPr lang="nl-NL" sz="1700" dirty="0" err="1"/>
-              <a:t>number</a:t>
-            </a:r>
-            <a:r>
-              <a:rPr lang="nl-NL" sz="1700" dirty="0"/>
-              <a:t> </a:t>
-            </a:r>
-            <a:r>
-              <a:rPr lang="nl-NL" sz="1700" dirty="0" err="1"/>
-              <a:t>that</a:t>
-            </a:r>
-            <a:r>
-              <a:rPr lang="nl-NL" sz="1700" dirty="0"/>
-              <a:t> </a:t>
-            </a:r>
-            <a:r>
-              <a:rPr lang="nl-NL" sz="1700" dirty="0" err="1"/>
-              <a:t>can</a:t>
-            </a:r>
-            <a:r>
-              <a:rPr lang="nl-NL" sz="1700" dirty="0"/>
-              <a:t> </a:t>
-            </a:r>
-            <a:r>
-              <a:rPr lang="nl-NL" sz="1700" dirty="0" err="1"/>
-              <a:t>be</a:t>
-            </a:r>
-            <a:r>
-              <a:rPr lang="nl-NL" sz="1700" dirty="0"/>
-              <a:t> </a:t>
-            </a:r>
-            <a:r>
-              <a:rPr lang="nl-NL" sz="1700" dirty="0" err="1"/>
-              <a:t>used</a:t>
-            </a:r>
-            <a:r>
-              <a:rPr lang="nl-NL" sz="1700" dirty="0"/>
-              <a:t> </a:t>
-            </a:r>
-            <a:r>
-              <a:rPr lang="nl-NL" sz="1700" dirty="0" err="1"/>
-              <a:t>to</a:t>
-            </a:r>
-            <a:r>
-              <a:rPr lang="nl-NL" sz="1700" dirty="0"/>
-              <a:t> help </a:t>
-            </a:r>
-            <a:r>
-              <a:rPr lang="nl-NL" sz="1700" dirty="0" err="1"/>
-              <a:t>with</a:t>
-            </a:r>
-            <a:r>
-              <a:rPr lang="nl-NL" sz="1700" dirty="0"/>
-              <a:t> cache control. For </a:t>
-            </a:r>
-            <a:r>
-              <a:rPr lang="nl-NL" sz="1700" dirty="0" err="1"/>
-              <a:t>instance</a:t>
-            </a:r>
-            <a:r>
-              <a:rPr lang="nl-NL" sz="1700" dirty="0"/>
-              <a:t>, </a:t>
-            </a:r>
-            <a:r>
-              <a:rPr lang="nl-NL" sz="1700" dirty="0" err="1"/>
-              <a:t>it</a:t>
-            </a:r>
-            <a:r>
-              <a:rPr lang="nl-NL" sz="1700" dirty="0"/>
-              <a:t> </a:t>
-            </a:r>
-            <a:r>
-              <a:rPr lang="nl-NL" sz="1700" dirty="0" err="1"/>
-              <a:t>can</a:t>
-            </a:r>
-            <a:r>
-              <a:rPr lang="nl-NL" sz="1700" dirty="0"/>
-              <a:t> </a:t>
-            </a:r>
-            <a:r>
-              <a:rPr lang="nl-NL" sz="1700" dirty="0" err="1"/>
-              <a:t>be</a:t>
-            </a:r>
-            <a:r>
-              <a:rPr lang="nl-NL" sz="1700" dirty="0"/>
-              <a:t> a </a:t>
-            </a:r>
-            <a:r>
-              <a:rPr lang="nl-NL" sz="1700" dirty="0" err="1"/>
-              <a:t>crc</a:t>
-            </a:r>
-            <a:r>
-              <a:rPr lang="nl-NL" sz="1700" dirty="0"/>
-              <a:t> of a resource.</a:t>
-            </a:r>
-          </a:p>
-          <a:p>
-            <a:pPr marL="177416" indent="-177416">
-              <a:buFont typeface="Arial" panose="020B0604020202020204" pitchFamily="34" charset="0"/>
-              <a:buChar char="•"/>
-            </a:pPr>
-            <a:r>
-              <a:rPr lang="en-GB" sz="1700" dirty="0"/>
-              <a:t>C</a:t>
-            </a:r>
-            <a:r>
-              <a:rPr lang="nl-NL" sz="1700" dirty="0"/>
-              <a:t>rc = cyclic </a:t>
-            </a:r>
-            <a:r>
-              <a:rPr lang="nl-NL" sz="1700" dirty="0" err="1"/>
-              <a:t>redundancy</a:t>
-            </a:r>
-            <a:r>
-              <a:rPr lang="nl-NL" sz="1700" dirty="0"/>
-              <a:t> check (a </a:t>
-            </a:r>
-            <a:r>
-              <a:rPr lang="nl-NL" sz="1700" dirty="0" err="1"/>
-              <a:t>quickly</a:t>
-            </a:r>
-            <a:r>
-              <a:rPr lang="nl-NL" sz="1700" dirty="0"/>
-              <a:t> </a:t>
-            </a:r>
-            <a:r>
-              <a:rPr lang="nl-NL" sz="1700" dirty="0" err="1"/>
-              <a:t>calculated</a:t>
-            </a:r>
-            <a:r>
-              <a:rPr lang="nl-NL" sz="1700" dirty="0"/>
-              <a:t> </a:t>
-            </a:r>
-            <a:r>
-              <a:rPr lang="nl-NL" sz="1700" dirty="0" err="1"/>
-              <a:t>checksum</a:t>
-            </a:r>
-            <a:r>
-              <a:rPr lang="nl-NL" sz="1700" dirty="0"/>
-              <a:t> </a:t>
-            </a:r>
-            <a:r>
-              <a:rPr lang="nl-NL" sz="1700" dirty="0" err="1"/>
-              <a:t>figure</a:t>
-            </a:r>
-            <a:r>
-              <a:rPr lang="nl-NL" sz="1700" dirty="0"/>
-              <a:t>).</a:t>
-            </a:r>
+              <a:rPr lang="en-US" sz="1700" dirty="0"/>
+              <a:t>Octet = series of 8 bits = byte</a:t>
+            </a:r>
+            <a:endParaRPr lang="nl-NL" sz="1700" dirty="0"/>
           </a:p>
         </p:txBody>
       </p:sp>
       <p:sp>
         <p:nvSpPr>
-          <p:cNvPr id="4" name="Tijdelijke aanduiding voor dianummer 3"/>
+          <p:cNvPr id="4" name="Slide Number Placeholder 3"/>
           <p:cNvSpPr>
             <a:spLocks noGrp="1"/>
           </p:cNvSpPr>
@@ -8186,7 +8064,7 @@
     </p:spTree>
     <p:extLst>
       <p:ext uri="{BB962C8B-B14F-4D97-AF65-F5344CB8AC3E}">
-        <p14:creationId xmlns:p14="http://schemas.microsoft.com/office/powerpoint/2010/main" val="4184707281"/>
+        <p14:creationId xmlns:p14="http://schemas.microsoft.com/office/powerpoint/2010/main" val="644808487"/>
       </p:ext>
     </p:extLst>
   </p:cSld>
@@ -8215,7 +8093,7 @@
       </p:grpSpPr>
       <p:sp>
         <p:nvSpPr>
-          <p:cNvPr id="2" name="Tijdelijke aanduiding voor dia-afbeelding 1"/>
+          <p:cNvPr id="2" name="Slide Image Placeholder 1"/>
           <p:cNvSpPr>
             <a:spLocks noGrp="1" noRot="1" noChangeAspect="1"/>
           </p:cNvSpPr>
@@ -8232,7 +8110,7 @@
       </p:sp>
       <p:sp>
         <p:nvSpPr>
-          <p:cNvPr id="3" name="Tijdelijke aanduiding voor notities 2"/>
+          <p:cNvPr id="3" name="Notes Placeholder 2"/>
           <p:cNvSpPr>
             <a:spLocks noGrp="1"/>
           </p:cNvSpPr>
@@ -8245,21 +8123,17 @@
           <a:bodyPr/>
           <a:lstStyle/>
           <a:p>
-            <a:pPr marL="177416" indent="-177416">
-              <a:buFont typeface="Arial" panose="020B0604020202020204" pitchFamily="34" charset="0"/>
-              <a:buChar char="•"/>
-            </a:pPr>
-            <a:r>
-              <a:rPr lang="en-GB" sz="1700" dirty="0"/>
-              <a:t>304 means there’s no need to retransmit the requested resources. It is an implicit redirection to a cached resource. It helps developers realise that cached resources are being called upon.</a:t>
-            </a:r>
-            <a:endParaRPr lang="nl-NL" sz="1700" dirty="0"/>
+            <a:r>
+              <a:rPr lang="en-GB" dirty="0"/>
+              <a:t> </a:t>
+            </a:r>
+            <a:endParaRPr lang="nl-NL" dirty="0"/>
           </a:p>
         </p:txBody>
       </p:sp>
       <p:sp>
         <p:nvSpPr>
-          <p:cNvPr id="4" name="Tijdelijke aanduiding voor dianummer 3"/>
+          <p:cNvPr id="4" name="Slide Number Placeholder 3"/>
           <p:cNvSpPr>
             <a:spLocks noGrp="1"/>
           </p:cNvSpPr>
@@ -8305,6 +8179,751 @@
     </p:spTree>
     <p:extLst>
       <p:ext uri="{BB962C8B-B14F-4D97-AF65-F5344CB8AC3E}">
+        <p14:creationId xmlns:p14="http://schemas.microsoft.com/office/powerpoint/2010/main" val="2034392254"/>
+      </p:ext>
+    </p:extLst>
+  </p:cSld>
+  <p:clrMapOvr>
+    <a:masterClrMapping/>
+  </p:clrMapOvr>
+</p:notes>
+</file>
+
+<file path=ppt/notesSlides/notesSlide49.xml><?xml version="1.0" encoding="utf-8"?>
+<p:notes xmlns:a="http://schemas.openxmlformats.org/drawingml/2006/main" xmlns:r="http://schemas.openxmlformats.org/officeDocument/2006/relationships" xmlns:p="http://schemas.openxmlformats.org/presentationml/2006/main">
+  <p:cSld>
+    <p:spTree>
+      <p:nvGrpSpPr>
+        <p:cNvPr id="1" name=""/>
+        <p:cNvGrpSpPr/>
+        <p:nvPr/>
+      </p:nvGrpSpPr>
+      <p:grpSpPr>
+        <a:xfrm>
+          <a:off x="0" y="0"/>
+          <a:ext cx="0" cy="0"/>
+          <a:chOff x="0" y="0"/>
+          <a:chExt cx="0" cy="0"/>
+        </a:xfrm>
+      </p:grpSpPr>
+      <p:sp>
+        <p:nvSpPr>
+          <p:cNvPr id="2" name="Tijdelijke aanduiding voor dia-afbeelding 1"/>
+          <p:cNvSpPr>
+            <a:spLocks noGrp="1" noRot="1" noChangeAspect="1"/>
+          </p:cNvSpPr>
+          <p:nvPr>
+            <p:ph type="sldImg"/>
+          </p:nvPr>
+        </p:nvSpPr>
+        <p:spPr>
+          <a:xfrm>
+            <a:off x="992188" y="768350"/>
+            <a:ext cx="5116512" cy="3836988"/>
+          </a:xfrm>
+        </p:spPr>
+      </p:sp>
+      <p:sp>
+        <p:nvSpPr>
+          <p:cNvPr id="3" name="Tijdelijke aanduiding voor notities 2"/>
+          <p:cNvSpPr>
+            <a:spLocks noGrp="1"/>
+          </p:cNvSpPr>
+          <p:nvPr>
+            <p:ph type="body" idx="1"/>
+          </p:nvPr>
+        </p:nvSpPr>
+        <p:spPr/>
+        <p:txBody>
+          <a:bodyPr/>
+          <a:lstStyle/>
+          <a:p>
+            <a:pPr marL="177416" indent="-177416">
+              <a:buFont typeface="Arial" panose="020B0604020202020204" pitchFamily="34" charset="0"/>
+              <a:buChar char="•"/>
+            </a:pPr>
+            <a:r>
+              <a:rPr lang="en-GB" sz="1700" dirty="0"/>
+              <a:t>The “Date” header is included for cache-control (de REST constraint </a:t>
+            </a:r>
+            <a:r>
+              <a:rPr lang="en-GB" sz="1700" dirty="0" err="1"/>
+              <a:t>cachability</a:t>
+            </a:r>
+            <a:r>
+              <a:rPr lang="en-GB" sz="1700" dirty="0"/>
+              <a:t>).</a:t>
+            </a:r>
+            <a:endParaRPr lang="nl-NL" sz="1700" dirty="0"/>
+          </a:p>
+          <a:p>
+            <a:pPr marL="177416" indent="-177416">
+              <a:buFont typeface="Arial" panose="020B0604020202020204" pitchFamily="34" charset="0"/>
+              <a:buChar char="•"/>
+            </a:pPr>
+            <a:r>
+              <a:rPr lang="en-GB" sz="1700" dirty="0"/>
+              <a:t>N</a:t>
+            </a:r>
+            <a:r>
+              <a:rPr lang="nl-NL" sz="1700" dirty="0" err="1"/>
+              <a:t>ote</a:t>
+            </a:r>
+            <a:r>
+              <a:rPr lang="nl-NL" sz="1700" dirty="0"/>
+              <a:t>: The content-body here </a:t>
+            </a:r>
+            <a:r>
+              <a:rPr lang="nl-NL" sz="1700" dirty="0" err="1"/>
+              <a:t>contains</a:t>
+            </a:r>
+            <a:r>
+              <a:rPr lang="nl-NL" sz="1700" dirty="0"/>
+              <a:t> </a:t>
+            </a:r>
+            <a:r>
+              <a:rPr lang="nl-NL" sz="1700" dirty="0" err="1"/>
+              <a:t>an</a:t>
+            </a:r>
+            <a:r>
+              <a:rPr lang="nl-NL" sz="1700" dirty="0"/>
+              <a:t> html </a:t>
+            </a:r>
+            <a:r>
+              <a:rPr lang="nl-NL" sz="1700" dirty="0" err="1"/>
+              <a:t>representation</a:t>
+            </a:r>
+            <a:r>
+              <a:rPr lang="nl-NL" sz="1700" dirty="0"/>
+              <a:t> of </a:t>
+            </a:r>
+            <a:r>
+              <a:rPr lang="nl-NL" sz="1700" dirty="0" err="1"/>
+              <a:t>the</a:t>
+            </a:r>
+            <a:r>
+              <a:rPr lang="nl-NL" sz="1700" dirty="0"/>
+              <a:t> content, </a:t>
+            </a:r>
+            <a:r>
+              <a:rPr lang="nl-NL" sz="1700" dirty="0" err="1"/>
+              <a:t>which</a:t>
+            </a:r>
+            <a:r>
+              <a:rPr lang="nl-NL" sz="1700" dirty="0"/>
+              <a:t> is </a:t>
+            </a:r>
+            <a:r>
+              <a:rPr lang="nl-NL" sz="1700" dirty="0" err="1"/>
+              <a:t>very</a:t>
+            </a:r>
+            <a:r>
+              <a:rPr lang="nl-NL" sz="1700" dirty="0"/>
+              <a:t> </a:t>
+            </a:r>
+            <a:r>
+              <a:rPr lang="nl-NL" sz="1700" dirty="0" err="1"/>
+              <a:t>Restful</a:t>
+            </a:r>
+            <a:r>
+              <a:rPr lang="nl-NL" sz="1700" dirty="0"/>
+              <a:t>.</a:t>
+            </a:r>
+          </a:p>
+          <a:p>
+            <a:pPr marL="177416" indent="-177416">
+              <a:buFont typeface="Arial" panose="020B0604020202020204" pitchFamily="34" charset="0"/>
+              <a:buChar char="•"/>
+            </a:pPr>
+            <a:r>
+              <a:rPr lang="en-GB" sz="1700" dirty="0"/>
+              <a:t>A</a:t>
+            </a:r>
+            <a:r>
+              <a:rPr lang="nl-NL" sz="1700" dirty="0" err="1"/>
+              <a:t>ccept</a:t>
+            </a:r>
+            <a:r>
+              <a:rPr lang="nl-NL" sz="1700" dirty="0"/>
+              <a:t>-Ranges: bytes -&gt; server </a:t>
+            </a:r>
+            <a:r>
+              <a:rPr lang="nl-NL" sz="1700" dirty="0" err="1"/>
+              <a:t>advertises</a:t>
+            </a:r>
+            <a:r>
+              <a:rPr lang="nl-NL" sz="1700" dirty="0"/>
+              <a:t> </a:t>
+            </a:r>
+            <a:r>
+              <a:rPr lang="nl-NL" sz="1700" dirty="0" err="1"/>
+              <a:t>that</a:t>
+            </a:r>
+            <a:r>
+              <a:rPr lang="nl-NL" sz="1700" dirty="0"/>
+              <a:t> </a:t>
+            </a:r>
+            <a:r>
+              <a:rPr lang="nl-NL" sz="1700" dirty="0" err="1"/>
+              <a:t>it</a:t>
+            </a:r>
+            <a:r>
+              <a:rPr lang="nl-NL" sz="1700" dirty="0"/>
+              <a:t> supports </a:t>
+            </a:r>
+            <a:r>
+              <a:rPr lang="nl-NL" sz="1700" dirty="0" err="1"/>
+              <a:t>partial</a:t>
+            </a:r>
+            <a:r>
+              <a:rPr lang="nl-NL" sz="1700" dirty="0"/>
+              <a:t> </a:t>
+            </a:r>
+            <a:r>
+              <a:rPr lang="nl-NL" sz="1700" dirty="0" err="1"/>
+              <a:t>requests</a:t>
+            </a:r>
+            <a:r>
+              <a:rPr lang="nl-NL" sz="1700" dirty="0"/>
+              <a:t>. </a:t>
+            </a:r>
+            <a:r>
+              <a:rPr lang="nl-NL" sz="1700" dirty="0" err="1"/>
+              <a:t>That</a:t>
+            </a:r>
+            <a:r>
+              <a:rPr lang="nl-NL" sz="1700" dirty="0"/>
+              <a:t> </a:t>
+            </a:r>
+            <a:r>
+              <a:rPr lang="nl-NL" sz="1700" dirty="0" err="1"/>
+              <a:t>allows</a:t>
+            </a:r>
+            <a:r>
+              <a:rPr lang="nl-NL" sz="1700" dirty="0"/>
+              <a:t> a browser </a:t>
+            </a:r>
+            <a:r>
+              <a:rPr lang="nl-NL" sz="1700" dirty="0" err="1"/>
+              <a:t>to</a:t>
+            </a:r>
+            <a:r>
+              <a:rPr lang="nl-NL" sz="1700" dirty="0"/>
+              <a:t> resume </a:t>
+            </a:r>
+            <a:r>
+              <a:rPr lang="nl-NL" sz="1700" dirty="0" err="1"/>
+              <a:t>an</a:t>
+            </a:r>
+            <a:r>
+              <a:rPr lang="nl-NL" sz="1700" dirty="0"/>
+              <a:t> </a:t>
+            </a:r>
+            <a:r>
+              <a:rPr lang="nl-NL" sz="1700" dirty="0" err="1"/>
+              <a:t>interrupted</a:t>
+            </a:r>
+            <a:r>
+              <a:rPr lang="nl-NL" sz="1700" dirty="0"/>
+              <a:t> download, </a:t>
+            </a:r>
+            <a:r>
+              <a:rPr lang="nl-NL" sz="1700" dirty="0" err="1"/>
+              <a:t>rather</a:t>
+            </a:r>
+            <a:r>
+              <a:rPr lang="nl-NL" sz="1700" dirty="0"/>
+              <a:t> </a:t>
+            </a:r>
+            <a:r>
+              <a:rPr lang="nl-NL" sz="1700" dirty="0" err="1"/>
+              <a:t>then</a:t>
+            </a:r>
+            <a:r>
+              <a:rPr lang="nl-NL" sz="1700" dirty="0"/>
+              <a:t> start </a:t>
+            </a:r>
+            <a:r>
+              <a:rPr lang="nl-NL" sz="1700" dirty="0" err="1"/>
+              <a:t>it</a:t>
+            </a:r>
+            <a:r>
+              <a:rPr lang="nl-NL" sz="1700" dirty="0"/>
+              <a:t> </a:t>
+            </a:r>
+            <a:r>
+              <a:rPr lang="nl-NL" sz="1700" dirty="0" err="1"/>
+              <a:t>from</a:t>
+            </a:r>
+            <a:r>
+              <a:rPr lang="nl-NL" sz="1700" dirty="0"/>
+              <a:t> </a:t>
+            </a:r>
+            <a:r>
+              <a:rPr lang="nl-NL" sz="1700" dirty="0" err="1"/>
+              <a:t>the</a:t>
+            </a:r>
+            <a:r>
+              <a:rPr lang="nl-NL" sz="1700" dirty="0"/>
+              <a:t> start </a:t>
+            </a:r>
+            <a:r>
+              <a:rPr lang="nl-NL" sz="1700" dirty="0" err="1"/>
+              <a:t>again</a:t>
+            </a:r>
+            <a:r>
+              <a:rPr lang="nl-NL" sz="1700" dirty="0"/>
+              <a:t>.</a:t>
+            </a:r>
+          </a:p>
+          <a:p>
+            <a:pPr marL="177416" indent="-177416">
+              <a:buFont typeface="Arial" panose="020B0604020202020204" pitchFamily="34" charset="0"/>
+              <a:buChar char="•"/>
+            </a:pPr>
+            <a:r>
+              <a:rPr lang="en-GB" sz="1700" dirty="0"/>
+              <a:t>E</a:t>
+            </a:r>
+            <a:r>
+              <a:rPr lang="nl-NL" sz="1700" dirty="0"/>
+              <a:t>tag -&gt; </a:t>
+            </a:r>
+            <a:r>
+              <a:rPr lang="nl-NL" sz="1700" dirty="0" err="1"/>
+              <a:t>number</a:t>
+            </a:r>
+            <a:r>
+              <a:rPr lang="nl-NL" sz="1700" dirty="0"/>
+              <a:t> </a:t>
+            </a:r>
+            <a:r>
+              <a:rPr lang="nl-NL" sz="1700" dirty="0" err="1"/>
+              <a:t>that</a:t>
+            </a:r>
+            <a:r>
+              <a:rPr lang="nl-NL" sz="1700" dirty="0"/>
+              <a:t> </a:t>
+            </a:r>
+            <a:r>
+              <a:rPr lang="nl-NL" sz="1700" dirty="0" err="1"/>
+              <a:t>can</a:t>
+            </a:r>
+            <a:r>
+              <a:rPr lang="nl-NL" sz="1700" dirty="0"/>
+              <a:t> </a:t>
+            </a:r>
+            <a:r>
+              <a:rPr lang="nl-NL" sz="1700" dirty="0" err="1"/>
+              <a:t>be</a:t>
+            </a:r>
+            <a:r>
+              <a:rPr lang="nl-NL" sz="1700" dirty="0"/>
+              <a:t> </a:t>
+            </a:r>
+            <a:r>
+              <a:rPr lang="nl-NL" sz="1700" dirty="0" err="1"/>
+              <a:t>used</a:t>
+            </a:r>
+            <a:r>
+              <a:rPr lang="nl-NL" sz="1700" dirty="0"/>
+              <a:t> </a:t>
+            </a:r>
+            <a:r>
+              <a:rPr lang="nl-NL" sz="1700" dirty="0" err="1"/>
+              <a:t>to</a:t>
+            </a:r>
+            <a:r>
+              <a:rPr lang="nl-NL" sz="1700" dirty="0"/>
+              <a:t> help </a:t>
+            </a:r>
+            <a:r>
+              <a:rPr lang="nl-NL" sz="1700" dirty="0" err="1"/>
+              <a:t>with</a:t>
+            </a:r>
+            <a:r>
+              <a:rPr lang="nl-NL" sz="1700" dirty="0"/>
+              <a:t> cache control. For </a:t>
+            </a:r>
+            <a:r>
+              <a:rPr lang="nl-NL" sz="1700" dirty="0" err="1"/>
+              <a:t>instance</a:t>
+            </a:r>
+            <a:r>
+              <a:rPr lang="nl-NL" sz="1700" dirty="0"/>
+              <a:t>, </a:t>
+            </a:r>
+            <a:r>
+              <a:rPr lang="nl-NL" sz="1700" dirty="0" err="1"/>
+              <a:t>it</a:t>
+            </a:r>
+            <a:r>
+              <a:rPr lang="nl-NL" sz="1700" dirty="0"/>
+              <a:t> </a:t>
+            </a:r>
+            <a:r>
+              <a:rPr lang="nl-NL" sz="1700" dirty="0" err="1"/>
+              <a:t>can</a:t>
+            </a:r>
+            <a:r>
+              <a:rPr lang="nl-NL" sz="1700" dirty="0"/>
+              <a:t> </a:t>
+            </a:r>
+            <a:r>
+              <a:rPr lang="nl-NL" sz="1700" dirty="0" err="1"/>
+              <a:t>be</a:t>
+            </a:r>
+            <a:r>
+              <a:rPr lang="nl-NL" sz="1700" dirty="0"/>
+              <a:t> a </a:t>
+            </a:r>
+            <a:r>
+              <a:rPr lang="nl-NL" sz="1700" dirty="0" err="1"/>
+              <a:t>crc</a:t>
+            </a:r>
+            <a:r>
+              <a:rPr lang="nl-NL" sz="1700" dirty="0"/>
+              <a:t> of a resource.</a:t>
+            </a:r>
+          </a:p>
+          <a:p>
+            <a:pPr marL="177416" indent="-177416">
+              <a:buFont typeface="Arial" panose="020B0604020202020204" pitchFamily="34" charset="0"/>
+              <a:buChar char="•"/>
+            </a:pPr>
+            <a:r>
+              <a:rPr lang="en-GB" sz="1700" dirty="0"/>
+              <a:t>C</a:t>
+            </a:r>
+            <a:r>
+              <a:rPr lang="nl-NL" sz="1700" dirty="0"/>
+              <a:t>rc = cyclic </a:t>
+            </a:r>
+            <a:r>
+              <a:rPr lang="nl-NL" sz="1700" dirty="0" err="1"/>
+              <a:t>redundancy</a:t>
+            </a:r>
+            <a:r>
+              <a:rPr lang="nl-NL" sz="1700" dirty="0"/>
+              <a:t> check (a </a:t>
+            </a:r>
+            <a:r>
+              <a:rPr lang="nl-NL" sz="1700" dirty="0" err="1"/>
+              <a:t>quickly</a:t>
+            </a:r>
+            <a:r>
+              <a:rPr lang="nl-NL" sz="1700" dirty="0"/>
+              <a:t> </a:t>
+            </a:r>
+            <a:r>
+              <a:rPr lang="nl-NL" sz="1700" dirty="0" err="1"/>
+              <a:t>calculated</a:t>
+            </a:r>
+            <a:r>
+              <a:rPr lang="nl-NL" sz="1700" dirty="0"/>
+              <a:t> </a:t>
+            </a:r>
+            <a:r>
+              <a:rPr lang="nl-NL" sz="1700" dirty="0" err="1"/>
+              <a:t>checksum</a:t>
+            </a:r>
+            <a:r>
+              <a:rPr lang="nl-NL" sz="1700" dirty="0"/>
+              <a:t> </a:t>
+            </a:r>
+            <a:r>
+              <a:rPr lang="nl-NL" sz="1700" dirty="0" err="1"/>
+              <a:t>figure</a:t>
+            </a:r>
+            <a:r>
+              <a:rPr lang="nl-NL" sz="1700" dirty="0"/>
+              <a:t>).</a:t>
+            </a:r>
+          </a:p>
+        </p:txBody>
+      </p:sp>
+      <p:sp>
+        <p:nvSpPr>
+          <p:cNvPr id="4" name="Tijdelijke aanduiding voor dianummer 3"/>
+          <p:cNvSpPr>
+            <a:spLocks noGrp="1"/>
+          </p:cNvSpPr>
+          <p:nvPr>
+            <p:ph type="sldNum" idx="10"/>
+          </p:nvPr>
+        </p:nvSpPr>
+        <p:spPr/>
+        <p:txBody>
+          <a:bodyPr/>
+          <a:lstStyle/>
+          <a:p>
+            <a:pPr algn="r">
+              <a:buSzPct val="25000"/>
+            </a:pPr>
+            <a:fld id="{00000000-1234-1234-1234-123412341234}" type="slidenum">
+              <a:rPr lang="en-GB" sz="1200">
+                <a:solidFill>
+                  <a:schemeClr val="dk1"/>
+                </a:solidFill>
+                <a:latin typeface="Calibri"/>
+                <a:ea typeface="Calibri"/>
+                <a:cs typeface="Calibri"/>
+                <a:sym typeface="Calibri"/>
+              </a:rPr>
+              <a:pPr algn="r">
+                <a:buSzPct val="25000"/>
+              </a:pPr>
+              <a:t>49</a:t>
+            </a:fld>
+            <a:endParaRPr lang="en-GB" sz="1200">
+              <a:solidFill>
+                <a:schemeClr val="dk1"/>
+              </a:solidFill>
+              <a:latin typeface="Calibri"/>
+              <a:ea typeface="Calibri"/>
+              <a:cs typeface="Calibri"/>
+              <a:sym typeface="Calibri"/>
+            </a:endParaRPr>
+          </a:p>
+        </p:txBody>
+      </p:sp>
+    </p:spTree>
+    <p:extLst>
+      <p:ext uri="{BB962C8B-B14F-4D97-AF65-F5344CB8AC3E}">
+        <p14:creationId xmlns:p14="http://schemas.microsoft.com/office/powerpoint/2010/main" val="4184707281"/>
+      </p:ext>
+    </p:extLst>
+  </p:cSld>
+  <p:clrMapOvr>
+    <a:masterClrMapping/>
+  </p:clrMapOvr>
+</p:notes>
+</file>
+
+<file path=ppt/notesSlides/notesSlide5.xml><?xml version="1.0" encoding="utf-8"?>
+<p:notes xmlns:a="http://schemas.openxmlformats.org/drawingml/2006/main" xmlns:r="http://schemas.openxmlformats.org/officeDocument/2006/relationships" xmlns:p="http://schemas.openxmlformats.org/presentationml/2006/main">
+  <p:cSld>
+    <p:spTree>
+      <p:nvGrpSpPr>
+        <p:cNvPr id="1" name=""/>
+        <p:cNvGrpSpPr/>
+        <p:nvPr/>
+      </p:nvGrpSpPr>
+      <p:grpSpPr>
+        <a:xfrm>
+          <a:off x="0" y="0"/>
+          <a:ext cx="0" cy="0"/>
+          <a:chOff x="0" y="0"/>
+          <a:chExt cx="0" cy="0"/>
+        </a:xfrm>
+      </p:grpSpPr>
+      <p:sp>
+        <p:nvSpPr>
+          <p:cNvPr id="2" name="Tijdelijke aanduiding voor dia-afbeelding 1"/>
+          <p:cNvSpPr>
+            <a:spLocks noGrp="1" noRot="1" noChangeAspect="1"/>
+          </p:cNvSpPr>
+          <p:nvPr>
+            <p:ph type="sldImg"/>
+          </p:nvPr>
+        </p:nvSpPr>
+        <p:spPr>
+          <a:xfrm>
+            <a:off x="992188" y="768350"/>
+            <a:ext cx="5116512" cy="3836988"/>
+          </a:xfrm>
+        </p:spPr>
+      </p:sp>
+      <p:sp>
+        <p:nvSpPr>
+          <p:cNvPr id="3" name="Tijdelijke aanduiding voor notities 2"/>
+          <p:cNvSpPr>
+            <a:spLocks noGrp="1"/>
+          </p:cNvSpPr>
+          <p:nvPr>
+            <p:ph type="body" idx="1"/>
+          </p:nvPr>
+        </p:nvSpPr>
+        <p:spPr/>
+        <p:txBody>
+          <a:bodyPr/>
+          <a:lstStyle/>
+          <a:p>
+            <a:r>
+              <a:rPr lang="en-GB" dirty="0"/>
+              <a:t> </a:t>
+            </a:r>
+            <a:endParaRPr lang="nl-NL" dirty="0"/>
+          </a:p>
+        </p:txBody>
+      </p:sp>
+      <p:sp>
+        <p:nvSpPr>
+          <p:cNvPr id="4" name="Tijdelijke aanduiding voor dianummer 3"/>
+          <p:cNvSpPr>
+            <a:spLocks noGrp="1"/>
+          </p:cNvSpPr>
+          <p:nvPr>
+            <p:ph type="sldNum" idx="10"/>
+          </p:nvPr>
+        </p:nvSpPr>
+        <p:spPr/>
+        <p:txBody>
+          <a:bodyPr/>
+          <a:lstStyle/>
+          <a:p>
+            <a:pPr algn="r">
+              <a:buSzPct val="25000"/>
+            </a:pPr>
+            <a:fld id="{00000000-1234-1234-1234-123412341234}" type="slidenum">
+              <a:rPr lang="en-GB" sz="1200">
+                <a:solidFill>
+                  <a:schemeClr val="dk1"/>
+                </a:solidFill>
+                <a:latin typeface="Calibri"/>
+                <a:ea typeface="Calibri"/>
+                <a:cs typeface="Calibri"/>
+                <a:sym typeface="Calibri"/>
+              </a:rPr>
+              <a:pPr algn="r">
+                <a:buSzPct val="25000"/>
+              </a:pPr>
+              <a:t>5</a:t>
+            </a:fld>
+            <a:endParaRPr lang="en-GB" sz="1200">
+              <a:solidFill>
+                <a:schemeClr val="dk1"/>
+              </a:solidFill>
+              <a:latin typeface="Calibri"/>
+              <a:ea typeface="Calibri"/>
+              <a:cs typeface="Calibri"/>
+              <a:sym typeface="Calibri"/>
+            </a:endParaRPr>
+          </a:p>
+        </p:txBody>
+      </p:sp>
+    </p:spTree>
+    <p:extLst>
+      <p:ext uri="{BB962C8B-B14F-4D97-AF65-F5344CB8AC3E}">
+        <p14:creationId xmlns:p14="http://schemas.microsoft.com/office/powerpoint/2010/main" val="4085292632"/>
+      </p:ext>
+    </p:extLst>
+  </p:cSld>
+  <p:clrMapOvr>
+    <a:masterClrMapping/>
+  </p:clrMapOvr>
+</p:notes>
+</file>
+
+<file path=ppt/notesSlides/notesSlide50.xml><?xml version="1.0" encoding="utf-8"?>
+<p:notes xmlns:a="http://schemas.openxmlformats.org/drawingml/2006/main" xmlns:r="http://schemas.openxmlformats.org/officeDocument/2006/relationships" xmlns:p="http://schemas.openxmlformats.org/presentationml/2006/main">
+  <p:cSld>
+    <p:spTree>
+      <p:nvGrpSpPr>
+        <p:cNvPr id="1" name=""/>
+        <p:cNvGrpSpPr/>
+        <p:nvPr/>
+      </p:nvGrpSpPr>
+      <p:grpSpPr>
+        <a:xfrm>
+          <a:off x="0" y="0"/>
+          <a:ext cx="0" cy="0"/>
+          <a:chOff x="0" y="0"/>
+          <a:chExt cx="0" cy="0"/>
+        </a:xfrm>
+      </p:grpSpPr>
+      <p:sp>
+        <p:nvSpPr>
+          <p:cNvPr id="2" name="Tijdelijke aanduiding voor dia-afbeelding 1"/>
+          <p:cNvSpPr>
+            <a:spLocks noGrp="1" noRot="1" noChangeAspect="1"/>
+          </p:cNvSpPr>
+          <p:nvPr>
+            <p:ph type="sldImg"/>
+          </p:nvPr>
+        </p:nvSpPr>
+        <p:spPr>
+          <a:xfrm>
+            <a:off x="992188" y="768350"/>
+            <a:ext cx="5116512" cy="3836988"/>
+          </a:xfrm>
+        </p:spPr>
+      </p:sp>
+      <p:sp>
+        <p:nvSpPr>
+          <p:cNvPr id="3" name="Tijdelijke aanduiding voor notities 2"/>
+          <p:cNvSpPr>
+            <a:spLocks noGrp="1"/>
+          </p:cNvSpPr>
+          <p:nvPr>
+            <p:ph type="body" idx="1"/>
+          </p:nvPr>
+        </p:nvSpPr>
+        <p:spPr/>
+        <p:txBody>
+          <a:bodyPr/>
+          <a:lstStyle/>
+          <a:p>
+            <a:pPr marL="177416" indent="-177416">
+              <a:buFont typeface="Arial" panose="020B0604020202020204" pitchFamily="34" charset="0"/>
+              <a:buChar char="•"/>
+            </a:pPr>
+            <a:r>
+              <a:rPr lang="en-GB" sz="1700" dirty="0"/>
+              <a:t>304 means there’s no need to retransmit the requested resources. It is an implicit redirection to a cached resource. It helps developers realise that cached resources are being called upon.</a:t>
+            </a:r>
+            <a:endParaRPr lang="nl-NL" sz="1700" dirty="0"/>
+          </a:p>
+        </p:txBody>
+      </p:sp>
+      <p:sp>
+        <p:nvSpPr>
+          <p:cNvPr id="4" name="Tijdelijke aanduiding voor dianummer 3"/>
+          <p:cNvSpPr>
+            <a:spLocks noGrp="1"/>
+          </p:cNvSpPr>
+          <p:nvPr>
+            <p:ph type="sldNum" idx="10"/>
+          </p:nvPr>
+        </p:nvSpPr>
+        <p:spPr/>
+        <p:txBody>
+          <a:bodyPr/>
+          <a:lstStyle/>
+          <a:p>
+            <a:pPr algn="r">
+              <a:buSzPct val="25000"/>
+            </a:pPr>
+            <a:fld id="{00000000-1234-1234-1234-123412341234}" type="slidenum">
+              <a:rPr lang="en-GB" sz="1200">
+                <a:solidFill>
+                  <a:schemeClr val="dk1"/>
+                </a:solidFill>
+                <a:latin typeface="Calibri"/>
+                <a:ea typeface="Calibri"/>
+                <a:cs typeface="Calibri"/>
+                <a:sym typeface="Calibri"/>
+              </a:rPr>
+              <a:pPr algn="r">
+                <a:buSzPct val="25000"/>
+              </a:pPr>
+              <a:t>50</a:t>
+            </a:fld>
+            <a:endParaRPr lang="en-GB" sz="1200">
+              <a:solidFill>
+                <a:schemeClr val="dk1"/>
+              </a:solidFill>
+              <a:latin typeface="Calibri"/>
+              <a:ea typeface="Calibri"/>
+              <a:cs typeface="Calibri"/>
+              <a:sym typeface="Calibri"/>
+            </a:endParaRPr>
+          </a:p>
+        </p:txBody>
+      </p:sp>
+    </p:spTree>
+    <p:extLst>
+      <p:ext uri="{BB962C8B-B14F-4D97-AF65-F5344CB8AC3E}">
         <p14:creationId xmlns:p14="http://schemas.microsoft.com/office/powerpoint/2010/main" val="3229305717"/>
       </p:ext>
     </p:extLst>
@@ -8315,7 +8934,7 @@
 </p:notes>
 </file>
 
-<file path=ppt/notesSlides/notesSlide49.xml><?xml version="1.0" encoding="utf-8"?>
+<file path=ppt/notesSlides/notesSlide51.xml><?xml version="1.0" encoding="utf-8"?>
 <p:notes xmlns:a="http://schemas.openxmlformats.org/drawingml/2006/main" xmlns:r="http://schemas.openxmlformats.org/officeDocument/2006/relationships" xmlns:p="http://schemas.openxmlformats.org/presentationml/2006/main">
   <p:cSld>
     <p:bg>
@@ -8450,483 +9069,6 @@
 </p:notes>
 </file>
 
-<file path=ppt/notesSlides/notesSlide5.xml><?xml version="1.0" encoding="utf-8"?>
-<p:notes xmlns:a="http://schemas.openxmlformats.org/drawingml/2006/main" xmlns:r="http://schemas.openxmlformats.org/officeDocument/2006/relationships" xmlns:p="http://schemas.openxmlformats.org/presentationml/2006/main">
-  <p:cSld>
-    <p:spTree>
-      <p:nvGrpSpPr>
-        <p:cNvPr id="1" name=""/>
-        <p:cNvGrpSpPr/>
-        <p:nvPr/>
-      </p:nvGrpSpPr>
-      <p:grpSpPr>
-        <a:xfrm>
-          <a:off x="0" y="0"/>
-          <a:ext cx="0" cy="0"/>
-          <a:chOff x="0" y="0"/>
-          <a:chExt cx="0" cy="0"/>
-        </a:xfrm>
-      </p:grpSpPr>
-      <p:sp>
-        <p:nvSpPr>
-          <p:cNvPr id="2" name="Tijdelijke aanduiding voor dia-afbeelding 1"/>
-          <p:cNvSpPr>
-            <a:spLocks noGrp="1" noRot="1" noChangeAspect="1"/>
-          </p:cNvSpPr>
-          <p:nvPr>
-            <p:ph type="sldImg"/>
-          </p:nvPr>
-        </p:nvSpPr>
-        <p:spPr>
-          <a:xfrm>
-            <a:off x="992188" y="768350"/>
-            <a:ext cx="5116512" cy="3836988"/>
-          </a:xfrm>
-        </p:spPr>
-      </p:sp>
-      <p:sp>
-        <p:nvSpPr>
-          <p:cNvPr id="3" name="Tijdelijke aanduiding voor notities 2"/>
-          <p:cNvSpPr>
-            <a:spLocks noGrp="1"/>
-          </p:cNvSpPr>
-          <p:nvPr>
-            <p:ph type="body" idx="1"/>
-          </p:nvPr>
-        </p:nvSpPr>
-        <p:spPr/>
-        <p:txBody>
-          <a:bodyPr/>
-          <a:lstStyle/>
-          <a:p>
-            <a:r>
-              <a:rPr lang="en-GB" dirty="0"/>
-              <a:t> </a:t>
-            </a:r>
-            <a:endParaRPr lang="nl-NL" dirty="0"/>
-          </a:p>
-        </p:txBody>
-      </p:sp>
-      <p:sp>
-        <p:nvSpPr>
-          <p:cNvPr id="4" name="Tijdelijke aanduiding voor dianummer 3"/>
-          <p:cNvSpPr>
-            <a:spLocks noGrp="1"/>
-          </p:cNvSpPr>
-          <p:nvPr>
-            <p:ph type="sldNum" idx="10"/>
-          </p:nvPr>
-        </p:nvSpPr>
-        <p:spPr/>
-        <p:txBody>
-          <a:bodyPr/>
-          <a:lstStyle/>
-          <a:p>
-            <a:pPr algn="r">
-              <a:buSzPct val="25000"/>
-            </a:pPr>
-            <a:fld id="{00000000-1234-1234-1234-123412341234}" type="slidenum">
-              <a:rPr lang="en-GB" sz="1200">
-                <a:solidFill>
-                  <a:schemeClr val="dk1"/>
-                </a:solidFill>
-                <a:latin typeface="Calibri"/>
-                <a:ea typeface="Calibri"/>
-                <a:cs typeface="Calibri"/>
-                <a:sym typeface="Calibri"/>
-              </a:rPr>
-              <a:pPr algn="r">
-                <a:buSzPct val="25000"/>
-              </a:pPr>
-              <a:t>5</a:t>
-            </a:fld>
-            <a:endParaRPr lang="en-GB" sz="1200">
-              <a:solidFill>
-                <a:schemeClr val="dk1"/>
-              </a:solidFill>
-              <a:latin typeface="Calibri"/>
-              <a:ea typeface="Calibri"/>
-              <a:cs typeface="Calibri"/>
-              <a:sym typeface="Calibri"/>
-            </a:endParaRPr>
-          </a:p>
-        </p:txBody>
-      </p:sp>
-    </p:spTree>
-    <p:extLst>
-      <p:ext uri="{BB962C8B-B14F-4D97-AF65-F5344CB8AC3E}">
-        <p14:creationId xmlns:p14="http://schemas.microsoft.com/office/powerpoint/2010/main" val="4085292632"/>
-      </p:ext>
-    </p:extLst>
-  </p:cSld>
-  <p:clrMapOvr>
-    <a:masterClrMapping/>
-  </p:clrMapOvr>
-</p:notes>
-</file>
-
-<file path=ppt/notesSlides/notesSlide50.xml><?xml version="1.0" encoding="utf-8"?>
-<p:notes xmlns:a="http://schemas.openxmlformats.org/drawingml/2006/main" xmlns:r="http://schemas.openxmlformats.org/officeDocument/2006/relationships" xmlns:p="http://schemas.openxmlformats.org/presentationml/2006/main">
-  <p:cSld>
-    <p:spTree>
-      <p:nvGrpSpPr>
-        <p:cNvPr id="1" name=""/>
-        <p:cNvGrpSpPr/>
-        <p:nvPr/>
-      </p:nvGrpSpPr>
-      <p:grpSpPr>
-        <a:xfrm>
-          <a:off x="0" y="0"/>
-          <a:ext cx="0" cy="0"/>
-          <a:chOff x="0" y="0"/>
-          <a:chExt cx="0" cy="0"/>
-        </a:xfrm>
-      </p:grpSpPr>
-      <p:sp>
-        <p:nvSpPr>
-          <p:cNvPr id="2" name="Tijdelijke aanduiding voor dia-afbeelding 1"/>
-          <p:cNvSpPr>
-            <a:spLocks noGrp="1" noRot="1" noChangeAspect="1"/>
-          </p:cNvSpPr>
-          <p:nvPr>
-            <p:ph type="sldImg"/>
-          </p:nvPr>
-        </p:nvSpPr>
-        <p:spPr>
-          <a:xfrm>
-            <a:off x="992188" y="768350"/>
-            <a:ext cx="5116512" cy="3836988"/>
-          </a:xfrm>
-        </p:spPr>
-      </p:sp>
-      <p:sp>
-        <p:nvSpPr>
-          <p:cNvPr id="3" name="Tijdelijke aanduiding voor notities 2"/>
-          <p:cNvSpPr>
-            <a:spLocks noGrp="1"/>
-          </p:cNvSpPr>
-          <p:nvPr>
-            <p:ph type="body" idx="1"/>
-          </p:nvPr>
-        </p:nvSpPr>
-        <p:spPr/>
-        <p:txBody>
-          <a:bodyPr/>
-          <a:lstStyle/>
-          <a:p>
-            <a:pPr marL="177416" indent="-177416">
-              <a:buFont typeface="Arial" panose="020B0604020202020204" pitchFamily="34" charset="0"/>
-              <a:buChar char="•"/>
-            </a:pPr>
-            <a:r>
-              <a:rPr lang="en-GB" sz="1700" dirty="0"/>
-              <a:t>There’s a lot of so called Restful APIs, but most of them or none truly uphold all REST principles.</a:t>
-            </a:r>
-          </a:p>
-          <a:p>
-            <a:pPr marL="177416" indent="-177416">
-              <a:buFont typeface="Arial" panose="020B0604020202020204" pitchFamily="34" charset="0"/>
-              <a:buChar char="•"/>
-            </a:pPr>
-            <a:r>
-              <a:rPr lang="en-GB" sz="1700" dirty="0"/>
-              <a:t>JSON-LD example:</a:t>
-            </a:r>
-            <a:br>
-              <a:rPr lang="en-GB" sz="1700" dirty="0"/>
-            </a:br>
-            <a:r>
-              <a:rPr lang="en-US" sz="1700" dirty="0"/>
-              <a:t>{ "@context": "</a:t>
-            </a:r>
-            <a:r>
-              <a:rPr lang="en-US" sz="1700" dirty="0">
-                <a:hlinkClick r:id="rId3"/>
-              </a:rPr>
-              <a:t>https://json-ld.org/contexts/</a:t>
-            </a:r>
-            <a:r>
-              <a:rPr lang="en-US" sz="1700" dirty="0" err="1">
-                <a:hlinkClick r:id="rId3"/>
-              </a:rPr>
-              <a:t>person.jsonld</a:t>
-            </a:r>
-            <a:r>
-              <a:rPr lang="en-US" sz="1700" dirty="0"/>
-              <a:t>", </a:t>
-            </a:r>
-            <a:br>
-              <a:rPr lang="en-US" sz="1700" dirty="0"/>
-            </a:br>
-            <a:r>
-              <a:rPr lang="en-US" sz="1700" dirty="0"/>
-              <a:t>  "@id": "</a:t>
-            </a:r>
-            <a:r>
-              <a:rPr lang="en-US" sz="1700" dirty="0">
-                <a:hlinkClick r:id="rId4"/>
-              </a:rPr>
-              <a:t>http://dbpedia.org/resource/</a:t>
-            </a:r>
-            <a:r>
-              <a:rPr lang="en-US" sz="1700" dirty="0" err="1">
-                <a:hlinkClick r:id="rId4"/>
-              </a:rPr>
-              <a:t>John_Lennon</a:t>
-            </a:r>
-            <a:r>
-              <a:rPr lang="en-US" sz="1700" dirty="0"/>
-              <a:t>", </a:t>
-            </a:r>
-            <a:br>
-              <a:rPr lang="en-US" sz="1700" dirty="0"/>
-            </a:br>
-            <a:r>
-              <a:rPr lang="en-US" sz="1700" dirty="0"/>
-              <a:t>  "name": "John Lennon", "born": "1940-10-09", </a:t>
-            </a:r>
-            <a:br>
-              <a:rPr lang="en-US" sz="1700" dirty="0"/>
-            </a:br>
-            <a:r>
-              <a:rPr lang="en-US" sz="1700" dirty="0"/>
-              <a:t>  "spouse": "</a:t>
-            </a:r>
-            <a:r>
-              <a:rPr lang="en-US" sz="1700" dirty="0">
-                <a:hlinkClick r:id="rId5"/>
-              </a:rPr>
-              <a:t>http://dbpedia.org/resource/</a:t>
-            </a:r>
-            <a:r>
-              <a:rPr lang="en-US" sz="1700" dirty="0" err="1">
-                <a:hlinkClick r:id="rId5"/>
-              </a:rPr>
-              <a:t>Cynthia_Lennon</a:t>
-            </a:r>
-            <a:r>
-              <a:rPr lang="en-US" sz="1700" dirty="0"/>
-              <a:t>" }</a:t>
-            </a:r>
-          </a:p>
-          <a:p>
-            <a:pPr marL="177416" indent="-177416">
-              <a:buFont typeface="Arial" panose="020B0604020202020204" pitchFamily="34" charset="0"/>
-              <a:buChar char="•"/>
-            </a:pPr>
-            <a:r>
-              <a:rPr lang="en-GB" sz="1700" dirty="0"/>
-              <a:t>Above can also be useful for M2M communication. Machines don’t view pages the way we do. So a clear description to find its resources helps a lot.</a:t>
-            </a:r>
-          </a:p>
-          <a:p>
-            <a:pPr marL="177416" indent="-177416">
-              <a:buFont typeface="Arial" panose="020B0604020202020204" pitchFamily="34" charset="0"/>
-              <a:buChar char="•"/>
-            </a:pPr>
-            <a:endParaRPr lang="nl-NL" sz="1700" dirty="0"/>
-          </a:p>
-        </p:txBody>
-      </p:sp>
-      <p:sp>
-        <p:nvSpPr>
-          <p:cNvPr id="4" name="Tijdelijke aanduiding voor dianummer 3"/>
-          <p:cNvSpPr>
-            <a:spLocks noGrp="1"/>
-          </p:cNvSpPr>
-          <p:nvPr>
-            <p:ph type="sldNum" idx="10"/>
-          </p:nvPr>
-        </p:nvSpPr>
-        <p:spPr/>
-        <p:txBody>
-          <a:bodyPr/>
-          <a:lstStyle/>
-          <a:p>
-            <a:pPr algn="r">
-              <a:buSzPct val="25000"/>
-            </a:pPr>
-            <a:fld id="{00000000-1234-1234-1234-123412341234}" type="slidenum">
-              <a:rPr lang="en-GB" sz="1200">
-                <a:solidFill>
-                  <a:schemeClr val="dk1"/>
-                </a:solidFill>
-                <a:latin typeface="Calibri"/>
-                <a:ea typeface="Calibri"/>
-                <a:cs typeface="Calibri"/>
-                <a:sym typeface="Calibri"/>
-              </a:rPr>
-              <a:pPr algn="r">
-                <a:buSzPct val="25000"/>
-              </a:pPr>
-              <a:t>50</a:t>
-            </a:fld>
-            <a:endParaRPr lang="en-GB" sz="1200">
-              <a:solidFill>
-                <a:schemeClr val="dk1"/>
-              </a:solidFill>
-              <a:latin typeface="Calibri"/>
-              <a:ea typeface="Calibri"/>
-              <a:cs typeface="Calibri"/>
-              <a:sym typeface="Calibri"/>
-            </a:endParaRPr>
-          </a:p>
-        </p:txBody>
-      </p:sp>
-    </p:spTree>
-    <p:extLst>
-      <p:ext uri="{BB962C8B-B14F-4D97-AF65-F5344CB8AC3E}">
-        <p14:creationId xmlns:p14="http://schemas.microsoft.com/office/powerpoint/2010/main" val="775704478"/>
-      </p:ext>
-    </p:extLst>
-  </p:cSld>
-  <p:clrMapOvr>
-    <a:masterClrMapping/>
-  </p:clrMapOvr>
-</p:notes>
-</file>
-
-<file path=ppt/notesSlides/notesSlide51.xml><?xml version="1.0" encoding="utf-8"?>
-<p:notes xmlns:a="http://schemas.openxmlformats.org/drawingml/2006/main" xmlns:r="http://schemas.openxmlformats.org/officeDocument/2006/relationships" xmlns:p="http://schemas.openxmlformats.org/presentationml/2006/main">
-  <p:cSld>
-    <p:spTree>
-      <p:nvGrpSpPr>
-        <p:cNvPr id="1" name=""/>
-        <p:cNvGrpSpPr/>
-        <p:nvPr/>
-      </p:nvGrpSpPr>
-      <p:grpSpPr>
-        <a:xfrm>
-          <a:off x="0" y="0"/>
-          <a:ext cx="0" cy="0"/>
-          <a:chOff x="0" y="0"/>
-          <a:chExt cx="0" cy="0"/>
-        </a:xfrm>
-      </p:grpSpPr>
-      <p:sp>
-        <p:nvSpPr>
-          <p:cNvPr id="2" name="Slide Image Placeholder 1"/>
-          <p:cNvSpPr>
-            <a:spLocks noGrp="1" noRot="1" noChangeAspect="1"/>
-          </p:cNvSpPr>
-          <p:nvPr>
-            <p:ph type="sldImg"/>
-          </p:nvPr>
-        </p:nvSpPr>
-        <p:spPr>
-          <a:xfrm>
-            <a:off x="992188" y="768350"/>
-            <a:ext cx="5116512" cy="3836988"/>
-          </a:xfrm>
-        </p:spPr>
-      </p:sp>
-      <p:sp>
-        <p:nvSpPr>
-          <p:cNvPr id="3" name="Notes Placeholder 2"/>
-          <p:cNvSpPr>
-            <a:spLocks noGrp="1"/>
-          </p:cNvSpPr>
-          <p:nvPr>
-            <p:ph type="body" idx="1"/>
-          </p:nvPr>
-        </p:nvSpPr>
-        <p:spPr/>
-        <p:txBody>
-          <a:bodyPr/>
-          <a:lstStyle/>
-          <a:p>
-            <a:pPr marL="177416" indent="-177416">
-              <a:buFont typeface="Arial" panose="020B0604020202020204" pitchFamily="34" charset="0"/>
-              <a:buChar char="•"/>
-            </a:pPr>
-            <a:r>
-              <a:rPr lang="en-US" sz="1700" dirty="0"/>
-              <a:t>Also, see https://www.programmableweb.com/news/api-anti-patterns-how-to-avoid-common-rest-mistakes/2010/08/13</a:t>
-            </a:r>
-          </a:p>
-          <a:p>
-            <a:pPr marL="177416" indent="-177416">
-              <a:buFont typeface="Arial" panose="020B0604020202020204" pitchFamily="34" charset="0"/>
-              <a:buChar char="•"/>
-            </a:pPr>
-            <a:r>
-              <a:rPr lang="en-US" sz="1700" dirty="0"/>
-              <a:t>SOAP = Simple Object Access Protocol.</a:t>
-            </a:r>
-          </a:p>
-          <a:p>
-            <a:pPr marL="177416" indent="-177416">
-              <a:buFont typeface="Arial" panose="020B0604020202020204" pitchFamily="34" charset="0"/>
-              <a:buChar char="•"/>
-            </a:pPr>
-            <a:r>
-              <a:rPr lang="en-US" sz="1700" dirty="0"/>
-              <a:t>Only allow construction of query strings – so in the request line of the http header, not in the content section.</a:t>
-            </a:r>
-          </a:p>
-          <a:p>
-            <a:endParaRPr lang="nl-NL" sz="1700" dirty="0"/>
-          </a:p>
-        </p:txBody>
-      </p:sp>
-      <p:sp>
-        <p:nvSpPr>
-          <p:cNvPr id="4" name="Slide Number Placeholder 3"/>
-          <p:cNvSpPr>
-            <a:spLocks noGrp="1"/>
-          </p:cNvSpPr>
-          <p:nvPr>
-            <p:ph type="sldNum" idx="10"/>
-          </p:nvPr>
-        </p:nvSpPr>
-        <p:spPr/>
-        <p:txBody>
-          <a:bodyPr/>
-          <a:lstStyle/>
-          <a:p>
-            <a:pPr algn="r">
-              <a:buSzPct val="25000"/>
-            </a:pPr>
-            <a:fld id="{00000000-1234-1234-1234-123412341234}" type="slidenum">
-              <a:rPr lang="en-GB" sz="1200">
-                <a:solidFill>
-                  <a:schemeClr val="dk1"/>
-                </a:solidFill>
-                <a:latin typeface="Calibri"/>
-                <a:ea typeface="Calibri"/>
-                <a:cs typeface="Calibri"/>
-                <a:sym typeface="Calibri"/>
-              </a:rPr>
-              <a:pPr algn="r">
-                <a:buSzPct val="25000"/>
-              </a:pPr>
-              <a:t>51</a:t>
-            </a:fld>
-            <a:endParaRPr lang="en-GB" sz="1200">
-              <a:solidFill>
-                <a:schemeClr val="dk1"/>
-              </a:solidFill>
-              <a:latin typeface="Calibri"/>
-              <a:ea typeface="Calibri"/>
-              <a:cs typeface="Calibri"/>
-              <a:sym typeface="Calibri"/>
-            </a:endParaRPr>
-          </a:p>
-        </p:txBody>
-      </p:sp>
-    </p:spTree>
-    <p:extLst>
-      <p:ext uri="{BB962C8B-B14F-4D97-AF65-F5344CB8AC3E}">
-        <p14:creationId xmlns:p14="http://schemas.microsoft.com/office/powerpoint/2010/main" val="2291682896"/>
-      </p:ext>
-    </p:extLst>
-  </p:cSld>
-  <p:clrMapOvr>
-    <a:masterClrMapping/>
-  </p:clrMapOvr>
-</p:notes>
-</file>
-
 <file path=ppt/notesSlides/notesSlide52.xml><?xml version="1.0" encoding="utf-8"?>
 <p:notes xmlns:a="http://schemas.openxmlformats.org/drawingml/2006/main" xmlns:r="http://schemas.openxmlformats.org/officeDocument/2006/relationships" xmlns:p="http://schemas.openxmlformats.org/presentationml/2006/main">
   <p:cSld>
@@ -8946,7 +9088,7 @@
       </p:grpSpPr>
       <p:sp>
         <p:nvSpPr>
-          <p:cNvPr id="2" name="Slide Image Placeholder 1"/>
+          <p:cNvPr id="2" name="Tijdelijke aanduiding voor dia-afbeelding 1"/>
           <p:cNvSpPr>
             <a:spLocks noGrp="1" noRot="1" noChangeAspect="1"/>
           </p:cNvSpPr>
@@ -8963,7 +9105,7 @@
       </p:sp>
       <p:sp>
         <p:nvSpPr>
-          <p:cNvPr id="3" name="Notes Placeholder 2"/>
+          <p:cNvPr id="3" name="Tijdelijke aanduiding voor notities 2"/>
           <p:cNvSpPr>
             <a:spLocks noGrp="1"/>
           </p:cNvSpPr>
@@ -8976,17 +9118,123 @@
           <a:bodyPr/>
           <a:lstStyle/>
           <a:p>
-            <a:r>
-              <a:rPr lang="en-GB" dirty="0"/>
-              <a:t> </a:t>
-            </a:r>
-            <a:endParaRPr lang="nl-NL" dirty="0"/>
+            <a:pPr marL="177416" indent="-177416">
+              <a:buFont typeface="Arial" panose="020B0604020202020204" pitchFamily="34" charset="0"/>
+              <a:buChar char="•"/>
+            </a:pPr>
+            <a:r>
+              <a:rPr lang="en-GB" sz="1700" dirty="0"/>
+              <a:t>There’s a lot of so called Restful APIs, but most of them or none truly uphold all REST principles.</a:t>
+            </a:r>
+          </a:p>
+          <a:p>
+            <a:pPr marL="177416" indent="-177416">
+              <a:buFont typeface="Arial" panose="020B0604020202020204" pitchFamily="34" charset="0"/>
+              <a:buChar char="•"/>
+            </a:pPr>
+            <a:r>
+              <a:rPr lang="en-GB" sz="1700" dirty="0"/>
+              <a:t>JSON-LD example:</a:t>
+            </a:r>
+            <a:br>
+              <a:rPr lang="en-GB" sz="1700" dirty="0"/>
+            </a:br>
+            <a:r>
+              <a:rPr lang="en-US" sz="1700" dirty="0"/>
+              <a:t>{ "@context": "</a:t>
+            </a:r>
+            <a:r>
+              <a:rPr lang="en-US" sz="1700" dirty="0">
+                <a:hlinkClick r:id="rId3"/>
+              </a:rPr>
+              <a:t>https://json-ld.org/contexts/</a:t>
+            </a:r>
+            <a:r>
+              <a:rPr lang="en-US" sz="1700" dirty="0" err="1">
+                <a:hlinkClick r:id="rId3"/>
+              </a:rPr>
+              <a:t>person.jsonld</a:t>
+            </a:r>
+            <a:r>
+              <a:rPr lang="en-US" sz="1700" dirty="0"/>
+              <a:t>", </a:t>
+            </a:r>
+            <a:br>
+              <a:rPr lang="en-US" sz="1700" dirty="0"/>
+            </a:br>
+            <a:r>
+              <a:rPr lang="en-US" sz="1700" dirty="0"/>
+              <a:t>  "@id": "</a:t>
+            </a:r>
+            <a:r>
+              <a:rPr lang="en-US" sz="1700" dirty="0">
+                <a:hlinkClick r:id="rId4"/>
+              </a:rPr>
+              <a:t>http://dbpedia.org/resource/</a:t>
+            </a:r>
+            <a:r>
+              <a:rPr lang="en-US" sz="1700" dirty="0" err="1">
+                <a:hlinkClick r:id="rId4"/>
+              </a:rPr>
+              <a:t>John_Lennon</a:t>
+            </a:r>
+            <a:r>
+              <a:rPr lang="en-US" sz="1700" dirty="0"/>
+              <a:t>", </a:t>
+            </a:r>
+            <a:br>
+              <a:rPr lang="en-US" sz="1700" dirty="0"/>
+            </a:br>
+            <a:r>
+              <a:rPr lang="en-US" sz="1700" dirty="0"/>
+              <a:t>  "name": "John Lennon", "born": "1940-10-09", </a:t>
+            </a:r>
+            <a:br>
+              <a:rPr lang="en-US" sz="1700" dirty="0"/>
+            </a:br>
+            <a:r>
+              <a:rPr lang="en-US" sz="1700" dirty="0"/>
+              <a:t>  "spouse": "</a:t>
+            </a:r>
+            <a:r>
+              <a:rPr lang="en-US" sz="1700" dirty="0">
+                <a:hlinkClick r:id="rId5"/>
+              </a:rPr>
+              <a:t>http://dbpedia.org/resource/</a:t>
+            </a:r>
+            <a:r>
+              <a:rPr lang="en-US" sz="1700" dirty="0" err="1">
+                <a:hlinkClick r:id="rId5"/>
+              </a:rPr>
+              <a:t>Cynthia_Lennon</a:t>
+            </a:r>
+            <a:r>
+              <a:rPr lang="en-US" sz="1700" dirty="0"/>
+              <a:t>" }</a:t>
+            </a:r>
+          </a:p>
+          <a:p>
+            <a:pPr marL="177416" indent="-177416">
+              <a:buFont typeface="Arial" panose="020B0604020202020204" pitchFamily="34" charset="0"/>
+              <a:buChar char="•"/>
+            </a:pPr>
+            <a:r>
+              <a:rPr lang="en-GB" sz="1700" dirty="0"/>
+              <a:t>Above can also be useful for M2M communication. Machines don’t view pages the way we do. So a clear description to find its resources helps a lot.</a:t>
+            </a:r>
+          </a:p>
+          <a:p>
+            <a:pPr marL="177416" indent="-177416">
+              <a:buFont typeface="Arial" panose="020B0604020202020204" pitchFamily="34" charset="0"/>
+              <a:buChar char="•"/>
+            </a:pPr>
+            <a:endParaRPr lang="nl-NL" sz="1700" dirty="0"/>
           </a:p>
         </p:txBody>
       </p:sp>
       <p:sp>
         <p:nvSpPr>
-          <p:cNvPr id="4" name="Slide Number Placeholder 3"/>
+          <p:cNvPr id="4" name="Tijdelijke aanduiding voor dianummer 3"/>
           <p:cNvSpPr>
             <a:spLocks noGrp="1"/>
           </p:cNvSpPr>
@@ -9016,6 +9264,262 @@
                 <a:buSzPct val="25000"/>
               </a:pPr>
               <a:t>52</a:t>
+            </a:fld>
+            <a:endParaRPr lang="en-GB" sz="1200">
+              <a:solidFill>
+                <a:schemeClr val="dk1"/>
+              </a:solidFill>
+              <a:latin typeface="Calibri"/>
+              <a:ea typeface="Calibri"/>
+              <a:cs typeface="Calibri"/>
+              <a:sym typeface="Calibri"/>
+            </a:endParaRPr>
+          </a:p>
+        </p:txBody>
+      </p:sp>
+    </p:spTree>
+    <p:extLst>
+      <p:ext uri="{BB962C8B-B14F-4D97-AF65-F5344CB8AC3E}">
+        <p14:creationId xmlns:p14="http://schemas.microsoft.com/office/powerpoint/2010/main" val="775704478"/>
+      </p:ext>
+    </p:extLst>
+  </p:cSld>
+  <p:clrMapOvr>
+    <a:masterClrMapping/>
+  </p:clrMapOvr>
+</p:notes>
+</file>
+
+<file path=ppt/notesSlides/notesSlide53.xml><?xml version="1.0" encoding="utf-8"?>
+<p:notes xmlns:a="http://schemas.openxmlformats.org/drawingml/2006/main" xmlns:r="http://schemas.openxmlformats.org/officeDocument/2006/relationships" xmlns:p="http://schemas.openxmlformats.org/presentationml/2006/main">
+  <p:cSld>
+    <p:spTree>
+      <p:nvGrpSpPr>
+        <p:cNvPr id="1" name=""/>
+        <p:cNvGrpSpPr/>
+        <p:nvPr/>
+      </p:nvGrpSpPr>
+      <p:grpSpPr>
+        <a:xfrm>
+          <a:off x="0" y="0"/>
+          <a:ext cx="0" cy="0"/>
+          <a:chOff x="0" y="0"/>
+          <a:chExt cx="0" cy="0"/>
+        </a:xfrm>
+      </p:grpSpPr>
+      <p:sp>
+        <p:nvSpPr>
+          <p:cNvPr id="2" name="Slide Image Placeholder 1"/>
+          <p:cNvSpPr>
+            <a:spLocks noGrp="1" noRot="1" noChangeAspect="1"/>
+          </p:cNvSpPr>
+          <p:nvPr>
+            <p:ph type="sldImg"/>
+          </p:nvPr>
+        </p:nvSpPr>
+        <p:spPr>
+          <a:xfrm>
+            <a:off x="992188" y="768350"/>
+            <a:ext cx="5116512" cy="3836988"/>
+          </a:xfrm>
+        </p:spPr>
+      </p:sp>
+      <p:sp>
+        <p:nvSpPr>
+          <p:cNvPr id="3" name="Notes Placeholder 2"/>
+          <p:cNvSpPr>
+            <a:spLocks noGrp="1"/>
+          </p:cNvSpPr>
+          <p:nvPr>
+            <p:ph type="body" idx="1"/>
+          </p:nvPr>
+        </p:nvSpPr>
+        <p:spPr/>
+        <p:txBody>
+          <a:bodyPr/>
+          <a:lstStyle/>
+          <a:p>
+            <a:pPr marL="177416" indent="-177416">
+              <a:buFont typeface="Arial" panose="020B0604020202020204" pitchFamily="34" charset="0"/>
+              <a:buChar char="•"/>
+            </a:pPr>
+            <a:r>
+              <a:rPr lang="en-US" sz="1700" dirty="0"/>
+              <a:t>Also, see https://www.programmableweb.com/news/api-anti-patterns-how-to-avoid-common-rest-mistakes/2010/08/13</a:t>
+            </a:r>
+          </a:p>
+          <a:p>
+            <a:pPr marL="177416" indent="-177416">
+              <a:buFont typeface="Arial" panose="020B0604020202020204" pitchFamily="34" charset="0"/>
+              <a:buChar char="•"/>
+            </a:pPr>
+            <a:r>
+              <a:rPr lang="en-US" sz="1700" dirty="0"/>
+              <a:t>SOAP = Simple Object Access Protocol.</a:t>
+            </a:r>
+          </a:p>
+          <a:p>
+            <a:pPr marL="177416" indent="-177416">
+              <a:buFont typeface="Arial" panose="020B0604020202020204" pitchFamily="34" charset="0"/>
+              <a:buChar char="•"/>
+            </a:pPr>
+            <a:r>
+              <a:rPr lang="en-US" sz="1700" dirty="0"/>
+              <a:t>Only allow construction of query strings – so in the request line of the http header, not in the content section.</a:t>
+            </a:r>
+          </a:p>
+          <a:p>
+            <a:endParaRPr lang="nl-NL" sz="1700" dirty="0"/>
+          </a:p>
+        </p:txBody>
+      </p:sp>
+      <p:sp>
+        <p:nvSpPr>
+          <p:cNvPr id="4" name="Slide Number Placeholder 3"/>
+          <p:cNvSpPr>
+            <a:spLocks noGrp="1"/>
+          </p:cNvSpPr>
+          <p:nvPr>
+            <p:ph type="sldNum" idx="10"/>
+          </p:nvPr>
+        </p:nvSpPr>
+        <p:spPr/>
+        <p:txBody>
+          <a:bodyPr/>
+          <a:lstStyle/>
+          <a:p>
+            <a:pPr algn="r">
+              <a:buSzPct val="25000"/>
+            </a:pPr>
+            <a:fld id="{00000000-1234-1234-1234-123412341234}" type="slidenum">
+              <a:rPr lang="en-GB" sz="1200">
+                <a:solidFill>
+                  <a:schemeClr val="dk1"/>
+                </a:solidFill>
+                <a:latin typeface="Calibri"/>
+                <a:ea typeface="Calibri"/>
+                <a:cs typeface="Calibri"/>
+                <a:sym typeface="Calibri"/>
+              </a:rPr>
+              <a:pPr algn="r">
+                <a:buSzPct val="25000"/>
+              </a:pPr>
+              <a:t>53</a:t>
+            </a:fld>
+            <a:endParaRPr lang="en-GB" sz="1200">
+              <a:solidFill>
+                <a:schemeClr val="dk1"/>
+              </a:solidFill>
+              <a:latin typeface="Calibri"/>
+              <a:ea typeface="Calibri"/>
+              <a:cs typeface="Calibri"/>
+              <a:sym typeface="Calibri"/>
+            </a:endParaRPr>
+          </a:p>
+        </p:txBody>
+      </p:sp>
+    </p:spTree>
+    <p:extLst>
+      <p:ext uri="{BB962C8B-B14F-4D97-AF65-F5344CB8AC3E}">
+        <p14:creationId xmlns:p14="http://schemas.microsoft.com/office/powerpoint/2010/main" val="2291682896"/>
+      </p:ext>
+    </p:extLst>
+  </p:cSld>
+  <p:clrMapOvr>
+    <a:masterClrMapping/>
+  </p:clrMapOvr>
+</p:notes>
+</file>
+
+<file path=ppt/notesSlides/notesSlide54.xml><?xml version="1.0" encoding="utf-8"?>
+<p:notes xmlns:a="http://schemas.openxmlformats.org/drawingml/2006/main" xmlns:r="http://schemas.openxmlformats.org/officeDocument/2006/relationships" xmlns:p="http://schemas.openxmlformats.org/presentationml/2006/main">
+  <p:cSld>
+    <p:spTree>
+      <p:nvGrpSpPr>
+        <p:cNvPr id="1" name=""/>
+        <p:cNvGrpSpPr/>
+        <p:nvPr/>
+      </p:nvGrpSpPr>
+      <p:grpSpPr>
+        <a:xfrm>
+          <a:off x="0" y="0"/>
+          <a:ext cx="0" cy="0"/>
+          <a:chOff x="0" y="0"/>
+          <a:chExt cx="0" cy="0"/>
+        </a:xfrm>
+      </p:grpSpPr>
+      <p:sp>
+        <p:nvSpPr>
+          <p:cNvPr id="2" name="Slide Image Placeholder 1"/>
+          <p:cNvSpPr>
+            <a:spLocks noGrp="1" noRot="1" noChangeAspect="1"/>
+          </p:cNvSpPr>
+          <p:nvPr>
+            <p:ph type="sldImg"/>
+          </p:nvPr>
+        </p:nvSpPr>
+        <p:spPr>
+          <a:xfrm>
+            <a:off x="992188" y="768350"/>
+            <a:ext cx="5116512" cy="3836988"/>
+          </a:xfrm>
+        </p:spPr>
+      </p:sp>
+      <p:sp>
+        <p:nvSpPr>
+          <p:cNvPr id="3" name="Notes Placeholder 2"/>
+          <p:cNvSpPr>
+            <a:spLocks noGrp="1"/>
+          </p:cNvSpPr>
+          <p:nvPr>
+            <p:ph type="body" idx="1"/>
+          </p:nvPr>
+        </p:nvSpPr>
+        <p:spPr/>
+        <p:txBody>
+          <a:bodyPr/>
+          <a:lstStyle/>
+          <a:p>
+            <a:r>
+              <a:rPr lang="en-GB" dirty="0"/>
+              <a:t> </a:t>
+            </a:r>
+            <a:endParaRPr lang="nl-NL" dirty="0"/>
+          </a:p>
+        </p:txBody>
+      </p:sp>
+      <p:sp>
+        <p:nvSpPr>
+          <p:cNvPr id="4" name="Slide Number Placeholder 3"/>
+          <p:cNvSpPr>
+            <a:spLocks noGrp="1"/>
+          </p:cNvSpPr>
+          <p:nvPr>
+            <p:ph type="sldNum" idx="10"/>
+          </p:nvPr>
+        </p:nvSpPr>
+        <p:spPr/>
+        <p:txBody>
+          <a:bodyPr/>
+          <a:lstStyle/>
+          <a:p>
+            <a:pPr algn="r">
+              <a:buSzPct val="25000"/>
+            </a:pPr>
+            <a:fld id="{00000000-1234-1234-1234-123412341234}" type="slidenum">
+              <a:rPr lang="en-GB" sz="1200">
+                <a:solidFill>
+                  <a:schemeClr val="dk1"/>
+                </a:solidFill>
+                <a:latin typeface="Calibri"/>
+                <a:ea typeface="Calibri"/>
+                <a:cs typeface="Calibri"/>
+                <a:sym typeface="Calibri"/>
+              </a:rPr>
+              <a:pPr algn="r">
+                <a:buSzPct val="25000"/>
+              </a:pPr>
+              <a:t>54</a:t>
             </a:fld>
             <a:endParaRPr lang="en-GB" sz="1200">
               <a:solidFill>
@@ -9123,6 +9627,87 @@
               <a:buFontTx/>
               <a:buChar char="-"/>
             </a:pPr>
+            <a:r>
+              <a:rPr lang="en-US" i="1" dirty="0"/>
+              <a:t>In network protocols </a:t>
+            </a:r>
+            <a:r>
+              <a:rPr lang="en-US" b="1" i="0" u="none" strike="noStrike" dirty="0">
+                <a:solidFill>
+                  <a:srgbClr val="000000"/>
+                </a:solidFill>
+                <a:effectLst/>
+              </a:rPr>
+              <a:t>syntax, semantics, synchronization, and error recovery</a:t>
+            </a:r>
+            <a:r>
+              <a:rPr lang="en-US" b="0" i="0" u="none" strike="noStrike" dirty="0">
+                <a:solidFill>
+                  <a:srgbClr val="000000"/>
+                </a:solidFill>
+                <a:effectLst/>
+                <a:latin typeface="-webkit-standard"/>
+              </a:rPr>
+              <a:t>—define how data is structured, interpreted, and transmitted between systems.</a:t>
+            </a:r>
+          </a:p>
+          <a:p>
+            <a:pPr marL="177416" indent="-177416">
+              <a:buFontTx/>
+              <a:buChar char="-"/>
+            </a:pPr>
+            <a:r>
+              <a:rPr lang="en-US" b="0" i="0" u="none" strike="noStrike" dirty="0">
+                <a:solidFill>
+                  <a:srgbClr val="000000"/>
+                </a:solidFill>
+                <a:effectLst/>
+                <a:latin typeface="-webkit-standard"/>
+              </a:rPr>
+              <a:t>Syntax defines the structure and format of messages with elements like data encoding, headers footers and delimiters</a:t>
+            </a:r>
+          </a:p>
+          <a:p>
+            <a:pPr marL="177416" indent="-177416">
+              <a:buFontTx/>
+              <a:buChar char="-"/>
+            </a:pPr>
+            <a:r>
+              <a:rPr lang="en-US" b="0" i="0" u="none" strike="noStrike" dirty="0">
+                <a:solidFill>
+                  <a:srgbClr val="000000"/>
+                </a:solidFill>
+                <a:effectLst/>
+                <a:latin typeface="-webkit-standard"/>
+              </a:rPr>
+              <a:t>Semantics specifies the meaning of each message or data field ensuring the sender and receiver interpret data correctly</a:t>
+            </a:r>
+          </a:p>
+          <a:p>
+            <a:pPr marL="177416" indent="-177416">
+              <a:buFontTx/>
+              <a:buChar char="-"/>
+            </a:pPr>
+            <a:r>
+              <a:rPr lang="en-US" i="0" dirty="0"/>
+              <a:t>Synchronization defines timing and coordination between sender and receiver ensuring data is transmitted and processed in the correct order (e.g. sequence numbers in TCP)</a:t>
+            </a:r>
+          </a:p>
+          <a:p>
+            <a:pPr marL="177416" indent="-177416">
+              <a:buFontTx/>
+              <a:buChar char="-"/>
+            </a:pPr>
+            <a:r>
+              <a:rPr lang="en-US" i="0" dirty="0"/>
+              <a:t>Error recovery defines mechanisms to detect and correct errors during communication (e.g. checksum)</a:t>
+            </a:r>
+          </a:p>
+          <a:p>
+            <a:pPr marL="177416" indent="-177416">
+              <a:buFontTx/>
+              <a:buChar char="-"/>
+            </a:pPr>
             <a:endParaRPr lang="nl-NL" dirty="0"/>
           </a:p>
         </p:txBody>
@@ -9274,15 +9859,7 @@
             </a:br>
             <a:r>
               <a:rPr lang="en-US" dirty="0"/>
-              <a:t>What are its symbols, </a:t>
-            </a:r>
-            <a:r>
-              <a:rPr lang="en-US" dirty="0" err="1"/>
-              <a:t>symantics</a:t>
-            </a:r>
-            <a:r>
-              <a:rPr lang="en-US" dirty="0"/>
-              <a:t>, synchronization and error correction?</a:t>
+              <a:t>What are its symbols, semantics, synchronization and error correction?</a:t>
             </a:r>
           </a:p>
           <a:p>
@@ -9419,6 +9996,21 @@
               <a:rPr lang="en-US" dirty="0"/>
               <a:t>A computer language encompasses all of that: it is a communication protocol as well.</a:t>
             </a:r>
+          </a:p>
+          <a:p>
+            <a:pPr defTabSz="946221">
+              <a:defRPr/>
+            </a:pPr>
+            <a:endParaRPr lang="en-US" dirty="0"/>
+          </a:p>
+          <a:p>
+            <a:pPr defTabSz="946221">
+              <a:defRPr/>
+            </a:pPr>
+            <a:r>
+              <a:rPr lang="en-US" dirty="0"/>
+              <a:t>They share similarities but are different. A computer language is used for programming and defining instructions for a machine while a protocol defines rules for communication between systems.</a:t>
+            </a:r>
             <a:endParaRPr lang="nl-NL" dirty="0"/>
           </a:p>
           <a:p>
@@ -9554,6 +10146,89 @@
             <a:r>
               <a:rPr lang="en-GB" dirty="0"/>
               <a:t>Semantics – What does it mean?</a:t>
+            </a:r>
+          </a:p>
+          <a:p>
+            <a:pPr marL="177416" indent="-177416">
+              <a:buFontTx/>
+              <a:buChar char="-"/>
+            </a:pPr>
+            <a:endParaRPr lang="en-GB" b="0" i="0" u="none" strike="noStrike" dirty="0">
+              <a:solidFill>
+                <a:schemeClr val="tx1"/>
+              </a:solidFill>
+              <a:effectLst/>
+              <a:latin typeface="+mn-lt"/>
+            </a:endParaRPr>
+          </a:p>
+          <a:p>
+            <a:pPr marL="177416" indent="-177416">
+              <a:buFontTx/>
+              <a:buChar char="-"/>
+            </a:pPr>
+            <a:r>
+              <a:rPr lang="en-US" b="0" i="0" u="none" strike="noStrike" dirty="0">
+                <a:solidFill>
+                  <a:srgbClr val="000000"/>
+                </a:solidFill>
+                <a:effectLst/>
+                <a:latin typeface="-webkit-standard"/>
+              </a:rPr>
+              <a:t>TCP messages (segments) ensure </a:t>
+            </a:r>
+            <a:r>
+              <a:rPr lang="en-US" b="1" i="0" u="none" strike="noStrike" dirty="0">
+                <a:solidFill>
+                  <a:srgbClr val="000000"/>
+                </a:solidFill>
+                <a:effectLst/>
+              </a:rPr>
+              <a:t>reliable, ordered, and error-checked</a:t>
+            </a:r>
+            <a:r>
+              <a:rPr lang="en-US" b="0" i="0" u="none" strike="noStrike" dirty="0">
+                <a:solidFill>
+                  <a:srgbClr val="000000"/>
+                </a:solidFill>
+                <a:effectLst/>
+                <a:latin typeface="-webkit-standard"/>
+              </a:rPr>
+              <a:t> communication.</a:t>
+            </a:r>
+          </a:p>
+          <a:p>
+            <a:pPr marL="177416" indent="-177416">
+              <a:buFontTx/>
+              <a:buChar char="-"/>
+            </a:pPr>
+            <a:r>
+              <a:rPr lang="en-US" b="0" i="0" u="none" strike="noStrike" dirty="0">
+                <a:solidFill>
+                  <a:srgbClr val="000000"/>
+                </a:solidFill>
+                <a:effectLst/>
+                <a:latin typeface="-webkit-standard"/>
+              </a:rPr>
+              <a:t>UDP messages (datagrams) are </a:t>
+            </a:r>
+            <a:r>
+              <a:rPr lang="en-US" b="1" i="0" u="none" strike="noStrike" dirty="0">
+                <a:solidFill>
+                  <a:srgbClr val="000000"/>
+                </a:solidFill>
+                <a:effectLst/>
+              </a:rPr>
+              <a:t>simpler and faster</a:t>
+            </a:r>
+            <a:r>
+              <a:rPr lang="en-US" b="0" i="0" u="none" strike="noStrike" dirty="0">
+                <a:solidFill>
+                  <a:srgbClr val="000000"/>
+                </a:solidFill>
+                <a:effectLst/>
+                <a:latin typeface="-webkit-standard"/>
+              </a:rPr>
+              <a:t> but do not guarantee delivery or order.</a:t>
             </a:r>
             <a:endParaRPr lang="nl-NL" dirty="0"/>
           </a:p>
@@ -18456,12 +19131,8 @@
           <a:lstStyle/>
           <a:p>
             <a:r>
-              <a:rPr lang="en-US" sz="3000" b="1" dirty="0" err="1"/>
-              <a:t>Thematiek</a:t>
-            </a:r>
-            <a:r>
               <a:rPr lang="en-US" sz="3000" b="1" dirty="0"/>
-              <a:t> Devices</a:t>
+              <a:t>TI Semester 3 Thematic Devices</a:t>
             </a:r>
           </a:p>
           <a:p>
@@ -26224,14 +26895,9 @@
           <a:lstStyle/>
           <a:p>
             <a:r>
-              <a:rPr lang="en-US" sz="3000" b="1" dirty="0" err="1"/>
-              <a:t>Thematiek</a:t>
-            </a:r>
-            <a:r>
-              <a:rPr lang="en-US" sz="3000" b="1"/>
-              <a:t> Devices</a:t>
-            </a:r>
-            <a:endParaRPr lang="en-US" sz="3000" b="1" dirty="0"/>
+              <a:rPr lang="en-US" sz="3000" b="1" dirty="0"/>
+              <a:t>Thematic Devices</a:t>
+            </a:r>
           </a:p>
           <a:p>
             <a:r>
@@ -28799,7 +29465,7 @@
 </file>
 
 <file path=ppt/slides/slide24.xml><?xml version="1.0" encoding="utf-8"?>
-<p:sld xmlns:a="http://schemas.openxmlformats.org/drawingml/2006/main" xmlns:r="http://schemas.openxmlformats.org/officeDocument/2006/relationships" xmlns:p="http://schemas.openxmlformats.org/presentationml/2006/main">
+<p:sld xmlns:a="http://schemas.openxmlformats.org/drawingml/2006/main" xmlns:r="http://schemas.openxmlformats.org/officeDocument/2006/relationships" xmlns:p="http://schemas.openxmlformats.org/presentationml/2006/main" show="0">
   <p:cSld>
     <p:spTree>
       <p:nvGrpSpPr>
@@ -31178,7 +31844,7 @@
 </file>
 
 <file path=ppt/slides/slide25.xml><?xml version="1.0" encoding="utf-8"?>
-<p:sld xmlns:a="http://schemas.openxmlformats.org/drawingml/2006/main" xmlns:r="http://schemas.openxmlformats.org/officeDocument/2006/relationships" xmlns:p="http://schemas.openxmlformats.org/presentationml/2006/main">
+<p:sld xmlns:a="http://schemas.openxmlformats.org/drawingml/2006/main" xmlns:r="http://schemas.openxmlformats.org/officeDocument/2006/relationships" xmlns:p="http://schemas.openxmlformats.org/presentationml/2006/main" show="0">
   <p:cSld>
     <p:spTree>
       <p:nvGrpSpPr>
@@ -33915,6 +34581,708 @@
   <p:cSld>
     <p:spTree>
       <p:nvGrpSpPr>
+        <p:cNvPr id="1" name="">
+          <a:extLst>
+            <a:ext uri="{FF2B5EF4-FFF2-40B4-BE49-F238E27FC236}">
+              <a16:creationId xmlns:a16="http://schemas.microsoft.com/office/drawing/2014/main" id="{E752F295-513A-BD13-6745-94DBCD6A40B5}"/>
+            </a:ext>
+          </a:extLst>
+        </p:cNvPr>
+        <p:cNvGrpSpPr/>
+        <p:nvPr/>
+      </p:nvGrpSpPr>
+      <p:grpSpPr>
+        <a:xfrm>
+          <a:off x="0" y="0"/>
+          <a:ext cx="0" cy="0"/>
+          <a:chOff x="0" y="0"/>
+          <a:chExt cx="0" cy="0"/>
+        </a:xfrm>
+      </p:grpSpPr>
+      <p:sp>
+        <p:nvSpPr>
+          <p:cNvPr id="22" name="Rectangle 2">
+            <a:extLst>
+              <a:ext uri="{FF2B5EF4-FFF2-40B4-BE49-F238E27FC236}">
+                <a16:creationId xmlns:a16="http://schemas.microsoft.com/office/drawing/2014/main" id="{1D1587E0-56B2-54A2-7781-F9D9325E6B7D}"/>
+              </a:ext>
+            </a:extLst>
+          </p:cNvPr>
+          <p:cNvSpPr>
+            <a:spLocks noGrp="1" noChangeArrowheads="1"/>
+          </p:cNvSpPr>
+          <p:nvPr>
+            <p:ph type="title"/>
+          </p:nvPr>
+        </p:nvSpPr>
+        <p:spPr>
+          <a:xfrm>
+            <a:off x="141889" y="399393"/>
+            <a:ext cx="8229600" cy="467844"/>
+          </a:xfrm>
+        </p:spPr>
+        <p:txBody>
+          <a:bodyPr/>
+          <a:lstStyle/>
+          <a:p>
+            <a:pPr algn="l" eaLnBrk="1" hangingPunct="1">
+              <a:lnSpc>
+                <a:spcPct val="100000"/>
+              </a:lnSpc>
+            </a:pPr>
+            <a:r>
+              <a:rPr lang="nl-NL" altLang="nl-NL" sz="3000" b="1" dirty="0"/>
+              <a:t>REST</a:t>
+            </a:r>
+          </a:p>
+        </p:txBody>
+      </p:sp>
+      <p:sp>
+        <p:nvSpPr>
+          <p:cNvPr id="17" name="Tijdelijke aanduiding voor inhoud 16">
+            <a:extLst>
+              <a:ext uri="{FF2B5EF4-FFF2-40B4-BE49-F238E27FC236}">
+                <a16:creationId xmlns:a16="http://schemas.microsoft.com/office/drawing/2014/main" id="{158708BB-C8EB-9F35-DFAC-B1DDF174C5BE}"/>
+              </a:ext>
+            </a:extLst>
+          </p:cNvPr>
+          <p:cNvSpPr>
+            <a:spLocks noGrp="1"/>
+          </p:cNvSpPr>
+          <p:nvPr>
+            <p:ph idx="1"/>
+          </p:nvPr>
+        </p:nvSpPr>
+        <p:spPr>
+          <a:xfrm>
+            <a:off x="176047" y="1347952"/>
+            <a:ext cx="8759406" cy="5373690"/>
+          </a:xfrm>
+        </p:spPr>
+        <p:txBody>
+          <a:bodyPr/>
+          <a:lstStyle/>
+          <a:p>
+            <a:pPr lvl="1"/>
+            <a:r>
+              <a:rPr lang="nl-NL" sz="2000" dirty="0" err="1"/>
+              <a:t>Key</a:t>
+            </a:r>
+            <a:r>
+              <a:rPr lang="nl-NL" sz="2000" dirty="0"/>
+              <a:t> </a:t>
+            </a:r>
+            <a:r>
+              <a:rPr lang="nl-NL" sz="2000" dirty="0" err="1"/>
+              <a:t>principles</a:t>
+            </a:r>
+            <a:r>
+              <a:rPr lang="nl-NL" sz="2000" dirty="0"/>
+              <a:t> of REST</a:t>
+            </a:r>
+          </a:p>
+          <a:p>
+            <a:pPr lvl="1"/>
+            <a:endParaRPr lang="nl-NL" sz="2000" dirty="0"/>
+          </a:p>
+          <a:p>
+            <a:pPr lvl="1"/>
+            <a:r>
+              <a:rPr lang="nl-NL" sz="2000" dirty="0"/>
+              <a:t>1. Client-Server Architecture. The client (browser) </a:t>
+            </a:r>
+            <a:r>
+              <a:rPr lang="nl-NL" sz="2000" dirty="0" err="1"/>
+              <a:t>and</a:t>
+            </a:r>
+            <a:r>
+              <a:rPr lang="nl-NL" sz="2000" dirty="0"/>
+              <a:t> server (API) are separate. The client </a:t>
+            </a:r>
+            <a:r>
+              <a:rPr lang="nl-NL" sz="2000" dirty="0" err="1"/>
+              <a:t>asks</a:t>
+            </a:r>
+            <a:r>
+              <a:rPr lang="nl-NL" sz="2000" dirty="0"/>
+              <a:t> </a:t>
+            </a:r>
+            <a:r>
+              <a:rPr lang="nl-NL" sz="2000" dirty="0" err="1"/>
+              <a:t>the</a:t>
+            </a:r>
+            <a:r>
+              <a:rPr lang="nl-NL" sz="2000" dirty="0"/>
+              <a:t> server </a:t>
+            </a:r>
+            <a:r>
+              <a:rPr lang="nl-NL" sz="2000" dirty="0" err="1"/>
+              <a:t>processes</a:t>
+            </a:r>
+            <a:r>
+              <a:rPr lang="nl-NL" sz="2000" dirty="0"/>
+              <a:t> </a:t>
+            </a:r>
+            <a:r>
+              <a:rPr lang="nl-NL" sz="2000" dirty="0" err="1"/>
+              <a:t>and</a:t>
+            </a:r>
+            <a:r>
+              <a:rPr lang="nl-NL" sz="2000" dirty="0"/>
+              <a:t> response.</a:t>
+            </a:r>
+          </a:p>
+          <a:p>
+            <a:pPr lvl="1"/>
+            <a:r>
+              <a:rPr lang="nl-NL" sz="2000" dirty="0"/>
+              <a:t>2.  </a:t>
+            </a:r>
+            <a:r>
+              <a:rPr lang="nl-NL" sz="2000" dirty="0" err="1"/>
+              <a:t>Stateless</a:t>
+            </a:r>
+            <a:r>
+              <a:rPr lang="nl-NL" sz="2000" dirty="0"/>
+              <a:t> Communication. </a:t>
+            </a:r>
+            <a:r>
+              <a:rPr lang="nl-NL" sz="2000" dirty="0" err="1"/>
+              <a:t>Each</a:t>
+            </a:r>
+            <a:r>
+              <a:rPr lang="nl-NL" sz="2000" dirty="0"/>
+              <a:t> </a:t>
+            </a:r>
+            <a:r>
+              <a:rPr lang="nl-NL" sz="2000" dirty="0" err="1"/>
+              <a:t>request</a:t>
+            </a:r>
+            <a:r>
+              <a:rPr lang="nl-NL" sz="2000" dirty="0"/>
+              <a:t> is independent. The server does </a:t>
+            </a:r>
+            <a:r>
+              <a:rPr lang="nl-NL" sz="2000" dirty="0" err="1"/>
+              <a:t>not</a:t>
+            </a:r>
+            <a:r>
+              <a:rPr lang="nl-NL" sz="2000" dirty="0"/>
+              <a:t> store client </a:t>
+            </a:r>
+            <a:r>
+              <a:rPr lang="nl-NL" sz="2000" dirty="0" err="1"/>
+              <a:t>session</a:t>
+            </a:r>
+            <a:r>
+              <a:rPr lang="nl-NL" sz="2000" dirty="0"/>
+              <a:t> data.</a:t>
+            </a:r>
+          </a:p>
+          <a:p>
+            <a:pPr lvl="1"/>
+            <a:r>
+              <a:rPr lang="nl-NL" sz="2000" dirty="0"/>
+              <a:t>3. </a:t>
+            </a:r>
+            <a:r>
+              <a:rPr lang="nl-NL" sz="2000" dirty="0" err="1"/>
+              <a:t>Cacheability</a:t>
+            </a:r>
+            <a:r>
+              <a:rPr lang="nl-NL" sz="2000" dirty="0"/>
+              <a:t>. Responses </a:t>
+            </a:r>
+            <a:r>
+              <a:rPr lang="nl-NL" sz="2000" dirty="0" err="1"/>
+              <a:t>can</a:t>
+            </a:r>
+            <a:r>
+              <a:rPr lang="nl-NL" sz="2000" dirty="0"/>
+              <a:t> </a:t>
+            </a:r>
+            <a:r>
+              <a:rPr lang="nl-NL" sz="2000" dirty="0" err="1"/>
+              <a:t>be</a:t>
+            </a:r>
+            <a:r>
+              <a:rPr lang="nl-NL" sz="2000" dirty="0"/>
+              <a:t> </a:t>
+            </a:r>
+            <a:r>
+              <a:rPr lang="nl-NL" sz="2000" dirty="0" err="1"/>
+              <a:t>cached</a:t>
+            </a:r>
+            <a:r>
+              <a:rPr lang="nl-NL" sz="2000" dirty="0"/>
+              <a:t> </a:t>
+            </a:r>
+            <a:r>
+              <a:rPr lang="nl-NL" sz="2000" dirty="0" err="1"/>
+              <a:t>to</a:t>
+            </a:r>
+            <a:r>
+              <a:rPr lang="nl-NL" sz="2000" dirty="0"/>
+              <a:t> </a:t>
+            </a:r>
+            <a:r>
+              <a:rPr lang="nl-NL" sz="2000" dirty="0" err="1"/>
+              <a:t>improve</a:t>
+            </a:r>
+            <a:r>
+              <a:rPr lang="nl-NL" sz="2000" dirty="0"/>
+              <a:t> </a:t>
+            </a:r>
+            <a:r>
+              <a:rPr lang="nl-NL" sz="2000" dirty="0" err="1"/>
+              <a:t>performence</a:t>
+            </a:r>
+            <a:r>
+              <a:rPr lang="nl-NL" sz="2000" dirty="0"/>
+              <a:t>.</a:t>
+            </a:r>
+          </a:p>
+          <a:p>
+            <a:pPr lvl="1"/>
+            <a:r>
+              <a:rPr lang="nl-NL" sz="2000" dirty="0"/>
+              <a:t>4. Uniform Interface</a:t>
+            </a:r>
+          </a:p>
+          <a:p>
+            <a:pPr lvl="2"/>
+            <a:r>
+              <a:rPr lang="nl-NL" sz="2000" dirty="0"/>
+              <a:t>GET &gt; </a:t>
+            </a:r>
+            <a:r>
+              <a:rPr lang="nl-NL" sz="2000" dirty="0" err="1"/>
+              <a:t>Retreive</a:t>
+            </a:r>
+            <a:r>
+              <a:rPr lang="nl-NL" sz="2000" dirty="0"/>
+              <a:t> data</a:t>
+            </a:r>
+          </a:p>
+          <a:p>
+            <a:pPr lvl="2"/>
+            <a:r>
+              <a:rPr lang="nl-NL" sz="2000" dirty="0"/>
+              <a:t>POST &gt; </a:t>
+            </a:r>
+            <a:r>
+              <a:rPr lang="nl-NL" sz="2000" dirty="0" err="1"/>
+              <a:t>Create</a:t>
+            </a:r>
+            <a:r>
+              <a:rPr lang="nl-NL" sz="2000" dirty="0"/>
+              <a:t> new data</a:t>
+            </a:r>
+          </a:p>
+          <a:p>
+            <a:pPr lvl="2"/>
+            <a:r>
+              <a:rPr lang="nl-NL" sz="2000" dirty="0"/>
+              <a:t>PUT &gt; Update </a:t>
+            </a:r>
+            <a:r>
+              <a:rPr lang="nl-NL" sz="2000" dirty="0" err="1"/>
+              <a:t>existing</a:t>
+            </a:r>
+            <a:r>
+              <a:rPr lang="nl-NL" sz="2000" dirty="0"/>
+              <a:t> data</a:t>
+            </a:r>
+          </a:p>
+          <a:p>
+            <a:pPr lvl="2"/>
+            <a:r>
+              <a:rPr lang="nl-NL" sz="2000" dirty="0"/>
+              <a:t>DELETE &gt; </a:t>
+            </a:r>
+            <a:r>
+              <a:rPr lang="nl-NL" sz="2000" dirty="0" err="1"/>
+              <a:t>Remove</a:t>
+            </a:r>
+            <a:r>
+              <a:rPr lang="nl-NL" sz="2000" dirty="0"/>
+              <a:t> data </a:t>
+            </a:r>
+          </a:p>
+        </p:txBody>
+      </p:sp>
+    </p:spTree>
+    <p:extLst>
+      <p:ext uri="{BB962C8B-B14F-4D97-AF65-F5344CB8AC3E}">
+        <p14:creationId xmlns:p14="http://schemas.microsoft.com/office/powerpoint/2010/main" val="3419015099"/>
+      </p:ext>
+    </p:extLst>
+  </p:cSld>
+  <p:clrMapOvr>
+    <a:masterClrMapping/>
+  </p:clrMapOvr>
+</p:sld>
+</file>
+
+<file path=ppt/slides/slide29.xml><?xml version="1.0" encoding="utf-8"?>
+<p:sld xmlns:a="http://schemas.openxmlformats.org/drawingml/2006/main" xmlns:r="http://schemas.openxmlformats.org/officeDocument/2006/relationships" xmlns:p="http://schemas.openxmlformats.org/presentationml/2006/main">
+  <p:cSld>
+    <p:spTree>
+      <p:nvGrpSpPr>
+        <p:cNvPr id="1" name="">
+          <a:extLst>
+            <a:ext uri="{FF2B5EF4-FFF2-40B4-BE49-F238E27FC236}">
+              <a16:creationId xmlns:a16="http://schemas.microsoft.com/office/drawing/2014/main" id="{A32DFB14-9361-63F5-A08A-EE48CF12E014}"/>
+            </a:ext>
+          </a:extLst>
+        </p:cNvPr>
+        <p:cNvGrpSpPr/>
+        <p:nvPr/>
+      </p:nvGrpSpPr>
+      <p:grpSpPr>
+        <a:xfrm>
+          <a:off x="0" y="0"/>
+          <a:ext cx="0" cy="0"/>
+          <a:chOff x="0" y="0"/>
+          <a:chExt cx="0" cy="0"/>
+        </a:xfrm>
+      </p:grpSpPr>
+      <p:sp>
+        <p:nvSpPr>
+          <p:cNvPr id="22" name="Rectangle 2">
+            <a:extLst>
+              <a:ext uri="{FF2B5EF4-FFF2-40B4-BE49-F238E27FC236}">
+                <a16:creationId xmlns:a16="http://schemas.microsoft.com/office/drawing/2014/main" id="{10A6F6BD-837B-7CBA-E89B-25DBDE103D31}"/>
+              </a:ext>
+            </a:extLst>
+          </p:cNvPr>
+          <p:cNvSpPr>
+            <a:spLocks noGrp="1" noChangeArrowheads="1"/>
+          </p:cNvSpPr>
+          <p:nvPr>
+            <p:ph type="title"/>
+          </p:nvPr>
+        </p:nvSpPr>
+        <p:spPr>
+          <a:xfrm>
+            <a:off x="141889" y="399393"/>
+            <a:ext cx="8229600" cy="467844"/>
+          </a:xfrm>
+        </p:spPr>
+        <p:txBody>
+          <a:bodyPr/>
+          <a:lstStyle/>
+          <a:p>
+            <a:pPr algn="l" eaLnBrk="1" hangingPunct="1">
+              <a:lnSpc>
+                <a:spcPct val="100000"/>
+              </a:lnSpc>
+            </a:pPr>
+            <a:r>
+              <a:rPr lang="nl-NL" altLang="nl-NL" sz="3000" b="1" dirty="0"/>
+              <a:t>REST</a:t>
+            </a:r>
+          </a:p>
+        </p:txBody>
+      </p:sp>
+      <p:sp>
+        <p:nvSpPr>
+          <p:cNvPr id="17" name="Tijdelijke aanduiding voor inhoud 16">
+            <a:extLst>
+              <a:ext uri="{FF2B5EF4-FFF2-40B4-BE49-F238E27FC236}">
+                <a16:creationId xmlns:a16="http://schemas.microsoft.com/office/drawing/2014/main" id="{B9AF0838-F225-FC67-6E1C-1D3DE51048AE}"/>
+              </a:ext>
+            </a:extLst>
+          </p:cNvPr>
+          <p:cNvSpPr>
+            <a:spLocks noGrp="1"/>
+          </p:cNvSpPr>
+          <p:nvPr>
+            <p:ph idx="1"/>
+          </p:nvPr>
+        </p:nvSpPr>
+        <p:spPr>
+          <a:xfrm>
+            <a:off x="176047" y="1347952"/>
+            <a:ext cx="8759406" cy="5373690"/>
+          </a:xfrm>
+        </p:spPr>
+        <p:txBody>
+          <a:bodyPr/>
+          <a:lstStyle/>
+          <a:p>
+            <a:pPr lvl="1"/>
+            <a:r>
+              <a:rPr lang="nl-NL" sz="2000" dirty="0" err="1"/>
+              <a:t>Key</a:t>
+            </a:r>
+            <a:r>
+              <a:rPr lang="nl-NL" sz="2000" dirty="0"/>
+              <a:t> </a:t>
+            </a:r>
+            <a:r>
+              <a:rPr lang="nl-NL" sz="2000" dirty="0" err="1"/>
+              <a:t>principles</a:t>
+            </a:r>
+            <a:r>
+              <a:rPr lang="nl-NL" sz="2000" dirty="0"/>
+              <a:t> of REST</a:t>
+            </a:r>
+          </a:p>
+          <a:p>
+            <a:pPr lvl="1"/>
+            <a:endParaRPr lang="nl-NL" sz="2000" dirty="0"/>
+          </a:p>
+          <a:p>
+            <a:pPr lvl="1"/>
+            <a:r>
+              <a:rPr lang="nl-NL" sz="2000" dirty="0"/>
+              <a:t>5. </a:t>
+            </a:r>
+            <a:r>
+              <a:rPr lang="nl-NL" sz="2000" dirty="0" err="1"/>
+              <a:t>Layerd</a:t>
+            </a:r>
+            <a:r>
+              <a:rPr lang="nl-NL" sz="2000" dirty="0"/>
+              <a:t> System. Client does </a:t>
+            </a:r>
+            <a:r>
+              <a:rPr lang="nl-NL" sz="2000" dirty="0" err="1"/>
+              <a:t>not</a:t>
+            </a:r>
+            <a:r>
+              <a:rPr lang="nl-NL" sz="2000" dirty="0"/>
+              <a:t> </a:t>
+            </a:r>
+            <a:r>
+              <a:rPr lang="nl-NL" sz="2000" dirty="0" err="1"/>
+              <a:t>need</a:t>
+            </a:r>
+            <a:r>
+              <a:rPr lang="nl-NL" sz="2000" dirty="0"/>
+              <a:t> </a:t>
+            </a:r>
+            <a:r>
+              <a:rPr lang="nl-NL" sz="2000" dirty="0" err="1"/>
+              <a:t>to</a:t>
+            </a:r>
+            <a:r>
+              <a:rPr lang="nl-NL" sz="2000" dirty="0"/>
+              <a:t> </a:t>
+            </a:r>
+            <a:r>
+              <a:rPr lang="nl-NL" sz="2000" dirty="0" err="1"/>
+              <a:t>know</a:t>
+            </a:r>
+            <a:r>
+              <a:rPr lang="nl-NL" sz="2000" dirty="0"/>
+              <a:t> </a:t>
+            </a:r>
+            <a:r>
+              <a:rPr lang="nl-NL" sz="2000" dirty="0" err="1"/>
+              <a:t>if</a:t>
+            </a:r>
+            <a:r>
+              <a:rPr lang="nl-NL" sz="2000" dirty="0"/>
+              <a:t> </a:t>
+            </a:r>
+            <a:r>
+              <a:rPr lang="nl-NL" sz="2000" dirty="0" err="1"/>
+              <a:t>it</a:t>
+            </a:r>
+            <a:r>
+              <a:rPr lang="nl-NL" sz="2000" dirty="0"/>
+              <a:t> is </a:t>
+            </a:r>
+            <a:r>
+              <a:rPr lang="nl-NL" sz="2000" dirty="0" err="1"/>
+              <a:t>communicating</a:t>
+            </a:r>
+            <a:r>
+              <a:rPr lang="nl-NL" sz="2000" dirty="0"/>
+              <a:t> </a:t>
+            </a:r>
+            <a:r>
+              <a:rPr lang="nl-NL" sz="2000" dirty="0" err="1"/>
+              <a:t>directly</a:t>
+            </a:r>
+            <a:r>
+              <a:rPr lang="nl-NL" sz="2000" dirty="0"/>
+              <a:t> (e.g. load </a:t>
+            </a:r>
+            <a:r>
+              <a:rPr lang="nl-NL" sz="2000" dirty="0" err="1"/>
+              <a:t>balancer</a:t>
+            </a:r>
+            <a:r>
+              <a:rPr lang="nl-NL" sz="2000" dirty="0"/>
+              <a:t>) </a:t>
+            </a:r>
+          </a:p>
+          <a:p>
+            <a:pPr lvl="1"/>
+            <a:r>
+              <a:rPr lang="nl-NL" sz="2000" dirty="0"/>
+              <a:t>6. Resource-</a:t>
+            </a:r>
+            <a:r>
+              <a:rPr lang="nl-NL" sz="2000" dirty="0" err="1"/>
+              <a:t>Based</a:t>
+            </a:r>
+            <a:r>
+              <a:rPr lang="nl-NL" sz="2000" dirty="0"/>
+              <a:t>. </a:t>
+            </a:r>
+            <a:r>
+              <a:rPr lang="nl-NL" sz="2000" dirty="0" err="1"/>
+              <a:t>Everything</a:t>
+            </a:r>
+            <a:r>
+              <a:rPr lang="nl-NL" sz="2000" dirty="0"/>
+              <a:t> is </a:t>
+            </a:r>
+            <a:r>
+              <a:rPr lang="nl-NL" sz="2000" dirty="0" err="1"/>
+              <a:t>treated</a:t>
+            </a:r>
+            <a:r>
+              <a:rPr lang="nl-NL" sz="2000" dirty="0"/>
+              <a:t> as a resource </a:t>
+            </a:r>
+            <a:r>
+              <a:rPr lang="nl-NL" sz="2000" dirty="0" err="1"/>
+              <a:t>identfied</a:t>
+            </a:r>
+            <a:r>
+              <a:rPr lang="nl-NL" sz="2000" dirty="0"/>
+              <a:t> </a:t>
+            </a:r>
+            <a:r>
+              <a:rPr lang="nl-NL" sz="2000" dirty="0" err="1"/>
+              <a:t>by</a:t>
+            </a:r>
+            <a:r>
+              <a:rPr lang="nl-NL" sz="2000" dirty="0"/>
+              <a:t> a URL (e.g. http://</a:t>
+            </a:r>
+            <a:r>
+              <a:rPr lang="nl-NL" sz="2000" dirty="0" err="1"/>
+              <a:t>api.example.com</a:t>
+            </a:r>
+            <a:r>
+              <a:rPr lang="nl-NL" sz="2000" dirty="0"/>
+              <a:t>/user/123)</a:t>
+            </a:r>
+          </a:p>
+        </p:txBody>
+      </p:sp>
+    </p:spTree>
+    <p:extLst>
+      <p:ext uri="{BB962C8B-B14F-4D97-AF65-F5344CB8AC3E}">
+        <p14:creationId xmlns:p14="http://schemas.microsoft.com/office/powerpoint/2010/main" val="2955589545"/>
+      </p:ext>
+    </p:extLst>
+  </p:cSld>
+  <p:clrMapOvr>
+    <a:masterClrMapping/>
+  </p:clrMapOvr>
+</p:sld>
+</file>
+
+<file path=ppt/slides/slide3.xml><?xml version="1.0" encoding="utf-8"?>
+<p:sld xmlns:a="http://schemas.openxmlformats.org/drawingml/2006/main" xmlns:r="http://schemas.openxmlformats.org/officeDocument/2006/relationships" xmlns:p="http://schemas.openxmlformats.org/presentationml/2006/main">
+  <p:cSld>
+    <p:spTree>
+      <p:nvGrpSpPr>
+        <p:cNvPr id="1" name=""/>
+        <p:cNvGrpSpPr/>
+        <p:nvPr/>
+      </p:nvGrpSpPr>
+      <p:grpSpPr>
+        <a:xfrm>
+          <a:off x="0" y="0"/>
+          <a:ext cx="0" cy="0"/>
+          <a:chOff x="0" y="0"/>
+          <a:chExt cx="0" cy="0"/>
+        </a:xfrm>
+      </p:grpSpPr>
+      <p:sp>
+        <p:nvSpPr>
+          <p:cNvPr id="2" name="Title 1"/>
+          <p:cNvSpPr>
+            <a:spLocks noGrp="1"/>
+          </p:cNvSpPr>
+          <p:nvPr>
+            <p:ph type="title"/>
+          </p:nvPr>
+        </p:nvSpPr>
+        <p:spPr/>
+        <p:txBody>
+          <a:bodyPr/>
+          <a:lstStyle/>
+          <a:p>
+            <a:r>
+              <a:rPr lang="nl-NL" sz="3000" b="1" dirty="0"/>
+              <a:t>Learning outcomes</a:t>
+            </a:r>
+          </a:p>
+        </p:txBody>
+      </p:sp>
+      <p:sp>
+        <p:nvSpPr>
+          <p:cNvPr id="3" name="Text Placeholder 2"/>
+          <p:cNvSpPr>
+            <a:spLocks noGrp="1"/>
+          </p:cNvSpPr>
+          <p:nvPr>
+            <p:ph type="body" idx="1"/>
+          </p:nvPr>
+        </p:nvSpPr>
+        <p:spPr>
+          <a:xfrm>
+            <a:off x="657498" y="2502354"/>
+            <a:ext cx="7815943" cy="2435406"/>
+          </a:xfrm>
+        </p:spPr>
+        <p:txBody>
+          <a:bodyPr/>
+          <a:lstStyle/>
+          <a:p>
+            <a:r>
+              <a:rPr lang="en-US" sz="2800" dirty="0"/>
+              <a:t>Describe (application layer) protocols</a:t>
+            </a:r>
+          </a:p>
+          <a:p>
+            <a:endParaRPr lang="en-US" sz="2800" dirty="0"/>
+          </a:p>
+          <a:p>
+            <a:r>
+              <a:rPr lang="en-US" sz="2800" dirty="0"/>
+              <a:t>Design and build (RESTful) web services</a:t>
+            </a:r>
+          </a:p>
+        </p:txBody>
+      </p:sp>
+    </p:spTree>
+    <p:extLst>
+      <p:ext uri="{BB962C8B-B14F-4D97-AF65-F5344CB8AC3E}">
+        <p14:creationId xmlns:p14="http://schemas.microsoft.com/office/powerpoint/2010/main" val="1481559829"/>
+      </p:ext>
+    </p:extLst>
+  </p:cSld>
+  <p:clrMapOvr>
+    <a:masterClrMapping/>
+  </p:clrMapOvr>
+</p:sld>
+</file>
+
+<file path=ppt/slides/slide30.xml><?xml version="1.0" encoding="utf-8"?>
+<p:sld xmlns:a="http://schemas.openxmlformats.org/drawingml/2006/main" xmlns:r="http://schemas.openxmlformats.org/officeDocument/2006/relationships" xmlns:p="http://schemas.openxmlformats.org/presentationml/2006/main" show="0">
+  <p:cSld>
+    <p:spTree>
+      <p:nvGrpSpPr>
         <p:cNvPr id="1" name=""/>
         <p:cNvGrpSpPr/>
         <p:nvPr/>
@@ -34377,8 +35745,8 @@
 </p:sld>
 </file>
 
-<file path=ppt/slides/slide29.xml><?xml version="1.0" encoding="utf-8"?>
-<p:sld xmlns:a="http://schemas.openxmlformats.org/drawingml/2006/main" xmlns:r="http://schemas.openxmlformats.org/officeDocument/2006/relationships" xmlns:p="http://schemas.openxmlformats.org/presentationml/2006/main">
+<file path=ppt/slides/slide31.xml><?xml version="1.0" encoding="utf-8"?>
+<p:sld xmlns:a="http://schemas.openxmlformats.org/drawingml/2006/main" xmlns:r="http://schemas.openxmlformats.org/officeDocument/2006/relationships" xmlns:p="http://schemas.openxmlformats.org/presentationml/2006/main" show="0">
   <p:cSld>
     <p:spTree>
       <p:nvGrpSpPr>
@@ -35313,96 +36681,8 @@
 </p:sld>
 </file>
 
-<file path=ppt/slides/slide3.xml><?xml version="1.0" encoding="utf-8"?>
-<p:sld xmlns:a="http://schemas.openxmlformats.org/drawingml/2006/main" xmlns:r="http://schemas.openxmlformats.org/officeDocument/2006/relationships" xmlns:p="http://schemas.openxmlformats.org/presentationml/2006/main">
-  <p:cSld>
-    <p:spTree>
-      <p:nvGrpSpPr>
-        <p:cNvPr id="1" name=""/>
-        <p:cNvGrpSpPr/>
-        <p:nvPr/>
-      </p:nvGrpSpPr>
-      <p:grpSpPr>
-        <a:xfrm>
-          <a:off x="0" y="0"/>
-          <a:ext cx="0" cy="0"/>
-          <a:chOff x="0" y="0"/>
-          <a:chExt cx="0" cy="0"/>
-        </a:xfrm>
-      </p:grpSpPr>
-      <p:sp>
-        <p:nvSpPr>
-          <p:cNvPr id="2" name="Title 1"/>
-          <p:cNvSpPr>
-            <a:spLocks noGrp="1"/>
-          </p:cNvSpPr>
-          <p:nvPr>
-            <p:ph type="title"/>
-          </p:nvPr>
-        </p:nvSpPr>
-        <p:spPr/>
-        <p:txBody>
-          <a:bodyPr/>
-          <a:lstStyle/>
-          <a:p>
-            <a:r>
-              <a:rPr lang="nl-NL" sz="3000" b="1" dirty="0"/>
-              <a:t>Learning outcomes</a:t>
-            </a:r>
-          </a:p>
-        </p:txBody>
-      </p:sp>
-      <p:sp>
-        <p:nvSpPr>
-          <p:cNvPr id="3" name="Text Placeholder 2"/>
-          <p:cNvSpPr>
-            <a:spLocks noGrp="1"/>
-          </p:cNvSpPr>
-          <p:nvPr>
-            <p:ph type="body" idx="1"/>
-          </p:nvPr>
-        </p:nvSpPr>
-        <p:spPr>
-          <a:xfrm>
-            <a:off x="657498" y="2502354"/>
-            <a:ext cx="7815943" cy="2435406"/>
-          </a:xfrm>
-        </p:spPr>
-        <p:txBody>
-          <a:bodyPr/>
-          <a:lstStyle/>
-          <a:p>
-            <a:r>
-              <a:rPr lang="en-US" sz="2800" dirty="0"/>
-              <a:t>Describe (application layer) protocols</a:t>
-            </a:r>
-          </a:p>
-          <a:p>
-            <a:endParaRPr lang="en-US" sz="2800" dirty="0"/>
-          </a:p>
-          <a:p>
-            <a:r>
-              <a:rPr lang="en-US" sz="2800" dirty="0"/>
-              <a:t>Design and build (RESTful) web services</a:t>
-            </a:r>
-          </a:p>
-        </p:txBody>
-      </p:sp>
-    </p:spTree>
-    <p:extLst>
-      <p:ext uri="{BB962C8B-B14F-4D97-AF65-F5344CB8AC3E}">
-        <p14:creationId xmlns:p14="http://schemas.microsoft.com/office/powerpoint/2010/main" val="1481559829"/>
-      </p:ext>
-    </p:extLst>
-  </p:cSld>
-  <p:clrMapOvr>
-    <a:masterClrMapping/>
-  </p:clrMapOvr>
-</p:sld>
-</file>
-
-<file path=ppt/slides/slide30.xml><?xml version="1.0" encoding="utf-8"?>
-<p:sld xmlns:a="http://schemas.openxmlformats.org/drawingml/2006/main" xmlns:r="http://schemas.openxmlformats.org/officeDocument/2006/relationships" xmlns:p="http://schemas.openxmlformats.org/presentationml/2006/main">
+<file path=ppt/slides/slide32.xml><?xml version="1.0" encoding="utf-8"?>
+<p:sld xmlns:a="http://schemas.openxmlformats.org/drawingml/2006/main" xmlns:r="http://schemas.openxmlformats.org/officeDocument/2006/relationships" xmlns:p="http://schemas.openxmlformats.org/presentationml/2006/main" show="0">
   <p:cSld>
     <p:spTree>
       <p:nvGrpSpPr>
@@ -35698,8 +36978,8 @@
 </p:sld>
 </file>
 
-<file path=ppt/slides/slide31.xml><?xml version="1.0" encoding="utf-8"?>
-<p:sld xmlns:a="http://schemas.openxmlformats.org/drawingml/2006/main" xmlns:r="http://schemas.openxmlformats.org/officeDocument/2006/relationships" xmlns:p="http://schemas.openxmlformats.org/presentationml/2006/main">
+<file path=ppt/slides/slide33.xml><?xml version="1.0" encoding="utf-8"?>
+<p:sld xmlns:a="http://schemas.openxmlformats.org/drawingml/2006/main" xmlns:r="http://schemas.openxmlformats.org/officeDocument/2006/relationships" xmlns:p="http://schemas.openxmlformats.org/presentationml/2006/main" show="0">
   <p:cSld>
     <p:spTree>
       <p:nvGrpSpPr>
@@ -36001,8 +37281,8 @@
 </p:sld>
 </file>
 
-<file path=ppt/slides/slide32.xml><?xml version="1.0" encoding="utf-8"?>
-<p:sld xmlns:a="http://schemas.openxmlformats.org/drawingml/2006/main" xmlns:r="http://schemas.openxmlformats.org/officeDocument/2006/relationships" xmlns:p="http://schemas.openxmlformats.org/presentationml/2006/main">
+<file path=ppt/slides/slide34.xml><?xml version="1.0" encoding="utf-8"?>
+<p:sld xmlns:a="http://schemas.openxmlformats.org/drawingml/2006/main" xmlns:r="http://schemas.openxmlformats.org/officeDocument/2006/relationships" xmlns:p="http://schemas.openxmlformats.org/presentationml/2006/main" show="0">
   <p:cSld>
     <p:spTree>
       <p:nvGrpSpPr>
@@ -36215,8 +37495,8 @@
 </p:sld>
 </file>
 
-<file path=ppt/slides/slide33.xml><?xml version="1.0" encoding="utf-8"?>
-<p:sld xmlns:a="http://schemas.openxmlformats.org/drawingml/2006/main" xmlns:r="http://schemas.openxmlformats.org/officeDocument/2006/relationships" xmlns:p="http://schemas.openxmlformats.org/presentationml/2006/main">
+<file path=ppt/slides/slide35.xml><?xml version="1.0" encoding="utf-8"?>
+<p:sld xmlns:a="http://schemas.openxmlformats.org/drawingml/2006/main" xmlns:r="http://schemas.openxmlformats.org/officeDocument/2006/relationships" xmlns:p="http://schemas.openxmlformats.org/presentationml/2006/main" show="0">
   <p:cSld>
     <p:spTree>
       <p:nvGrpSpPr>
@@ -36501,8 +37781,8 @@
 </p:sld>
 </file>
 
-<file path=ppt/slides/slide34.xml><?xml version="1.0" encoding="utf-8"?>
-<p:sld xmlns:a="http://schemas.openxmlformats.org/drawingml/2006/main" xmlns:r="http://schemas.openxmlformats.org/officeDocument/2006/relationships" xmlns:p="http://schemas.openxmlformats.org/presentationml/2006/main">
+<file path=ppt/slides/slide36.xml><?xml version="1.0" encoding="utf-8"?>
+<p:sld xmlns:a="http://schemas.openxmlformats.org/drawingml/2006/main" xmlns:r="http://schemas.openxmlformats.org/officeDocument/2006/relationships" xmlns:p="http://schemas.openxmlformats.org/presentationml/2006/main" show="0">
   <p:cSld>
     <p:spTree>
       <p:nvGrpSpPr>
@@ -36664,8 +37944,8 @@
 </p:sld>
 </file>
 
-<file path=ppt/slides/slide35.xml><?xml version="1.0" encoding="utf-8"?>
-<p:sld xmlns:a="http://schemas.openxmlformats.org/drawingml/2006/main" xmlns:r="http://schemas.openxmlformats.org/officeDocument/2006/relationships" xmlns:p="http://schemas.openxmlformats.org/presentationml/2006/main">
+<file path=ppt/slides/slide37.xml><?xml version="1.0" encoding="utf-8"?>
+<p:sld xmlns:a="http://schemas.openxmlformats.org/drawingml/2006/main" xmlns:r="http://schemas.openxmlformats.org/officeDocument/2006/relationships" xmlns:p="http://schemas.openxmlformats.org/presentationml/2006/main" show="0">
   <p:cSld>
     <p:spTree>
       <p:nvGrpSpPr>
@@ -36940,8 +38220,8 @@
 </p:sld>
 </file>
 
-<file path=ppt/slides/slide36.xml><?xml version="1.0" encoding="utf-8"?>
-<p:sld xmlns:a="http://schemas.openxmlformats.org/drawingml/2006/main" xmlns:r="http://schemas.openxmlformats.org/officeDocument/2006/relationships" xmlns:p="http://schemas.openxmlformats.org/presentationml/2006/main">
+<file path=ppt/slides/slide38.xml><?xml version="1.0" encoding="utf-8"?>
+<p:sld xmlns:a="http://schemas.openxmlformats.org/drawingml/2006/main" xmlns:r="http://schemas.openxmlformats.org/officeDocument/2006/relationships" xmlns:p="http://schemas.openxmlformats.org/presentationml/2006/main" show="0">
   <p:cSld>
     <p:spTree>
       <p:nvGrpSpPr>
@@ -37776,8 +39056,8 @@
 </p:sld>
 </file>
 
-<file path=ppt/slides/slide37.xml><?xml version="1.0" encoding="utf-8"?>
-<p:sld xmlns:a="http://schemas.openxmlformats.org/drawingml/2006/main" xmlns:r="http://schemas.openxmlformats.org/officeDocument/2006/relationships" xmlns:p="http://schemas.openxmlformats.org/presentationml/2006/main">
+<file path=ppt/slides/slide39.xml><?xml version="1.0" encoding="utf-8"?>
+<p:sld xmlns:a="http://schemas.openxmlformats.org/drawingml/2006/main" xmlns:r="http://schemas.openxmlformats.org/officeDocument/2006/relationships" xmlns:p="http://schemas.openxmlformats.org/presentationml/2006/main" show="0">
   <p:cSld>
     <p:spTree>
       <p:nvGrpSpPr>
@@ -38014,7 +39294,119 @@
 </p:sld>
 </file>
 
-<file path=ppt/slides/slide38.xml><?xml version="1.0" encoding="utf-8"?>
+<file path=ppt/slides/slide4.xml><?xml version="1.0" encoding="utf-8"?>
+<p:sld xmlns:a="http://schemas.openxmlformats.org/drawingml/2006/main" xmlns:r="http://schemas.openxmlformats.org/officeDocument/2006/relationships" xmlns:p="http://schemas.openxmlformats.org/presentationml/2006/main">
+  <p:cSld>
+    <p:spTree>
+      <p:nvGrpSpPr>
+        <p:cNvPr id="1" name=""/>
+        <p:cNvGrpSpPr/>
+        <p:nvPr/>
+      </p:nvGrpSpPr>
+      <p:grpSpPr>
+        <a:xfrm>
+          <a:off x="0" y="0"/>
+          <a:ext cx="0" cy="0"/>
+          <a:chOff x="0" y="0"/>
+          <a:chExt cx="0" cy="0"/>
+        </a:xfrm>
+      </p:grpSpPr>
+      <p:sp>
+        <p:nvSpPr>
+          <p:cNvPr id="3" name="Text Placeholder 2"/>
+          <p:cNvSpPr>
+            <a:spLocks noGrp="1"/>
+          </p:cNvSpPr>
+          <p:nvPr>
+            <p:ph type="body" idx="1"/>
+          </p:nvPr>
+        </p:nvSpPr>
+        <p:spPr>
+          <a:xfrm>
+            <a:off x="993399" y="1770715"/>
+            <a:ext cx="7881937" cy="4662741"/>
+          </a:xfrm>
+        </p:spPr>
+        <p:txBody>
+          <a:bodyPr/>
+          <a:lstStyle/>
+          <a:p>
+            <a:r>
+              <a:rPr lang="en-US" sz="3600" dirty="0"/>
+              <a:t> Protocols</a:t>
+            </a:r>
+          </a:p>
+          <a:p>
+            <a:r>
+              <a:rPr lang="en-US" sz="3600" dirty="0"/>
+              <a:t> TCP/IP Suite</a:t>
+            </a:r>
+          </a:p>
+          <a:p>
+            <a:r>
+              <a:rPr lang="en-US" sz="3600" dirty="0"/>
+              <a:t> Sockets</a:t>
+            </a:r>
+          </a:p>
+          <a:p>
+            <a:r>
+              <a:rPr lang="en-US" sz="3600" dirty="0"/>
+              <a:t> REST</a:t>
+            </a:r>
+          </a:p>
+          <a:p>
+            <a:r>
+              <a:rPr lang="en-US" sz="3600" dirty="0"/>
+              <a:t> HTTP</a:t>
+            </a:r>
+          </a:p>
+          <a:p>
+            <a:r>
+              <a:rPr lang="en-US" sz="3600" dirty="0"/>
+              <a:t> MQTT (already covered in Semester 2)</a:t>
+            </a:r>
+          </a:p>
+          <a:p>
+            <a:endParaRPr lang="en-US" sz="3600" dirty="0"/>
+          </a:p>
+        </p:txBody>
+      </p:sp>
+      <p:sp>
+        <p:nvSpPr>
+          <p:cNvPr id="2" name="Title 1"/>
+          <p:cNvSpPr>
+            <a:spLocks noGrp="1"/>
+          </p:cNvSpPr>
+          <p:nvPr>
+            <p:ph type="title"/>
+          </p:nvPr>
+        </p:nvSpPr>
+        <p:spPr/>
+        <p:txBody>
+          <a:bodyPr/>
+          <a:lstStyle/>
+          <a:p>
+            <a:r>
+              <a:rPr lang="nl-NL" sz="3000" b="1" dirty="0"/>
+              <a:t>Contents</a:t>
+            </a:r>
+          </a:p>
+        </p:txBody>
+      </p:sp>
+    </p:spTree>
+    <p:extLst>
+      <p:ext uri="{BB962C8B-B14F-4D97-AF65-F5344CB8AC3E}">
+        <p14:creationId xmlns:p14="http://schemas.microsoft.com/office/powerpoint/2010/main" val="1903192489"/>
+      </p:ext>
+    </p:extLst>
+  </p:cSld>
+  <p:clrMapOvr>
+    <a:masterClrMapping/>
+  </p:clrMapOvr>
+</p:sld>
+</file>
+
+<file path=ppt/slides/slide40.xml><?xml version="1.0" encoding="utf-8"?>
 <p:sld xmlns:a="http://schemas.openxmlformats.org/drawingml/2006/main" xmlns:r="http://schemas.openxmlformats.org/officeDocument/2006/relationships" xmlns:p="http://schemas.openxmlformats.org/presentationml/2006/main">
   <p:cSld>
     <p:spTree>
@@ -38108,7 +39500,7 @@
 </p:sld>
 </file>
 
-<file path=ppt/slides/slide39.xml><?xml version="1.0" encoding="utf-8"?>
+<file path=ppt/slides/slide41.xml><?xml version="1.0" encoding="utf-8"?>
 <p:sld xmlns:a="http://schemas.openxmlformats.org/drawingml/2006/main" xmlns:r="http://schemas.openxmlformats.org/officeDocument/2006/relationships" xmlns:p="http://schemas.openxmlformats.org/presentationml/2006/main">
   <p:cSld>
     <p:spTree>
@@ -38458,119 +39850,7 @@
 </p:sld>
 </file>
 
-<file path=ppt/slides/slide4.xml><?xml version="1.0" encoding="utf-8"?>
-<p:sld xmlns:a="http://schemas.openxmlformats.org/drawingml/2006/main" xmlns:r="http://schemas.openxmlformats.org/officeDocument/2006/relationships" xmlns:p="http://schemas.openxmlformats.org/presentationml/2006/main">
-  <p:cSld>
-    <p:spTree>
-      <p:nvGrpSpPr>
-        <p:cNvPr id="1" name=""/>
-        <p:cNvGrpSpPr/>
-        <p:nvPr/>
-      </p:nvGrpSpPr>
-      <p:grpSpPr>
-        <a:xfrm>
-          <a:off x="0" y="0"/>
-          <a:ext cx="0" cy="0"/>
-          <a:chOff x="0" y="0"/>
-          <a:chExt cx="0" cy="0"/>
-        </a:xfrm>
-      </p:grpSpPr>
-      <p:sp>
-        <p:nvSpPr>
-          <p:cNvPr id="3" name="Text Placeholder 2"/>
-          <p:cNvSpPr>
-            <a:spLocks noGrp="1"/>
-          </p:cNvSpPr>
-          <p:nvPr>
-            <p:ph type="body" idx="1"/>
-          </p:nvPr>
-        </p:nvSpPr>
-        <p:spPr>
-          <a:xfrm>
-            <a:off x="993399" y="1770715"/>
-            <a:ext cx="7881937" cy="4662741"/>
-          </a:xfrm>
-        </p:spPr>
-        <p:txBody>
-          <a:bodyPr/>
-          <a:lstStyle/>
-          <a:p>
-            <a:r>
-              <a:rPr lang="en-US" sz="3600" dirty="0"/>
-              <a:t> Protocols</a:t>
-            </a:r>
-          </a:p>
-          <a:p>
-            <a:r>
-              <a:rPr lang="en-US" sz="3600" dirty="0"/>
-              <a:t> TCP/IP Suite</a:t>
-            </a:r>
-          </a:p>
-          <a:p>
-            <a:r>
-              <a:rPr lang="en-US" sz="3600" dirty="0"/>
-              <a:t> Sockets</a:t>
-            </a:r>
-          </a:p>
-          <a:p>
-            <a:r>
-              <a:rPr lang="en-US" sz="3600" dirty="0"/>
-              <a:t> REST</a:t>
-            </a:r>
-          </a:p>
-          <a:p>
-            <a:r>
-              <a:rPr lang="en-US" sz="3600" dirty="0"/>
-              <a:t> HTTP</a:t>
-            </a:r>
-          </a:p>
-          <a:p>
-            <a:r>
-              <a:rPr lang="en-US" sz="3600" dirty="0"/>
-              <a:t> MQTT</a:t>
-            </a:r>
-          </a:p>
-          <a:p>
-            <a:endParaRPr lang="en-US" sz="3600" dirty="0"/>
-          </a:p>
-        </p:txBody>
-      </p:sp>
-      <p:sp>
-        <p:nvSpPr>
-          <p:cNvPr id="2" name="Title 1"/>
-          <p:cNvSpPr>
-            <a:spLocks noGrp="1"/>
-          </p:cNvSpPr>
-          <p:nvPr>
-            <p:ph type="title"/>
-          </p:nvPr>
-        </p:nvSpPr>
-        <p:spPr/>
-        <p:txBody>
-          <a:bodyPr/>
-          <a:lstStyle/>
-          <a:p>
-            <a:r>
-              <a:rPr lang="nl-NL" sz="3000" b="1" dirty="0"/>
-              <a:t>Contents</a:t>
-            </a:r>
-          </a:p>
-        </p:txBody>
-      </p:sp>
-    </p:spTree>
-    <p:extLst>
-      <p:ext uri="{BB962C8B-B14F-4D97-AF65-F5344CB8AC3E}">
-        <p14:creationId xmlns:p14="http://schemas.microsoft.com/office/powerpoint/2010/main" val="1903192489"/>
-      </p:ext>
-    </p:extLst>
-  </p:cSld>
-  <p:clrMapOvr>
-    <a:masterClrMapping/>
-  </p:clrMapOvr>
-</p:sld>
-</file>
-
-<file path=ppt/slides/slide40.xml><?xml version="1.0" encoding="utf-8"?>
+<file path=ppt/slides/slide42.xml><?xml version="1.0" encoding="utf-8"?>
 <p:sld xmlns:a="http://schemas.openxmlformats.org/drawingml/2006/main" xmlns:r="http://schemas.openxmlformats.org/officeDocument/2006/relationships" xmlns:p="http://schemas.openxmlformats.org/presentationml/2006/main">
   <p:cSld>
     <p:spTree>
@@ -38662,7 +39942,7 @@
 </p:sld>
 </file>
 
-<file path=ppt/slides/slide41.xml><?xml version="1.0" encoding="utf-8"?>
+<file path=ppt/slides/slide43.xml><?xml version="1.0" encoding="utf-8"?>
 <p:sld xmlns:a="http://schemas.openxmlformats.org/drawingml/2006/main" xmlns:r="http://schemas.openxmlformats.org/officeDocument/2006/relationships" xmlns:p="http://schemas.openxmlformats.org/presentationml/2006/main">
   <p:cSld>
     <p:spTree>
@@ -38754,7 +40034,7 @@
 </p:sld>
 </file>
 
-<file path=ppt/slides/slide42.xml><?xml version="1.0" encoding="utf-8"?>
+<file path=ppt/slides/slide44.xml><?xml version="1.0" encoding="utf-8"?>
 <p:sld xmlns:a="http://schemas.openxmlformats.org/drawingml/2006/main" xmlns:r="http://schemas.openxmlformats.org/officeDocument/2006/relationships" xmlns:p="http://schemas.openxmlformats.org/presentationml/2006/main">
   <p:cSld>
     <p:spTree>
@@ -39359,8 +40639,8 @@
 </p:sld>
 </file>
 
-<file path=ppt/slides/slide43.xml><?xml version="1.0" encoding="utf-8"?>
-<p:sld xmlns:a="http://schemas.openxmlformats.org/drawingml/2006/main" xmlns:r="http://schemas.openxmlformats.org/officeDocument/2006/relationships" xmlns:p="http://schemas.openxmlformats.org/presentationml/2006/main">
+<file path=ppt/slides/slide45.xml><?xml version="1.0" encoding="utf-8"?>
+<p:sld xmlns:a="http://schemas.openxmlformats.org/drawingml/2006/main" xmlns:r="http://schemas.openxmlformats.org/officeDocument/2006/relationships" xmlns:p="http://schemas.openxmlformats.org/presentationml/2006/main" show="0">
   <p:cSld>
     <p:spTree>
       <p:nvGrpSpPr>
@@ -40858,8 +42138,8 @@
 </p:sld>
 </file>
 
-<file path=ppt/slides/slide44.xml><?xml version="1.0" encoding="utf-8"?>
-<p:sld xmlns:a="http://schemas.openxmlformats.org/drawingml/2006/main" xmlns:r="http://schemas.openxmlformats.org/officeDocument/2006/relationships" xmlns:p="http://schemas.openxmlformats.org/presentationml/2006/main">
+<file path=ppt/slides/slide46.xml><?xml version="1.0" encoding="utf-8"?>
+<p:sld xmlns:a="http://schemas.openxmlformats.org/drawingml/2006/main" xmlns:r="http://schemas.openxmlformats.org/officeDocument/2006/relationships" xmlns:p="http://schemas.openxmlformats.org/presentationml/2006/main" show="0">
   <p:cSld>
     <p:spTree>
       <p:nvGrpSpPr>
@@ -41325,8 +42605,8 @@
 </p:sld>
 </file>
 
-<file path=ppt/slides/slide45.xml><?xml version="1.0" encoding="utf-8"?>
-<p:sld xmlns:a="http://schemas.openxmlformats.org/drawingml/2006/main" xmlns:r="http://schemas.openxmlformats.org/officeDocument/2006/relationships" xmlns:p="http://schemas.openxmlformats.org/presentationml/2006/main">
+<file path=ppt/slides/slide47.xml><?xml version="1.0" encoding="utf-8"?>
+<p:sld xmlns:a="http://schemas.openxmlformats.org/drawingml/2006/main" xmlns:r="http://schemas.openxmlformats.org/officeDocument/2006/relationships" xmlns:p="http://schemas.openxmlformats.org/presentationml/2006/main" show="0">
   <p:cSld>
     <p:spTree>
       <p:nvGrpSpPr>
@@ -41970,7 +43250,7 @@
 </p:sld>
 </file>
 
-<file path=ppt/slides/slide46.xml><?xml version="1.0" encoding="utf-8"?>
+<file path=ppt/slides/slide48.xml><?xml version="1.0" encoding="utf-8"?>
 <p:sld xmlns:a="http://schemas.openxmlformats.org/drawingml/2006/main" xmlns:r="http://schemas.openxmlformats.org/officeDocument/2006/relationships" xmlns:p="http://schemas.openxmlformats.org/presentationml/2006/main">
   <p:cSld>
     <p:spTree>
@@ -42544,7 +43824,7 @@
 </p:sld>
 </file>
 
-<file path=ppt/slides/slide47.xml><?xml version="1.0" encoding="utf-8"?>
+<file path=ppt/slides/slide49.xml><?xml version="1.0" encoding="utf-8"?>
 <p:sld xmlns:a="http://schemas.openxmlformats.org/drawingml/2006/main" xmlns:r="http://schemas.openxmlformats.org/officeDocument/2006/relationships" xmlns:p="http://schemas.openxmlformats.org/presentationml/2006/main">
   <p:cSld>
     <p:spTree>
@@ -42633,944 +43913,6 @@
   <p:clrMapOvr>
     <a:masterClrMapping/>
   </p:clrMapOvr>
-</p:sld>
-</file>
-
-<file path=ppt/slides/slide48.xml><?xml version="1.0" encoding="utf-8"?>
-<p:sld xmlns:a="http://schemas.openxmlformats.org/drawingml/2006/main" xmlns:r="http://schemas.openxmlformats.org/officeDocument/2006/relationships" xmlns:p="http://schemas.openxmlformats.org/presentationml/2006/main">
-  <p:cSld>
-    <p:spTree>
-      <p:nvGrpSpPr>
-        <p:cNvPr id="1" name=""/>
-        <p:cNvGrpSpPr/>
-        <p:nvPr/>
-      </p:nvGrpSpPr>
-      <p:grpSpPr>
-        <a:xfrm>
-          <a:off x="0" y="0"/>
-          <a:ext cx="0" cy="0"/>
-          <a:chOff x="0" y="0"/>
-          <a:chExt cx="0" cy="0"/>
-        </a:xfrm>
-      </p:grpSpPr>
-      <p:sp>
-        <p:nvSpPr>
-          <p:cNvPr id="22" name="Rectangle 2"/>
-          <p:cNvSpPr>
-            <a:spLocks noGrp="1" noChangeArrowheads="1"/>
-          </p:cNvSpPr>
-          <p:nvPr>
-            <p:ph type="title"/>
-          </p:nvPr>
-        </p:nvSpPr>
-        <p:spPr>
-          <a:xfrm>
-            <a:off x="141889" y="399393"/>
-            <a:ext cx="8229600" cy="467844"/>
-          </a:xfrm>
-        </p:spPr>
-        <p:txBody>
-          <a:bodyPr/>
-          <a:lstStyle/>
-          <a:p>
-            <a:pPr algn="l" eaLnBrk="1" hangingPunct="1">
-              <a:lnSpc>
-                <a:spcPct val="100000"/>
-              </a:lnSpc>
-            </a:pPr>
-            <a:r>
-              <a:rPr lang="nl-NL" altLang="nl-NL" sz="3000" b="1" dirty="0"/>
-              <a:t>HTTP status codes</a:t>
-            </a:r>
-          </a:p>
-        </p:txBody>
-      </p:sp>
-      <p:sp>
-        <p:nvSpPr>
-          <p:cNvPr id="4" name="Tijdelijke aanduiding voor inhoud 16"/>
-          <p:cNvSpPr txBox="1">
-            <a:spLocks/>
-          </p:cNvSpPr>
-          <p:nvPr/>
-        </p:nvSpPr>
-        <p:spPr>
-          <a:xfrm>
-            <a:off x="-76201" y="1256364"/>
-            <a:ext cx="9329057" cy="5601636"/>
-          </a:xfrm>
-          <a:prstGeom prst="rect">
-            <a:avLst/>
-          </a:prstGeom>
-          <a:noFill/>
-          <a:ln>
-            <a:noFill/>
-          </a:ln>
-        </p:spPr>
-        <p:txBody>
-          <a:bodyPr lIns="91425" tIns="91425" rIns="91425" bIns="91425" anchor="t" anchorCtr="0"/>
-          <a:lstStyle>
-            <a:defPPr marR="0" lvl="0" algn="l" rtl="0">
-              <a:lnSpc>
-                <a:spcPct val="100000"/>
-              </a:lnSpc>
-              <a:spcBef>
-                <a:spcPts val="0"/>
-              </a:spcBef>
-              <a:spcAft>
-                <a:spcPts val="0"/>
-              </a:spcAft>
-            </a:defPPr>
-            <a:lvl1pPr marL="342900" marR="0" lvl="0" indent="-236220" algn="l" rtl="0">
-              <a:lnSpc>
-                <a:spcPct val="100000"/>
-              </a:lnSpc>
-              <a:spcBef>
-                <a:spcPts val="560"/>
-              </a:spcBef>
-              <a:spcAft>
-                <a:spcPts val="0"/>
-              </a:spcAft>
-              <a:buClr>
-                <a:srgbClr val="ED0010"/>
-              </a:buClr>
-              <a:buFont typeface="Arial"/>
-              <a:buChar char="●"/>
-              <a:defRPr sz="1400" b="0" i="0" u="none" strike="noStrike" cap="none">
-                <a:solidFill>
-                  <a:srgbClr val="000000"/>
-                </a:solidFill>
-                <a:latin typeface="Arial"/>
-                <a:ea typeface="Arial"/>
-                <a:cs typeface="Arial"/>
-                <a:sym typeface="Arial"/>
-              </a:defRPr>
-            </a:lvl1pPr>
-            <a:lvl2pPr marL="819150" marR="0" lvl="1" indent="-186690" algn="l" rtl="0">
-              <a:lnSpc>
-                <a:spcPct val="100000"/>
-              </a:lnSpc>
-              <a:spcBef>
-                <a:spcPts val="520"/>
-              </a:spcBef>
-              <a:spcAft>
-                <a:spcPts val="0"/>
-              </a:spcAft>
-              <a:buClr>
-                <a:schemeClr val="accent1"/>
-              </a:buClr>
-              <a:buFont typeface="Arial"/>
-              <a:buChar char="●"/>
-              <a:defRPr sz="1400" b="0" i="0" u="none" strike="noStrike" cap="none">
-                <a:solidFill>
-                  <a:srgbClr val="000000"/>
-                </a:solidFill>
-                <a:latin typeface="Arial"/>
-                <a:ea typeface="Arial"/>
-                <a:cs typeface="Arial"/>
-                <a:sym typeface="Arial"/>
-              </a:defRPr>
-            </a:lvl2pPr>
-            <a:lvl3pPr marL="1143000" marR="0" lvl="2" indent="-137160" algn="l" rtl="0">
-              <a:lnSpc>
-                <a:spcPct val="100000"/>
-              </a:lnSpc>
-              <a:spcBef>
-                <a:spcPts val="480"/>
-              </a:spcBef>
-              <a:spcAft>
-                <a:spcPts val="0"/>
-              </a:spcAft>
-              <a:buClr>
-                <a:schemeClr val="accent1"/>
-              </a:buClr>
-              <a:buFont typeface="Arial"/>
-              <a:buChar char="●"/>
-              <a:defRPr sz="1400" b="0" i="0" u="none" strike="noStrike" cap="none">
-                <a:solidFill>
-                  <a:srgbClr val="000000"/>
-                </a:solidFill>
-                <a:latin typeface="Arial"/>
-                <a:ea typeface="Arial"/>
-                <a:cs typeface="Arial"/>
-                <a:sym typeface="Arial"/>
-              </a:defRPr>
-            </a:lvl3pPr>
-            <a:lvl4pPr marL="1562100" marR="0" lvl="3" indent="-144780" algn="l" rtl="0">
-              <a:lnSpc>
-                <a:spcPct val="100000"/>
-              </a:lnSpc>
-              <a:spcBef>
-                <a:spcPts val="440"/>
-              </a:spcBef>
-              <a:spcAft>
-                <a:spcPts val="0"/>
-              </a:spcAft>
-              <a:buClr>
-                <a:schemeClr val="accent1"/>
-              </a:buClr>
-              <a:buFont typeface="Arial"/>
-              <a:buChar char="●"/>
-              <a:defRPr sz="1400" b="0" i="0" u="none" strike="noStrike" cap="none">
-                <a:solidFill>
-                  <a:srgbClr val="000000"/>
-                </a:solidFill>
-                <a:latin typeface="Arial"/>
-                <a:ea typeface="Arial"/>
-                <a:cs typeface="Arial"/>
-                <a:sym typeface="Arial"/>
-              </a:defRPr>
-            </a:lvl4pPr>
-            <a:lvl5pPr marL="1981200" marR="0" lvl="4" indent="-152400" algn="l" rtl="0">
-              <a:lnSpc>
-                <a:spcPct val="100000"/>
-              </a:lnSpc>
-              <a:spcBef>
-                <a:spcPts val="400"/>
-              </a:spcBef>
-              <a:spcAft>
-                <a:spcPts val="0"/>
-              </a:spcAft>
-              <a:buClr>
-                <a:schemeClr val="accent1"/>
-              </a:buClr>
-              <a:buFont typeface="Arial"/>
-              <a:buChar char="●"/>
-              <a:defRPr sz="1400" b="0" i="0" u="none" strike="noStrike" cap="none">
-                <a:solidFill>
-                  <a:srgbClr val="000000"/>
-                </a:solidFill>
-                <a:latin typeface="Arial"/>
-                <a:ea typeface="Arial"/>
-                <a:cs typeface="Arial"/>
-                <a:sym typeface="Arial"/>
-              </a:defRPr>
-            </a:lvl5pPr>
-            <a:lvl6pPr marL="2438400" marR="0" lvl="5" indent="-152400" algn="l" rtl="0">
-              <a:lnSpc>
-                <a:spcPct val="100000"/>
-              </a:lnSpc>
-              <a:spcBef>
-                <a:spcPts val="400"/>
-              </a:spcBef>
-              <a:spcAft>
-                <a:spcPts val="0"/>
-              </a:spcAft>
-              <a:buClr>
-                <a:schemeClr val="accent1"/>
-              </a:buClr>
-              <a:buFont typeface="Arial"/>
-              <a:buChar char="●"/>
-              <a:defRPr sz="1400" b="0" i="0" u="none" strike="noStrike" cap="none">
-                <a:solidFill>
-                  <a:srgbClr val="000000"/>
-                </a:solidFill>
-                <a:latin typeface="Arial"/>
-                <a:ea typeface="Arial"/>
-                <a:cs typeface="Arial"/>
-                <a:sym typeface="Arial"/>
-              </a:defRPr>
-            </a:lvl6pPr>
-            <a:lvl7pPr marL="2895600" marR="0" lvl="6" indent="-152400" algn="l" rtl="0">
-              <a:lnSpc>
-                <a:spcPct val="100000"/>
-              </a:lnSpc>
-              <a:spcBef>
-                <a:spcPts val="400"/>
-              </a:spcBef>
-              <a:spcAft>
-                <a:spcPts val="0"/>
-              </a:spcAft>
-              <a:buClr>
-                <a:schemeClr val="accent1"/>
-              </a:buClr>
-              <a:buFont typeface="Arial"/>
-              <a:buChar char="●"/>
-              <a:defRPr sz="1400" b="0" i="0" u="none" strike="noStrike" cap="none">
-                <a:solidFill>
-                  <a:srgbClr val="000000"/>
-                </a:solidFill>
-                <a:latin typeface="Arial"/>
-                <a:ea typeface="Arial"/>
-                <a:cs typeface="Arial"/>
-                <a:sym typeface="Arial"/>
-              </a:defRPr>
-            </a:lvl7pPr>
-            <a:lvl8pPr marL="3352800" marR="0" lvl="7" indent="-152400" algn="l" rtl="0">
-              <a:lnSpc>
-                <a:spcPct val="100000"/>
-              </a:lnSpc>
-              <a:spcBef>
-                <a:spcPts val="400"/>
-              </a:spcBef>
-              <a:spcAft>
-                <a:spcPts val="0"/>
-              </a:spcAft>
-              <a:buClr>
-                <a:schemeClr val="accent1"/>
-              </a:buClr>
-              <a:buFont typeface="Arial"/>
-              <a:buChar char="●"/>
-              <a:defRPr sz="1400" b="0" i="0" u="none" strike="noStrike" cap="none">
-                <a:solidFill>
-                  <a:srgbClr val="000000"/>
-                </a:solidFill>
-                <a:latin typeface="Arial"/>
-                <a:ea typeface="Arial"/>
-                <a:cs typeface="Arial"/>
-                <a:sym typeface="Arial"/>
-              </a:defRPr>
-            </a:lvl8pPr>
-            <a:lvl9pPr marL="3810000" marR="0" lvl="8" indent="-152400" algn="l" rtl="0">
-              <a:lnSpc>
-                <a:spcPct val="100000"/>
-              </a:lnSpc>
-              <a:spcBef>
-                <a:spcPts val="400"/>
-              </a:spcBef>
-              <a:spcAft>
-                <a:spcPts val="0"/>
-              </a:spcAft>
-              <a:buClr>
-                <a:schemeClr val="accent1"/>
-              </a:buClr>
-              <a:buFont typeface="Arial"/>
-              <a:buChar char="●"/>
-              <a:defRPr sz="1400" b="0" i="0" u="none" strike="noStrike" cap="none">
-                <a:solidFill>
-                  <a:srgbClr val="000000"/>
-                </a:solidFill>
-                <a:latin typeface="Arial"/>
-                <a:ea typeface="Arial"/>
-                <a:cs typeface="Arial"/>
-                <a:sym typeface="Arial"/>
-              </a:defRPr>
-            </a:lvl9pPr>
-          </a:lstStyle>
-          <a:p>
-            <a:r>
-              <a:rPr lang="en-US" sz="2000" dirty="0"/>
-              <a:t>1xx (Informational): Received, server is continuing the process</a:t>
-            </a:r>
-          </a:p>
-          <a:p>
-            <a:r>
-              <a:rPr lang="en-US" sz="2000" dirty="0"/>
-              <a:t>2xx (Success): Successfully received, understood, accepted and serviced.</a:t>
-            </a:r>
-          </a:p>
-          <a:p>
-            <a:pPr lvl="1">
-              <a:buClr>
-                <a:schemeClr val="bg1"/>
-              </a:buClr>
-            </a:pPr>
-            <a:r>
-              <a:rPr lang="en-US" sz="2000" dirty="0"/>
-              <a:t>200 OK: The request is fulfilled</a:t>
-            </a:r>
-          </a:p>
-          <a:p>
-            <a:r>
-              <a:rPr lang="en-US" sz="2000" dirty="0"/>
-              <a:t>3xx (Redirection): Further action must be taken to complete the request.</a:t>
-            </a:r>
-          </a:p>
-          <a:p>
-            <a:pPr lvl="1">
-              <a:buClr>
-                <a:schemeClr val="bg1"/>
-              </a:buClr>
-            </a:pPr>
-            <a:r>
-              <a:rPr lang="en-US" sz="2000" dirty="0"/>
-              <a:t>301 Move Permanently</a:t>
-            </a:r>
-          </a:p>
-          <a:p>
-            <a:pPr lvl="1">
-              <a:buClr>
-                <a:schemeClr val="bg1"/>
-              </a:buClr>
-            </a:pPr>
-            <a:r>
-              <a:rPr lang="en-US" sz="2000" dirty="0"/>
-              <a:t>304 Not Modified</a:t>
-            </a:r>
-          </a:p>
-          <a:p>
-            <a:r>
-              <a:rPr lang="en-US" sz="2000" dirty="0"/>
-              <a:t>4xx (Client Error): Bad syntax or cannot be understood</a:t>
-            </a:r>
-          </a:p>
-          <a:p>
-            <a:pPr lvl="1">
-              <a:buClr>
-                <a:schemeClr val="bg1"/>
-              </a:buClr>
-            </a:pPr>
-            <a:r>
-              <a:rPr lang="nl-NL" sz="2000" dirty="0"/>
-              <a:t>400 Bad Request – Probably syntax error</a:t>
-            </a:r>
-          </a:p>
-          <a:p>
-            <a:pPr lvl="1">
-              <a:buClr>
-                <a:schemeClr val="bg1"/>
-              </a:buClr>
-            </a:pPr>
-            <a:r>
-              <a:rPr lang="nl-NL" sz="2000" dirty="0"/>
-              <a:t>403 Forbidden – Server refuses to supply resource</a:t>
-            </a:r>
-          </a:p>
-          <a:p>
-            <a:pPr lvl="1">
-              <a:buClr>
-                <a:schemeClr val="bg1"/>
-              </a:buClr>
-            </a:pPr>
-            <a:r>
-              <a:rPr lang="nl-NL" sz="2000" dirty="0"/>
-              <a:t>404 Not Found – Resource could not be found</a:t>
-            </a:r>
-          </a:p>
-          <a:p>
-            <a:pPr lvl="1">
-              <a:buClr>
-                <a:schemeClr val="bg1"/>
-              </a:buClr>
-            </a:pPr>
-            <a:r>
-              <a:rPr lang="nl-NL" sz="2000" dirty="0"/>
-              <a:t>405 Method Not Allowed – HTTP-verb not allowed on resource</a:t>
-            </a:r>
-          </a:p>
-          <a:p>
-            <a:r>
-              <a:rPr lang="en-US" sz="2000" dirty="0"/>
-              <a:t>5xx (Server Error): The server failed to fulfill an apparently valid request</a:t>
-            </a:r>
-          </a:p>
-          <a:p>
-            <a:pPr lvl="1">
-              <a:buClr>
-                <a:schemeClr val="bg1"/>
-              </a:buClr>
-            </a:pPr>
-            <a:r>
-              <a:rPr lang="nl-NL" sz="2000" dirty="0"/>
-              <a:t>500 Internal Server Error – Server was unable to comply</a:t>
-            </a:r>
-          </a:p>
-          <a:p>
-            <a:pPr lvl="1">
-              <a:buClr>
-                <a:schemeClr val="bg1"/>
-              </a:buClr>
-            </a:pPr>
-            <a:r>
-              <a:rPr lang="nl-NL" sz="2000" dirty="0"/>
-              <a:t>503 Service Temporarily Unavailable – Unavailable (often maintainance)</a:t>
-            </a:r>
-            <a:endParaRPr lang="en-US" sz="2000" dirty="0"/>
-          </a:p>
-        </p:txBody>
-      </p:sp>
-    </p:spTree>
-    <p:extLst>
-      <p:ext uri="{BB962C8B-B14F-4D97-AF65-F5344CB8AC3E}">
-        <p14:creationId xmlns:p14="http://schemas.microsoft.com/office/powerpoint/2010/main" val="1339401162"/>
-      </p:ext>
-    </p:extLst>
-  </p:cSld>
-  <p:clrMapOvr>
-    <a:masterClrMapping/>
-  </p:clrMapOvr>
-</p:sld>
-</file>
-
-<file path=ppt/slides/slide49.xml><?xml version="1.0" encoding="utf-8"?>
-<p:sld xmlns:a="http://schemas.openxmlformats.org/drawingml/2006/main" xmlns:r="http://schemas.openxmlformats.org/officeDocument/2006/relationships" xmlns:p="http://schemas.openxmlformats.org/presentationml/2006/main">
-  <p:cSld>
-    <p:spTree>
-      <p:nvGrpSpPr>
-        <p:cNvPr id="1" name=""/>
-        <p:cNvGrpSpPr/>
-        <p:nvPr/>
-      </p:nvGrpSpPr>
-      <p:grpSpPr>
-        <a:xfrm>
-          <a:off x="0" y="0"/>
-          <a:ext cx="0" cy="0"/>
-          <a:chOff x="0" y="0"/>
-          <a:chExt cx="0" cy="0"/>
-        </a:xfrm>
-      </p:grpSpPr>
-      <p:sp>
-        <p:nvSpPr>
-          <p:cNvPr id="34818" name="Rectangle 2"/>
-          <p:cNvSpPr>
-            <a:spLocks noGrp="1" noChangeArrowheads="1"/>
-          </p:cNvSpPr>
-          <p:nvPr>
-            <p:ph type="body" idx="1"/>
-          </p:nvPr>
-        </p:nvSpPr>
-        <p:spPr>
-          <a:xfrm>
-            <a:off x="225710" y="1357536"/>
-            <a:ext cx="8831204" cy="5206550"/>
-          </a:xfrm>
-          <a:ln/>
-        </p:spPr>
-        <p:txBody>
-          <a:bodyPr/>
-          <a:lstStyle/>
-          <a:p>
-            <a:pPr>
-              <a:lnSpc>
-                <a:spcPct val="85000"/>
-              </a:lnSpc>
-              <a:tabLst>
-                <a:tab pos="427101" algn="l"/>
-                <a:tab pos="857189" algn="l"/>
-                <a:tab pos="1287277" algn="l"/>
-                <a:tab pos="1717365" algn="l"/>
-                <a:tab pos="2147453" algn="l"/>
-                <a:tab pos="2577542" algn="l"/>
-                <a:tab pos="3007630" algn="l"/>
-                <a:tab pos="3437718" algn="l"/>
-                <a:tab pos="3867806" algn="l"/>
-                <a:tab pos="4297894" algn="l"/>
-                <a:tab pos="4727982" algn="l"/>
-                <a:tab pos="5158070" algn="l"/>
-                <a:tab pos="5588158" algn="l"/>
-                <a:tab pos="6018246" algn="l"/>
-                <a:tab pos="6448334" algn="l"/>
-                <a:tab pos="6878422" algn="l"/>
-                <a:tab pos="7308510" algn="l"/>
-                <a:tab pos="7738598" algn="l"/>
-                <a:tab pos="8168686" algn="l"/>
-                <a:tab pos="8598774" algn="l"/>
-              </a:tabLst>
-            </a:pPr>
-            <a:r>
-              <a:rPr lang="en-GB" altLang="nl-NL" sz="2800" dirty="0"/>
-              <a:t>REST is a description of the Web</a:t>
-            </a:r>
-          </a:p>
-          <a:p>
-            <a:pPr>
-              <a:lnSpc>
-                <a:spcPct val="85000"/>
-              </a:lnSpc>
-              <a:tabLst>
-                <a:tab pos="427101" algn="l"/>
-                <a:tab pos="857189" algn="l"/>
-                <a:tab pos="1287277" algn="l"/>
-                <a:tab pos="1717365" algn="l"/>
-                <a:tab pos="2147453" algn="l"/>
-                <a:tab pos="2577542" algn="l"/>
-                <a:tab pos="3007630" algn="l"/>
-                <a:tab pos="3437718" algn="l"/>
-                <a:tab pos="3867806" algn="l"/>
-                <a:tab pos="4297894" algn="l"/>
-                <a:tab pos="4727982" algn="l"/>
-                <a:tab pos="5158070" algn="l"/>
-                <a:tab pos="5588158" algn="l"/>
-                <a:tab pos="6018246" algn="l"/>
-                <a:tab pos="6448334" algn="l"/>
-                <a:tab pos="6878422" algn="l"/>
-                <a:tab pos="7308510" algn="l"/>
-                <a:tab pos="7738598" algn="l"/>
-                <a:tab pos="8168686" algn="l"/>
-                <a:tab pos="8598774" algn="l"/>
-              </a:tabLst>
-            </a:pPr>
-            <a:endParaRPr lang="en-GB" altLang="nl-NL" sz="2800" dirty="0"/>
-          </a:p>
-          <a:p>
-            <a:pPr>
-              <a:lnSpc>
-                <a:spcPct val="85000"/>
-              </a:lnSpc>
-              <a:tabLst>
-                <a:tab pos="427101" algn="l"/>
-                <a:tab pos="857189" algn="l"/>
-                <a:tab pos="1287277" algn="l"/>
-                <a:tab pos="1717365" algn="l"/>
-                <a:tab pos="2147453" algn="l"/>
-                <a:tab pos="2577542" algn="l"/>
-                <a:tab pos="3007630" algn="l"/>
-                <a:tab pos="3437718" algn="l"/>
-                <a:tab pos="3867806" algn="l"/>
-                <a:tab pos="4297894" algn="l"/>
-                <a:tab pos="4727982" algn="l"/>
-                <a:tab pos="5158070" algn="l"/>
-                <a:tab pos="5588158" algn="l"/>
-                <a:tab pos="6018246" algn="l"/>
-                <a:tab pos="6448334" algn="l"/>
-                <a:tab pos="6878422" algn="l"/>
-                <a:tab pos="7308510" algn="l"/>
-                <a:tab pos="7738598" algn="l"/>
-                <a:tab pos="8168686" algn="l"/>
-                <a:tab pos="8598774" algn="l"/>
-              </a:tabLst>
-            </a:pPr>
-            <a:r>
-              <a:rPr lang="en-GB" altLang="nl-NL" sz="2800" dirty="0"/>
-              <a:t>HTTP 1.1 was designed to conform to REST</a:t>
-            </a:r>
-          </a:p>
-          <a:p>
-            <a:pPr>
-              <a:lnSpc>
-                <a:spcPct val="85000"/>
-              </a:lnSpc>
-              <a:tabLst>
-                <a:tab pos="427101" algn="l"/>
-                <a:tab pos="857189" algn="l"/>
-                <a:tab pos="1287277" algn="l"/>
-                <a:tab pos="1717365" algn="l"/>
-                <a:tab pos="2147453" algn="l"/>
-                <a:tab pos="2577542" algn="l"/>
-                <a:tab pos="3007630" algn="l"/>
-                <a:tab pos="3437718" algn="l"/>
-                <a:tab pos="3867806" algn="l"/>
-                <a:tab pos="4297894" algn="l"/>
-                <a:tab pos="4727982" algn="l"/>
-                <a:tab pos="5158070" algn="l"/>
-                <a:tab pos="5588158" algn="l"/>
-                <a:tab pos="6018246" algn="l"/>
-                <a:tab pos="6448334" algn="l"/>
-                <a:tab pos="6878422" algn="l"/>
-                <a:tab pos="7308510" algn="l"/>
-                <a:tab pos="7738598" algn="l"/>
-                <a:tab pos="8168686" algn="l"/>
-                <a:tab pos="8598774" algn="l"/>
-              </a:tabLst>
-            </a:pPr>
-            <a:endParaRPr lang="en-GB" altLang="nl-NL" sz="2800" dirty="0"/>
-          </a:p>
-          <a:p>
-            <a:pPr>
-              <a:lnSpc>
-                <a:spcPct val="85000"/>
-              </a:lnSpc>
-              <a:tabLst>
-                <a:tab pos="427101" algn="l"/>
-                <a:tab pos="857189" algn="l"/>
-                <a:tab pos="1287277" algn="l"/>
-                <a:tab pos="1717365" algn="l"/>
-                <a:tab pos="2147453" algn="l"/>
-                <a:tab pos="2577542" algn="l"/>
-                <a:tab pos="3007630" algn="l"/>
-                <a:tab pos="3437718" algn="l"/>
-                <a:tab pos="3867806" algn="l"/>
-                <a:tab pos="4297894" algn="l"/>
-                <a:tab pos="4727982" algn="l"/>
-                <a:tab pos="5158070" algn="l"/>
-                <a:tab pos="5588158" algn="l"/>
-                <a:tab pos="6018246" algn="l"/>
-                <a:tab pos="6448334" algn="l"/>
-                <a:tab pos="6878422" algn="l"/>
-                <a:tab pos="7308510" algn="l"/>
-                <a:tab pos="7738598" algn="l"/>
-                <a:tab pos="8168686" algn="l"/>
-                <a:tab pos="8598774" algn="l"/>
-              </a:tabLst>
-            </a:pPr>
-            <a:r>
-              <a:rPr lang="en-GB" altLang="nl-NL" sz="2800" dirty="0"/>
-              <a:t>Its methods are defined </a:t>
-            </a:r>
-            <a:r>
-              <a:rPr lang="en-GB" altLang="nl-NL" sz="2800" i="1" dirty="0"/>
-              <a:t>well enough </a:t>
-            </a:r>
-            <a:r>
-              <a:rPr lang="en-GB" altLang="nl-NL" sz="2800" dirty="0"/>
-              <a:t>to get work done</a:t>
-            </a:r>
-          </a:p>
-          <a:p>
-            <a:pPr>
-              <a:lnSpc>
-                <a:spcPct val="85000"/>
-              </a:lnSpc>
-              <a:tabLst>
-                <a:tab pos="427101" algn="l"/>
-                <a:tab pos="857189" algn="l"/>
-                <a:tab pos="1287277" algn="l"/>
-                <a:tab pos="1717365" algn="l"/>
-                <a:tab pos="2147453" algn="l"/>
-                <a:tab pos="2577542" algn="l"/>
-                <a:tab pos="3007630" algn="l"/>
-                <a:tab pos="3437718" algn="l"/>
-                <a:tab pos="3867806" algn="l"/>
-                <a:tab pos="4297894" algn="l"/>
-                <a:tab pos="4727982" algn="l"/>
-                <a:tab pos="5158070" algn="l"/>
-                <a:tab pos="5588158" algn="l"/>
-                <a:tab pos="6018246" algn="l"/>
-                <a:tab pos="6448334" algn="l"/>
-                <a:tab pos="6878422" algn="l"/>
-                <a:tab pos="7308510" algn="l"/>
-                <a:tab pos="7738598" algn="l"/>
-                <a:tab pos="8168686" algn="l"/>
-                <a:tab pos="8598774" algn="l"/>
-              </a:tabLst>
-            </a:pPr>
-            <a:endParaRPr lang="en-GB" altLang="nl-NL" sz="2800" dirty="0"/>
-          </a:p>
-          <a:p>
-            <a:pPr>
-              <a:lnSpc>
-                <a:spcPct val="85000"/>
-              </a:lnSpc>
-              <a:tabLst>
-                <a:tab pos="427101" algn="l"/>
-                <a:tab pos="857189" algn="l"/>
-                <a:tab pos="1287277" algn="l"/>
-                <a:tab pos="1717365" algn="l"/>
-                <a:tab pos="2147453" algn="l"/>
-                <a:tab pos="2577542" algn="l"/>
-                <a:tab pos="3007630" algn="l"/>
-                <a:tab pos="3437718" algn="l"/>
-                <a:tab pos="3867806" algn="l"/>
-                <a:tab pos="4297894" algn="l"/>
-                <a:tab pos="4727982" algn="l"/>
-                <a:tab pos="5158070" algn="l"/>
-                <a:tab pos="5588158" algn="l"/>
-                <a:tab pos="6018246" algn="l"/>
-                <a:tab pos="6448334" algn="l"/>
-                <a:tab pos="6878422" algn="l"/>
-                <a:tab pos="7308510" algn="l"/>
-                <a:tab pos="7738598" algn="l"/>
-                <a:tab pos="8168686" algn="l"/>
-                <a:tab pos="8598774" algn="l"/>
-              </a:tabLst>
-            </a:pPr>
-            <a:r>
-              <a:rPr lang="en-GB" altLang="nl-NL" sz="2800" dirty="0"/>
-              <a:t>Unsurprisingly, HTTP is the most RESTful protocol</a:t>
-            </a:r>
-          </a:p>
-          <a:p>
-            <a:pPr>
-              <a:lnSpc>
-                <a:spcPct val="85000"/>
-              </a:lnSpc>
-              <a:tabLst>
-                <a:tab pos="427101" algn="l"/>
-                <a:tab pos="857189" algn="l"/>
-                <a:tab pos="1287277" algn="l"/>
-                <a:tab pos="1717365" algn="l"/>
-                <a:tab pos="2147453" algn="l"/>
-                <a:tab pos="2577542" algn="l"/>
-                <a:tab pos="3007630" algn="l"/>
-                <a:tab pos="3437718" algn="l"/>
-                <a:tab pos="3867806" algn="l"/>
-                <a:tab pos="4297894" algn="l"/>
-                <a:tab pos="4727982" algn="l"/>
-                <a:tab pos="5158070" algn="l"/>
-                <a:tab pos="5588158" algn="l"/>
-                <a:tab pos="6018246" algn="l"/>
-                <a:tab pos="6448334" algn="l"/>
-                <a:tab pos="6878422" algn="l"/>
-                <a:tab pos="7308510" algn="l"/>
-                <a:tab pos="7738598" algn="l"/>
-                <a:tab pos="8168686" algn="l"/>
-                <a:tab pos="8598774" algn="l"/>
-              </a:tabLst>
-            </a:pPr>
-            <a:endParaRPr lang="en-GB" altLang="nl-NL" sz="2800" dirty="0"/>
-          </a:p>
-          <a:p>
-            <a:pPr>
-              <a:lnSpc>
-                <a:spcPct val="85000"/>
-              </a:lnSpc>
-              <a:tabLst>
-                <a:tab pos="427101" algn="l"/>
-                <a:tab pos="857189" algn="l"/>
-                <a:tab pos="1287277" algn="l"/>
-                <a:tab pos="1717365" algn="l"/>
-                <a:tab pos="2147453" algn="l"/>
-                <a:tab pos="2577542" algn="l"/>
-                <a:tab pos="3007630" algn="l"/>
-                <a:tab pos="3437718" algn="l"/>
-                <a:tab pos="3867806" algn="l"/>
-                <a:tab pos="4297894" algn="l"/>
-                <a:tab pos="4727982" algn="l"/>
-                <a:tab pos="5158070" algn="l"/>
-                <a:tab pos="5588158" algn="l"/>
-                <a:tab pos="6018246" algn="l"/>
-                <a:tab pos="6448334" algn="l"/>
-                <a:tab pos="6878422" algn="l"/>
-                <a:tab pos="7308510" algn="l"/>
-                <a:tab pos="7738598" algn="l"/>
-                <a:tab pos="8168686" algn="l"/>
-                <a:tab pos="8598774" algn="l"/>
-              </a:tabLst>
-            </a:pPr>
-            <a:r>
-              <a:rPr lang="en-GB" altLang="nl-NL" sz="2800" dirty="0"/>
-              <a:t>But it's possible to apply REST concepts to other protocols and systems</a:t>
-            </a:r>
-          </a:p>
-        </p:txBody>
-      </p:sp>
-      <p:sp>
-        <p:nvSpPr>
-          <p:cNvPr id="5" name="Rectangle 2"/>
-          <p:cNvSpPr txBox="1">
-            <a:spLocks noChangeArrowheads="1"/>
-          </p:cNvSpPr>
-          <p:nvPr/>
-        </p:nvSpPr>
-        <p:spPr>
-          <a:xfrm>
-            <a:off x="141889" y="399393"/>
-            <a:ext cx="8229600" cy="467844"/>
-          </a:xfrm>
-          <a:prstGeom prst="rect">
-            <a:avLst/>
-          </a:prstGeom>
-          <a:noFill/>
-          <a:ln>
-            <a:noFill/>
-          </a:ln>
-        </p:spPr>
-        <p:txBody>
-          <a:bodyPr lIns="91425" tIns="91425" rIns="91425" bIns="91425" anchor="b" anchorCtr="0"/>
-          <a:lstStyle>
-            <a:defPPr marR="0" lvl="0" algn="l" rtl="0">
-              <a:lnSpc>
-                <a:spcPct val="100000"/>
-              </a:lnSpc>
-              <a:spcBef>
-                <a:spcPts val="0"/>
-              </a:spcBef>
-              <a:spcAft>
-                <a:spcPts val="0"/>
-              </a:spcAft>
-            </a:defPPr>
-            <a:lvl1pPr marL="0" marR="0" lvl="0" indent="0" algn="l" rtl="0">
-              <a:lnSpc>
-                <a:spcPct val="100000"/>
-              </a:lnSpc>
-              <a:spcBef>
-                <a:spcPts val="0"/>
-              </a:spcBef>
-              <a:spcAft>
-                <a:spcPts val="0"/>
-              </a:spcAft>
-              <a:buNone/>
-              <a:defRPr sz="1400" b="0" i="0" u="none" strike="noStrike" cap="none">
-                <a:solidFill>
-                  <a:srgbClr val="000000"/>
-                </a:solidFill>
-                <a:latin typeface="Arial"/>
-                <a:ea typeface="Arial"/>
-                <a:cs typeface="Arial"/>
-                <a:sym typeface="Arial"/>
-              </a:defRPr>
-            </a:lvl1pPr>
-            <a:lvl2pPr marL="0" marR="0" lvl="1" indent="0" algn="l" rtl="0">
-              <a:spcBef>
-                <a:spcPts val="0"/>
-              </a:spcBef>
-              <a:spcAft>
-                <a:spcPts val="0"/>
-              </a:spcAft>
-              <a:defRPr/>
-            </a:lvl2pPr>
-            <a:lvl3pPr marL="0" marR="0" lvl="2" indent="0" algn="l" rtl="0">
-              <a:spcBef>
-                <a:spcPts val="0"/>
-              </a:spcBef>
-              <a:spcAft>
-                <a:spcPts val="0"/>
-              </a:spcAft>
-              <a:defRPr/>
-            </a:lvl3pPr>
-            <a:lvl4pPr marL="0" marR="0" lvl="3" indent="0" algn="l" rtl="0">
-              <a:spcBef>
-                <a:spcPts val="0"/>
-              </a:spcBef>
-              <a:spcAft>
-                <a:spcPts val="0"/>
-              </a:spcAft>
-              <a:defRPr/>
-            </a:lvl4pPr>
-            <a:lvl5pPr marL="0" marR="0" lvl="4" indent="0" algn="l" rtl="0">
-              <a:spcBef>
-                <a:spcPts val="0"/>
-              </a:spcBef>
-              <a:spcAft>
-                <a:spcPts val="0"/>
-              </a:spcAft>
-              <a:defRPr/>
-            </a:lvl5pPr>
-            <a:lvl6pPr marL="457200" marR="0" lvl="5" indent="0" algn="l" rtl="0">
-              <a:spcBef>
-                <a:spcPts val="0"/>
-              </a:spcBef>
-              <a:spcAft>
-                <a:spcPts val="0"/>
-              </a:spcAft>
-              <a:defRPr/>
-            </a:lvl6pPr>
-            <a:lvl7pPr marL="914400" marR="0" lvl="6" indent="0" algn="l" rtl="0">
-              <a:spcBef>
-                <a:spcPts val="0"/>
-              </a:spcBef>
-              <a:spcAft>
-                <a:spcPts val="0"/>
-              </a:spcAft>
-              <a:defRPr/>
-            </a:lvl7pPr>
-            <a:lvl8pPr marL="1371600" marR="0" lvl="7" indent="0" algn="l" rtl="0">
-              <a:spcBef>
-                <a:spcPts val="0"/>
-              </a:spcBef>
-              <a:spcAft>
-                <a:spcPts val="0"/>
-              </a:spcAft>
-              <a:defRPr/>
-            </a:lvl8pPr>
-            <a:lvl9pPr marL="1828800" marR="0" lvl="8" indent="0" algn="l" rtl="0">
-              <a:spcBef>
-                <a:spcPts val="0"/>
-              </a:spcBef>
-              <a:spcAft>
-                <a:spcPts val="0"/>
-              </a:spcAft>
-              <a:defRPr/>
-            </a:lvl9pPr>
-          </a:lstStyle>
-          <a:p>
-            <a:r>
-              <a:rPr lang="nl-NL" altLang="nl-NL" sz="3000" b="1" dirty="0"/>
-              <a:t>HTTP and REST</a:t>
-            </a:r>
-          </a:p>
-        </p:txBody>
-      </p:sp>
-    </p:spTree>
-    <p:extLst>
-      <p:ext uri="{BB962C8B-B14F-4D97-AF65-F5344CB8AC3E}">
-        <p14:creationId xmlns:p14="http://schemas.microsoft.com/office/powerpoint/2010/main" val="3780710436"/>
-      </p:ext>
-    </p:extLst>
-  </p:cSld>
-  <p:clrMapOvr>
-    <a:masterClrMapping/>
-  </p:clrMapOvr>
-  <p:transition spd="med"/>
 </p:sld>
 </file>
 
@@ -43712,14 +44054,14 @@
             </a:pPr>
             <a:r>
               <a:rPr lang="nl-NL" altLang="nl-NL" sz="3000" b="1" dirty="0"/>
-              <a:t>RESTful Design</a:t>
+              <a:t>HTTP status codes</a:t>
             </a:r>
           </a:p>
         </p:txBody>
       </p:sp>
       <p:sp>
         <p:nvSpPr>
-          <p:cNvPr id="5" name="Tijdelijke aanduiding voor inhoud 16"/>
+          <p:cNvPr id="4" name="Tijdelijke aanduiding voor inhoud 16"/>
           <p:cNvSpPr txBox="1">
             <a:spLocks/>
           </p:cNvSpPr>
@@ -43727,8 +44069,8 @@
         </p:nvSpPr>
         <p:spPr>
           <a:xfrm>
-            <a:off x="141889" y="867237"/>
-            <a:ext cx="8665029" cy="5601636"/>
+            <a:off x="-76201" y="1256364"/>
+            <a:ext cx="9329057" cy="5601636"/>
           </a:xfrm>
           <a:prstGeom prst="rect">
             <a:avLst/>
@@ -43981,120 +44323,13 @@
           <a:p>
             <a:r>
               <a:rPr lang="en-US" sz="2000" dirty="0"/>
-              <a:t>HTTP </a:t>
-            </a:r>
-            <a:r>
-              <a:rPr lang="en-US" sz="2000" i="1" dirty="0"/>
-              <a:t>allows</a:t>
-            </a:r>
+              <a:t>1xx (Informational): Received, server is continuing the process</a:t>
+            </a:r>
+          </a:p>
+          <a:p>
             <a:r>
               <a:rPr lang="en-US" sz="2000" dirty="0"/>
-              <a:t> for RESTful design, but </a:t>
-            </a:r>
-            <a:r>
-              <a:rPr lang="en-US" sz="2000" b="1" dirty="0"/>
-              <a:t>does not</a:t>
-            </a:r>
-            <a:r>
-              <a:rPr lang="en-US" sz="2000" dirty="0"/>
-              <a:t> guarantee it</a:t>
-            </a:r>
-          </a:p>
-          <a:p>
-            <a:r>
-              <a:rPr lang="en-US" sz="2000" dirty="0"/>
-              <a:t>In particular, the following should be guaranteed </a:t>
-            </a:r>
-            <a:r>
-              <a:rPr lang="en-US" sz="2000" i="1" dirty="0"/>
-              <a:t>by design</a:t>
-            </a:r>
-            <a:endParaRPr lang="en-US" sz="2000" dirty="0"/>
-          </a:p>
-          <a:p>
-            <a:endParaRPr lang="en-US" sz="2000" dirty="0"/>
-          </a:p>
-          <a:p>
-            <a:pPr marL="106680" indent="0">
-              <a:buNone/>
-            </a:pPr>
-            <a:r>
-              <a:rPr lang="en-US" sz="2000" b="1" dirty="0"/>
-              <a:t>Stateless</a:t>
-            </a:r>
-          </a:p>
-          <a:p>
-            <a:r>
-              <a:rPr lang="en-US" sz="2000" dirty="0"/>
-              <a:t>HTTP is stateless, but this can be circumvented with </a:t>
-            </a:r>
-            <a:r>
-              <a:rPr lang="en-US" sz="2000" i="1" dirty="0"/>
-              <a:t>Cookies</a:t>
-            </a:r>
-          </a:p>
-          <a:p>
-            <a:r>
-              <a:rPr lang="en-US" sz="2000" dirty="0"/>
-              <a:t>Using them for session ties the User Agent to a single Server…</a:t>
-            </a:r>
-          </a:p>
-          <a:p>
-            <a:pPr marL="106680" indent="0">
-              <a:buNone/>
-            </a:pPr>
-            <a:r>
-              <a:rPr lang="en-US" sz="2000" b="1" dirty="0"/>
-              <a:t>Cacheable</a:t>
-            </a:r>
-          </a:p>
-          <a:p>
-            <a:r>
-              <a:rPr lang="en-US" sz="2000" dirty="0"/>
-              <a:t>The HTTP-verbs give guarantees, so use them correctly</a:t>
-            </a:r>
-          </a:p>
-          <a:p>
-            <a:r>
-              <a:rPr lang="en-US" sz="2000" dirty="0"/>
-              <a:t>Use </a:t>
-            </a:r>
-            <a:r>
-              <a:rPr lang="en-US" sz="2000" i="1" dirty="0"/>
-              <a:t>headers</a:t>
-            </a:r>
-            <a:r>
-              <a:rPr lang="en-US" sz="2000" dirty="0"/>
-              <a:t> to guide caching (but watch out, it’s a delicate art…)</a:t>
-            </a:r>
-          </a:p>
-          <a:p>
-            <a:pPr marL="106680" indent="0">
-              <a:buNone/>
-            </a:pPr>
-            <a:r>
-              <a:rPr lang="en-US" sz="2000" b="1" dirty="0"/>
-              <a:t>Uniform Interface</a:t>
-            </a:r>
-          </a:p>
-          <a:p>
-            <a:r>
-              <a:rPr lang="en-US" sz="2000" dirty="0"/>
-              <a:t>Use body only for the correct (and requested) content-type</a:t>
-            </a:r>
-          </a:p>
-          <a:p>
-            <a:r>
-              <a:rPr lang="en-US" sz="2000" dirty="0"/>
-              <a:t>Enrich the resource with </a:t>
-            </a:r>
-            <a:r>
-              <a:rPr lang="en-US" sz="2000" i="1" dirty="0"/>
-              <a:t>links</a:t>
-            </a:r>
-            <a:r>
-              <a:rPr lang="en-US" sz="2000" dirty="0"/>
-              <a:t> in order to guarantee HATEOAS</a:t>
+              <a:t>2xx (Success): Successfully received, understood, accepted and serviced.</a:t>
             </a:r>
           </a:p>
           <a:p>
@@ -44105,15 +44340,13 @@
             </a:pPr>
             <a:r>
               <a:rPr lang="en-US" sz="2000" dirty="0"/>
-              <a:t>Several media types exist to enforce this: API-HAL, JSON-LD, </a:t>
-            </a:r>
-            <a:r>
-              <a:rPr lang="en-US" sz="2000" dirty="0" err="1"/>
-              <a:t>Collection+JSON</a:t>
-            </a:r>
+              <a:t>200 OK: The request is fulfilled</a:t>
+            </a:r>
+          </a:p>
+          <a:p>
             <a:r>
               <a:rPr lang="en-US" sz="2000" dirty="0"/>
-              <a:t>, SIREN, …</a:t>
+              <a:t>3xx (Redirection): Further action must be taken to complete the request.</a:t>
             </a:r>
           </a:p>
           <a:p>
@@ -44124,15 +44357,105 @@
             </a:pPr>
             <a:r>
               <a:rPr lang="en-US" sz="2000" dirty="0"/>
-              <a:t>More import for M2M (machine-to-machine) communication</a:t>
-            </a:r>
+              <a:t>301 Move Permanently</a:t>
+            </a:r>
+          </a:p>
+          <a:p>
+            <a:pPr lvl="1">
+              <a:buClr>
+                <a:schemeClr val="bg1"/>
+              </a:buClr>
+            </a:pPr>
+            <a:r>
+              <a:rPr lang="en-US" sz="2000" dirty="0"/>
+              <a:t>304 Not Modified</a:t>
+            </a:r>
+          </a:p>
+          <a:p>
+            <a:r>
+              <a:rPr lang="en-US" sz="2000" dirty="0"/>
+              <a:t>4xx (Client Error): Bad syntax or cannot be understood</a:t>
+            </a:r>
+          </a:p>
+          <a:p>
+            <a:pPr lvl="1">
+              <a:buClr>
+                <a:schemeClr val="bg1"/>
+              </a:buClr>
+            </a:pPr>
+            <a:r>
+              <a:rPr lang="nl-NL" sz="2000" dirty="0"/>
+              <a:t>400 Bad Request – Probably syntax error</a:t>
+            </a:r>
+          </a:p>
+          <a:p>
+            <a:pPr lvl="1">
+              <a:buClr>
+                <a:schemeClr val="bg1"/>
+              </a:buClr>
+            </a:pPr>
+            <a:r>
+              <a:rPr lang="nl-NL" sz="2000" dirty="0"/>
+              <a:t>403 Forbidden – Server refuses to supply resource</a:t>
+            </a:r>
+          </a:p>
+          <a:p>
+            <a:pPr lvl="1">
+              <a:buClr>
+                <a:schemeClr val="bg1"/>
+              </a:buClr>
+            </a:pPr>
+            <a:r>
+              <a:rPr lang="nl-NL" sz="2000" dirty="0"/>
+              <a:t>404 Not Found – Resource could not be found</a:t>
+            </a:r>
+          </a:p>
+          <a:p>
+            <a:pPr lvl="1">
+              <a:buClr>
+                <a:schemeClr val="bg1"/>
+              </a:buClr>
+            </a:pPr>
+            <a:r>
+              <a:rPr lang="nl-NL" sz="2000" dirty="0"/>
+              <a:t>405 Method Not Allowed – HTTP-verb not allowed on resource</a:t>
+            </a:r>
+          </a:p>
+          <a:p>
+            <a:r>
+              <a:rPr lang="en-US" sz="2000" dirty="0"/>
+              <a:t>5xx (Server Error): The server failed to fulfill an apparently valid request</a:t>
+            </a:r>
+          </a:p>
+          <a:p>
+            <a:pPr lvl="1">
+              <a:buClr>
+                <a:schemeClr val="bg1"/>
+              </a:buClr>
+            </a:pPr>
+            <a:r>
+              <a:rPr lang="nl-NL" sz="2000" dirty="0"/>
+              <a:t>500 Internal Server Error – Server was unable to comply</a:t>
+            </a:r>
+          </a:p>
+          <a:p>
+            <a:pPr lvl="1">
+              <a:buClr>
+                <a:schemeClr val="bg1"/>
+              </a:buClr>
+            </a:pPr>
+            <a:r>
+              <a:rPr lang="nl-NL" sz="2000" dirty="0"/>
+              <a:t>503 Service Temporarily Unavailable – Unavailable (often maintainance)</a:t>
+            </a:r>
+            <a:endParaRPr lang="en-US" sz="2000" dirty="0"/>
           </a:p>
         </p:txBody>
       </p:sp>
     </p:spTree>
     <p:extLst>
       <p:ext uri="{BB962C8B-B14F-4D97-AF65-F5344CB8AC3E}">
-        <p14:creationId xmlns:p14="http://schemas.microsoft.com/office/powerpoint/2010/main" val="3679995152"/>
+        <p14:creationId xmlns:p14="http://schemas.microsoft.com/office/powerpoint/2010/main" val="1339401162"/>
       </p:ext>
     </p:extLst>
   </p:cSld>
@@ -44161,6 +44484,963 @@
       </p:grpSpPr>
       <p:sp>
         <p:nvSpPr>
+          <p:cNvPr id="34818" name="Rectangle 2"/>
+          <p:cNvSpPr>
+            <a:spLocks noGrp="1" noChangeArrowheads="1"/>
+          </p:cNvSpPr>
+          <p:nvPr>
+            <p:ph type="body" idx="1"/>
+          </p:nvPr>
+        </p:nvSpPr>
+        <p:spPr>
+          <a:xfrm>
+            <a:off x="225710" y="1357536"/>
+            <a:ext cx="8831204" cy="5206550"/>
+          </a:xfrm>
+          <a:ln/>
+        </p:spPr>
+        <p:txBody>
+          <a:bodyPr/>
+          <a:lstStyle/>
+          <a:p>
+            <a:pPr>
+              <a:lnSpc>
+                <a:spcPct val="85000"/>
+              </a:lnSpc>
+              <a:tabLst>
+                <a:tab pos="427101" algn="l"/>
+                <a:tab pos="857189" algn="l"/>
+                <a:tab pos="1287277" algn="l"/>
+                <a:tab pos="1717365" algn="l"/>
+                <a:tab pos="2147453" algn="l"/>
+                <a:tab pos="2577542" algn="l"/>
+                <a:tab pos="3007630" algn="l"/>
+                <a:tab pos="3437718" algn="l"/>
+                <a:tab pos="3867806" algn="l"/>
+                <a:tab pos="4297894" algn="l"/>
+                <a:tab pos="4727982" algn="l"/>
+                <a:tab pos="5158070" algn="l"/>
+                <a:tab pos="5588158" algn="l"/>
+                <a:tab pos="6018246" algn="l"/>
+                <a:tab pos="6448334" algn="l"/>
+                <a:tab pos="6878422" algn="l"/>
+                <a:tab pos="7308510" algn="l"/>
+                <a:tab pos="7738598" algn="l"/>
+                <a:tab pos="8168686" algn="l"/>
+                <a:tab pos="8598774" algn="l"/>
+              </a:tabLst>
+            </a:pPr>
+            <a:r>
+              <a:rPr lang="en-GB" altLang="nl-NL" sz="2800" dirty="0"/>
+              <a:t>REST is a description of the Web</a:t>
+            </a:r>
+          </a:p>
+          <a:p>
+            <a:pPr>
+              <a:lnSpc>
+                <a:spcPct val="85000"/>
+              </a:lnSpc>
+              <a:tabLst>
+                <a:tab pos="427101" algn="l"/>
+                <a:tab pos="857189" algn="l"/>
+                <a:tab pos="1287277" algn="l"/>
+                <a:tab pos="1717365" algn="l"/>
+                <a:tab pos="2147453" algn="l"/>
+                <a:tab pos="2577542" algn="l"/>
+                <a:tab pos="3007630" algn="l"/>
+                <a:tab pos="3437718" algn="l"/>
+                <a:tab pos="3867806" algn="l"/>
+                <a:tab pos="4297894" algn="l"/>
+                <a:tab pos="4727982" algn="l"/>
+                <a:tab pos="5158070" algn="l"/>
+                <a:tab pos="5588158" algn="l"/>
+                <a:tab pos="6018246" algn="l"/>
+                <a:tab pos="6448334" algn="l"/>
+                <a:tab pos="6878422" algn="l"/>
+                <a:tab pos="7308510" algn="l"/>
+                <a:tab pos="7738598" algn="l"/>
+                <a:tab pos="8168686" algn="l"/>
+                <a:tab pos="8598774" algn="l"/>
+              </a:tabLst>
+            </a:pPr>
+            <a:endParaRPr lang="en-GB" altLang="nl-NL" sz="2800" dirty="0"/>
+          </a:p>
+          <a:p>
+            <a:pPr>
+              <a:lnSpc>
+                <a:spcPct val="85000"/>
+              </a:lnSpc>
+              <a:tabLst>
+                <a:tab pos="427101" algn="l"/>
+                <a:tab pos="857189" algn="l"/>
+                <a:tab pos="1287277" algn="l"/>
+                <a:tab pos="1717365" algn="l"/>
+                <a:tab pos="2147453" algn="l"/>
+                <a:tab pos="2577542" algn="l"/>
+                <a:tab pos="3007630" algn="l"/>
+                <a:tab pos="3437718" algn="l"/>
+                <a:tab pos="3867806" algn="l"/>
+                <a:tab pos="4297894" algn="l"/>
+                <a:tab pos="4727982" algn="l"/>
+                <a:tab pos="5158070" algn="l"/>
+                <a:tab pos="5588158" algn="l"/>
+                <a:tab pos="6018246" algn="l"/>
+                <a:tab pos="6448334" algn="l"/>
+                <a:tab pos="6878422" algn="l"/>
+                <a:tab pos="7308510" algn="l"/>
+                <a:tab pos="7738598" algn="l"/>
+                <a:tab pos="8168686" algn="l"/>
+                <a:tab pos="8598774" algn="l"/>
+              </a:tabLst>
+            </a:pPr>
+            <a:r>
+              <a:rPr lang="en-GB" altLang="nl-NL" sz="2800" dirty="0"/>
+              <a:t>HTTP 1.1 was designed to conform to REST</a:t>
+            </a:r>
+          </a:p>
+          <a:p>
+            <a:pPr>
+              <a:lnSpc>
+                <a:spcPct val="85000"/>
+              </a:lnSpc>
+              <a:tabLst>
+                <a:tab pos="427101" algn="l"/>
+                <a:tab pos="857189" algn="l"/>
+                <a:tab pos="1287277" algn="l"/>
+                <a:tab pos="1717365" algn="l"/>
+                <a:tab pos="2147453" algn="l"/>
+                <a:tab pos="2577542" algn="l"/>
+                <a:tab pos="3007630" algn="l"/>
+                <a:tab pos="3437718" algn="l"/>
+                <a:tab pos="3867806" algn="l"/>
+                <a:tab pos="4297894" algn="l"/>
+                <a:tab pos="4727982" algn="l"/>
+                <a:tab pos="5158070" algn="l"/>
+                <a:tab pos="5588158" algn="l"/>
+                <a:tab pos="6018246" algn="l"/>
+                <a:tab pos="6448334" algn="l"/>
+                <a:tab pos="6878422" algn="l"/>
+                <a:tab pos="7308510" algn="l"/>
+                <a:tab pos="7738598" algn="l"/>
+                <a:tab pos="8168686" algn="l"/>
+                <a:tab pos="8598774" algn="l"/>
+              </a:tabLst>
+            </a:pPr>
+            <a:endParaRPr lang="en-GB" altLang="nl-NL" sz="2800" dirty="0"/>
+          </a:p>
+          <a:p>
+            <a:pPr>
+              <a:lnSpc>
+                <a:spcPct val="85000"/>
+              </a:lnSpc>
+              <a:tabLst>
+                <a:tab pos="427101" algn="l"/>
+                <a:tab pos="857189" algn="l"/>
+                <a:tab pos="1287277" algn="l"/>
+                <a:tab pos="1717365" algn="l"/>
+                <a:tab pos="2147453" algn="l"/>
+                <a:tab pos="2577542" algn="l"/>
+                <a:tab pos="3007630" algn="l"/>
+                <a:tab pos="3437718" algn="l"/>
+                <a:tab pos="3867806" algn="l"/>
+                <a:tab pos="4297894" algn="l"/>
+                <a:tab pos="4727982" algn="l"/>
+                <a:tab pos="5158070" algn="l"/>
+                <a:tab pos="5588158" algn="l"/>
+                <a:tab pos="6018246" algn="l"/>
+                <a:tab pos="6448334" algn="l"/>
+                <a:tab pos="6878422" algn="l"/>
+                <a:tab pos="7308510" algn="l"/>
+                <a:tab pos="7738598" algn="l"/>
+                <a:tab pos="8168686" algn="l"/>
+                <a:tab pos="8598774" algn="l"/>
+              </a:tabLst>
+            </a:pPr>
+            <a:r>
+              <a:rPr lang="en-GB" altLang="nl-NL" sz="2800" dirty="0"/>
+              <a:t>Its methods are defined </a:t>
+            </a:r>
+            <a:r>
+              <a:rPr lang="en-GB" altLang="nl-NL" sz="2800" i="1" dirty="0"/>
+              <a:t>well enough </a:t>
+            </a:r>
+            <a:r>
+              <a:rPr lang="en-GB" altLang="nl-NL" sz="2800" dirty="0"/>
+              <a:t>to get work done</a:t>
+            </a:r>
+          </a:p>
+          <a:p>
+            <a:pPr>
+              <a:lnSpc>
+                <a:spcPct val="85000"/>
+              </a:lnSpc>
+              <a:tabLst>
+                <a:tab pos="427101" algn="l"/>
+                <a:tab pos="857189" algn="l"/>
+                <a:tab pos="1287277" algn="l"/>
+                <a:tab pos="1717365" algn="l"/>
+                <a:tab pos="2147453" algn="l"/>
+                <a:tab pos="2577542" algn="l"/>
+                <a:tab pos="3007630" algn="l"/>
+                <a:tab pos="3437718" algn="l"/>
+                <a:tab pos="3867806" algn="l"/>
+                <a:tab pos="4297894" algn="l"/>
+                <a:tab pos="4727982" algn="l"/>
+                <a:tab pos="5158070" algn="l"/>
+                <a:tab pos="5588158" algn="l"/>
+                <a:tab pos="6018246" algn="l"/>
+                <a:tab pos="6448334" algn="l"/>
+                <a:tab pos="6878422" algn="l"/>
+                <a:tab pos="7308510" algn="l"/>
+                <a:tab pos="7738598" algn="l"/>
+                <a:tab pos="8168686" algn="l"/>
+                <a:tab pos="8598774" algn="l"/>
+              </a:tabLst>
+            </a:pPr>
+            <a:endParaRPr lang="en-GB" altLang="nl-NL" sz="2800" dirty="0"/>
+          </a:p>
+          <a:p>
+            <a:pPr>
+              <a:lnSpc>
+                <a:spcPct val="85000"/>
+              </a:lnSpc>
+              <a:tabLst>
+                <a:tab pos="427101" algn="l"/>
+                <a:tab pos="857189" algn="l"/>
+                <a:tab pos="1287277" algn="l"/>
+                <a:tab pos="1717365" algn="l"/>
+                <a:tab pos="2147453" algn="l"/>
+                <a:tab pos="2577542" algn="l"/>
+                <a:tab pos="3007630" algn="l"/>
+                <a:tab pos="3437718" algn="l"/>
+                <a:tab pos="3867806" algn="l"/>
+                <a:tab pos="4297894" algn="l"/>
+                <a:tab pos="4727982" algn="l"/>
+                <a:tab pos="5158070" algn="l"/>
+                <a:tab pos="5588158" algn="l"/>
+                <a:tab pos="6018246" algn="l"/>
+                <a:tab pos="6448334" algn="l"/>
+                <a:tab pos="6878422" algn="l"/>
+                <a:tab pos="7308510" algn="l"/>
+                <a:tab pos="7738598" algn="l"/>
+                <a:tab pos="8168686" algn="l"/>
+                <a:tab pos="8598774" algn="l"/>
+              </a:tabLst>
+            </a:pPr>
+            <a:r>
+              <a:rPr lang="en-GB" altLang="nl-NL" sz="2800" dirty="0"/>
+              <a:t>Unsurprisingly, HTTP is the most RESTful protocol</a:t>
+            </a:r>
+          </a:p>
+          <a:p>
+            <a:pPr>
+              <a:lnSpc>
+                <a:spcPct val="85000"/>
+              </a:lnSpc>
+              <a:tabLst>
+                <a:tab pos="427101" algn="l"/>
+                <a:tab pos="857189" algn="l"/>
+                <a:tab pos="1287277" algn="l"/>
+                <a:tab pos="1717365" algn="l"/>
+                <a:tab pos="2147453" algn="l"/>
+                <a:tab pos="2577542" algn="l"/>
+                <a:tab pos="3007630" algn="l"/>
+                <a:tab pos="3437718" algn="l"/>
+                <a:tab pos="3867806" algn="l"/>
+                <a:tab pos="4297894" algn="l"/>
+                <a:tab pos="4727982" algn="l"/>
+                <a:tab pos="5158070" algn="l"/>
+                <a:tab pos="5588158" algn="l"/>
+                <a:tab pos="6018246" algn="l"/>
+                <a:tab pos="6448334" algn="l"/>
+                <a:tab pos="6878422" algn="l"/>
+                <a:tab pos="7308510" algn="l"/>
+                <a:tab pos="7738598" algn="l"/>
+                <a:tab pos="8168686" algn="l"/>
+                <a:tab pos="8598774" algn="l"/>
+              </a:tabLst>
+            </a:pPr>
+            <a:endParaRPr lang="en-GB" altLang="nl-NL" sz="2800" dirty="0"/>
+          </a:p>
+          <a:p>
+            <a:pPr>
+              <a:lnSpc>
+                <a:spcPct val="85000"/>
+              </a:lnSpc>
+              <a:tabLst>
+                <a:tab pos="427101" algn="l"/>
+                <a:tab pos="857189" algn="l"/>
+                <a:tab pos="1287277" algn="l"/>
+                <a:tab pos="1717365" algn="l"/>
+                <a:tab pos="2147453" algn="l"/>
+                <a:tab pos="2577542" algn="l"/>
+                <a:tab pos="3007630" algn="l"/>
+                <a:tab pos="3437718" algn="l"/>
+                <a:tab pos="3867806" algn="l"/>
+                <a:tab pos="4297894" algn="l"/>
+                <a:tab pos="4727982" algn="l"/>
+                <a:tab pos="5158070" algn="l"/>
+                <a:tab pos="5588158" algn="l"/>
+                <a:tab pos="6018246" algn="l"/>
+                <a:tab pos="6448334" algn="l"/>
+                <a:tab pos="6878422" algn="l"/>
+                <a:tab pos="7308510" algn="l"/>
+                <a:tab pos="7738598" algn="l"/>
+                <a:tab pos="8168686" algn="l"/>
+                <a:tab pos="8598774" algn="l"/>
+              </a:tabLst>
+            </a:pPr>
+            <a:r>
+              <a:rPr lang="en-GB" altLang="nl-NL" sz="2800" dirty="0"/>
+              <a:t>But it's possible to apply REST concepts to other protocols and systems</a:t>
+            </a:r>
+          </a:p>
+        </p:txBody>
+      </p:sp>
+      <p:sp>
+        <p:nvSpPr>
+          <p:cNvPr id="5" name="Rectangle 2"/>
+          <p:cNvSpPr txBox="1">
+            <a:spLocks noChangeArrowheads="1"/>
+          </p:cNvSpPr>
+          <p:nvPr/>
+        </p:nvSpPr>
+        <p:spPr>
+          <a:xfrm>
+            <a:off x="141889" y="399393"/>
+            <a:ext cx="8229600" cy="467844"/>
+          </a:xfrm>
+          <a:prstGeom prst="rect">
+            <a:avLst/>
+          </a:prstGeom>
+          <a:noFill/>
+          <a:ln>
+            <a:noFill/>
+          </a:ln>
+        </p:spPr>
+        <p:txBody>
+          <a:bodyPr lIns="91425" tIns="91425" rIns="91425" bIns="91425" anchor="b" anchorCtr="0"/>
+          <a:lstStyle>
+            <a:defPPr marR="0" lvl="0" algn="l" rtl="0">
+              <a:lnSpc>
+                <a:spcPct val="100000"/>
+              </a:lnSpc>
+              <a:spcBef>
+                <a:spcPts val="0"/>
+              </a:spcBef>
+              <a:spcAft>
+                <a:spcPts val="0"/>
+              </a:spcAft>
+            </a:defPPr>
+            <a:lvl1pPr marL="0" marR="0" lvl="0" indent="0" algn="l" rtl="0">
+              <a:lnSpc>
+                <a:spcPct val="100000"/>
+              </a:lnSpc>
+              <a:spcBef>
+                <a:spcPts val="0"/>
+              </a:spcBef>
+              <a:spcAft>
+                <a:spcPts val="0"/>
+              </a:spcAft>
+              <a:buNone/>
+              <a:defRPr sz="1400" b="0" i="0" u="none" strike="noStrike" cap="none">
+                <a:solidFill>
+                  <a:srgbClr val="000000"/>
+                </a:solidFill>
+                <a:latin typeface="Arial"/>
+                <a:ea typeface="Arial"/>
+                <a:cs typeface="Arial"/>
+                <a:sym typeface="Arial"/>
+              </a:defRPr>
+            </a:lvl1pPr>
+            <a:lvl2pPr marL="0" marR="0" lvl="1" indent="0" algn="l" rtl="0">
+              <a:spcBef>
+                <a:spcPts val="0"/>
+              </a:spcBef>
+              <a:spcAft>
+                <a:spcPts val="0"/>
+              </a:spcAft>
+              <a:defRPr/>
+            </a:lvl2pPr>
+            <a:lvl3pPr marL="0" marR="0" lvl="2" indent="0" algn="l" rtl="0">
+              <a:spcBef>
+                <a:spcPts val="0"/>
+              </a:spcBef>
+              <a:spcAft>
+                <a:spcPts val="0"/>
+              </a:spcAft>
+              <a:defRPr/>
+            </a:lvl3pPr>
+            <a:lvl4pPr marL="0" marR="0" lvl="3" indent="0" algn="l" rtl="0">
+              <a:spcBef>
+                <a:spcPts val="0"/>
+              </a:spcBef>
+              <a:spcAft>
+                <a:spcPts val="0"/>
+              </a:spcAft>
+              <a:defRPr/>
+            </a:lvl4pPr>
+            <a:lvl5pPr marL="0" marR="0" lvl="4" indent="0" algn="l" rtl="0">
+              <a:spcBef>
+                <a:spcPts val="0"/>
+              </a:spcBef>
+              <a:spcAft>
+                <a:spcPts val="0"/>
+              </a:spcAft>
+              <a:defRPr/>
+            </a:lvl5pPr>
+            <a:lvl6pPr marL="457200" marR="0" lvl="5" indent="0" algn="l" rtl="0">
+              <a:spcBef>
+                <a:spcPts val="0"/>
+              </a:spcBef>
+              <a:spcAft>
+                <a:spcPts val="0"/>
+              </a:spcAft>
+              <a:defRPr/>
+            </a:lvl6pPr>
+            <a:lvl7pPr marL="914400" marR="0" lvl="6" indent="0" algn="l" rtl="0">
+              <a:spcBef>
+                <a:spcPts val="0"/>
+              </a:spcBef>
+              <a:spcAft>
+                <a:spcPts val="0"/>
+              </a:spcAft>
+              <a:defRPr/>
+            </a:lvl7pPr>
+            <a:lvl8pPr marL="1371600" marR="0" lvl="7" indent="0" algn="l" rtl="0">
+              <a:spcBef>
+                <a:spcPts val="0"/>
+              </a:spcBef>
+              <a:spcAft>
+                <a:spcPts val="0"/>
+              </a:spcAft>
+              <a:defRPr/>
+            </a:lvl8pPr>
+            <a:lvl9pPr marL="1828800" marR="0" lvl="8" indent="0" algn="l" rtl="0">
+              <a:spcBef>
+                <a:spcPts val="0"/>
+              </a:spcBef>
+              <a:spcAft>
+                <a:spcPts val="0"/>
+              </a:spcAft>
+              <a:defRPr/>
+            </a:lvl9pPr>
+          </a:lstStyle>
+          <a:p>
+            <a:r>
+              <a:rPr lang="nl-NL" altLang="nl-NL" sz="3000" b="1" dirty="0"/>
+              <a:t>HTTP and REST</a:t>
+            </a:r>
+          </a:p>
+        </p:txBody>
+      </p:sp>
+    </p:spTree>
+    <p:extLst>
+      <p:ext uri="{BB962C8B-B14F-4D97-AF65-F5344CB8AC3E}">
+        <p14:creationId xmlns:p14="http://schemas.microsoft.com/office/powerpoint/2010/main" val="3780710436"/>
+      </p:ext>
+    </p:extLst>
+  </p:cSld>
+  <p:clrMapOvr>
+    <a:masterClrMapping/>
+  </p:clrMapOvr>
+  <p:transition spd="med"/>
+</p:sld>
+</file>
+
+<file path=ppt/slides/slide52.xml><?xml version="1.0" encoding="utf-8"?>
+<p:sld xmlns:a="http://schemas.openxmlformats.org/drawingml/2006/main" xmlns:r="http://schemas.openxmlformats.org/officeDocument/2006/relationships" xmlns:p="http://schemas.openxmlformats.org/presentationml/2006/main" show="0">
+  <p:cSld>
+    <p:spTree>
+      <p:nvGrpSpPr>
+        <p:cNvPr id="1" name=""/>
+        <p:cNvGrpSpPr/>
+        <p:nvPr/>
+      </p:nvGrpSpPr>
+      <p:grpSpPr>
+        <a:xfrm>
+          <a:off x="0" y="0"/>
+          <a:ext cx="0" cy="0"/>
+          <a:chOff x="0" y="0"/>
+          <a:chExt cx="0" cy="0"/>
+        </a:xfrm>
+      </p:grpSpPr>
+      <p:sp>
+        <p:nvSpPr>
+          <p:cNvPr id="22" name="Rectangle 2"/>
+          <p:cNvSpPr>
+            <a:spLocks noGrp="1" noChangeArrowheads="1"/>
+          </p:cNvSpPr>
+          <p:nvPr>
+            <p:ph type="title"/>
+          </p:nvPr>
+        </p:nvSpPr>
+        <p:spPr>
+          <a:xfrm>
+            <a:off x="141889" y="399393"/>
+            <a:ext cx="8229600" cy="467844"/>
+          </a:xfrm>
+        </p:spPr>
+        <p:txBody>
+          <a:bodyPr/>
+          <a:lstStyle/>
+          <a:p>
+            <a:pPr algn="l" eaLnBrk="1" hangingPunct="1">
+              <a:lnSpc>
+                <a:spcPct val="100000"/>
+              </a:lnSpc>
+            </a:pPr>
+            <a:r>
+              <a:rPr lang="nl-NL" altLang="nl-NL" sz="3000" b="1" dirty="0"/>
+              <a:t>RESTful Design</a:t>
+            </a:r>
+          </a:p>
+        </p:txBody>
+      </p:sp>
+      <p:sp>
+        <p:nvSpPr>
+          <p:cNvPr id="5" name="Tijdelijke aanduiding voor inhoud 16"/>
+          <p:cNvSpPr txBox="1">
+            <a:spLocks/>
+          </p:cNvSpPr>
+          <p:nvPr/>
+        </p:nvSpPr>
+        <p:spPr>
+          <a:xfrm>
+            <a:off x="141889" y="867237"/>
+            <a:ext cx="8665029" cy="5601636"/>
+          </a:xfrm>
+          <a:prstGeom prst="rect">
+            <a:avLst/>
+          </a:prstGeom>
+          <a:noFill/>
+          <a:ln>
+            <a:noFill/>
+          </a:ln>
+        </p:spPr>
+        <p:txBody>
+          <a:bodyPr lIns="91425" tIns="91425" rIns="91425" bIns="91425" anchor="t" anchorCtr="0"/>
+          <a:lstStyle>
+            <a:defPPr marR="0" lvl="0" algn="l" rtl="0">
+              <a:lnSpc>
+                <a:spcPct val="100000"/>
+              </a:lnSpc>
+              <a:spcBef>
+                <a:spcPts val="0"/>
+              </a:spcBef>
+              <a:spcAft>
+                <a:spcPts val="0"/>
+              </a:spcAft>
+            </a:defPPr>
+            <a:lvl1pPr marL="342900" marR="0" lvl="0" indent="-236220" algn="l" rtl="0">
+              <a:lnSpc>
+                <a:spcPct val="100000"/>
+              </a:lnSpc>
+              <a:spcBef>
+                <a:spcPts val="560"/>
+              </a:spcBef>
+              <a:spcAft>
+                <a:spcPts val="0"/>
+              </a:spcAft>
+              <a:buClr>
+                <a:srgbClr val="ED0010"/>
+              </a:buClr>
+              <a:buFont typeface="Arial"/>
+              <a:buChar char="●"/>
+              <a:defRPr sz="1400" b="0" i="0" u="none" strike="noStrike" cap="none">
+                <a:solidFill>
+                  <a:srgbClr val="000000"/>
+                </a:solidFill>
+                <a:latin typeface="Arial"/>
+                <a:ea typeface="Arial"/>
+                <a:cs typeface="Arial"/>
+                <a:sym typeface="Arial"/>
+              </a:defRPr>
+            </a:lvl1pPr>
+            <a:lvl2pPr marL="819150" marR="0" lvl="1" indent="-186690" algn="l" rtl="0">
+              <a:lnSpc>
+                <a:spcPct val="100000"/>
+              </a:lnSpc>
+              <a:spcBef>
+                <a:spcPts val="520"/>
+              </a:spcBef>
+              <a:spcAft>
+                <a:spcPts val="0"/>
+              </a:spcAft>
+              <a:buClr>
+                <a:schemeClr val="accent1"/>
+              </a:buClr>
+              <a:buFont typeface="Arial"/>
+              <a:buChar char="●"/>
+              <a:defRPr sz="1400" b="0" i="0" u="none" strike="noStrike" cap="none">
+                <a:solidFill>
+                  <a:srgbClr val="000000"/>
+                </a:solidFill>
+                <a:latin typeface="Arial"/>
+                <a:ea typeface="Arial"/>
+                <a:cs typeface="Arial"/>
+                <a:sym typeface="Arial"/>
+              </a:defRPr>
+            </a:lvl2pPr>
+            <a:lvl3pPr marL="1143000" marR="0" lvl="2" indent="-137160" algn="l" rtl="0">
+              <a:lnSpc>
+                <a:spcPct val="100000"/>
+              </a:lnSpc>
+              <a:spcBef>
+                <a:spcPts val="480"/>
+              </a:spcBef>
+              <a:spcAft>
+                <a:spcPts val="0"/>
+              </a:spcAft>
+              <a:buClr>
+                <a:schemeClr val="accent1"/>
+              </a:buClr>
+              <a:buFont typeface="Arial"/>
+              <a:buChar char="●"/>
+              <a:defRPr sz="1400" b="0" i="0" u="none" strike="noStrike" cap="none">
+                <a:solidFill>
+                  <a:srgbClr val="000000"/>
+                </a:solidFill>
+                <a:latin typeface="Arial"/>
+                <a:ea typeface="Arial"/>
+                <a:cs typeface="Arial"/>
+                <a:sym typeface="Arial"/>
+              </a:defRPr>
+            </a:lvl3pPr>
+            <a:lvl4pPr marL="1562100" marR="0" lvl="3" indent="-144780" algn="l" rtl="0">
+              <a:lnSpc>
+                <a:spcPct val="100000"/>
+              </a:lnSpc>
+              <a:spcBef>
+                <a:spcPts val="440"/>
+              </a:spcBef>
+              <a:spcAft>
+                <a:spcPts val="0"/>
+              </a:spcAft>
+              <a:buClr>
+                <a:schemeClr val="accent1"/>
+              </a:buClr>
+              <a:buFont typeface="Arial"/>
+              <a:buChar char="●"/>
+              <a:defRPr sz="1400" b="0" i="0" u="none" strike="noStrike" cap="none">
+                <a:solidFill>
+                  <a:srgbClr val="000000"/>
+                </a:solidFill>
+                <a:latin typeface="Arial"/>
+                <a:ea typeface="Arial"/>
+                <a:cs typeface="Arial"/>
+                <a:sym typeface="Arial"/>
+              </a:defRPr>
+            </a:lvl4pPr>
+            <a:lvl5pPr marL="1981200" marR="0" lvl="4" indent="-152400" algn="l" rtl="0">
+              <a:lnSpc>
+                <a:spcPct val="100000"/>
+              </a:lnSpc>
+              <a:spcBef>
+                <a:spcPts val="400"/>
+              </a:spcBef>
+              <a:spcAft>
+                <a:spcPts val="0"/>
+              </a:spcAft>
+              <a:buClr>
+                <a:schemeClr val="accent1"/>
+              </a:buClr>
+              <a:buFont typeface="Arial"/>
+              <a:buChar char="●"/>
+              <a:defRPr sz="1400" b="0" i="0" u="none" strike="noStrike" cap="none">
+                <a:solidFill>
+                  <a:srgbClr val="000000"/>
+                </a:solidFill>
+                <a:latin typeface="Arial"/>
+                <a:ea typeface="Arial"/>
+                <a:cs typeface="Arial"/>
+                <a:sym typeface="Arial"/>
+              </a:defRPr>
+            </a:lvl5pPr>
+            <a:lvl6pPr marL="2438400" marR="0" lvl="5" indent="-152400" algn="l" rtl="0">
+              <a:lnSpc>
+                <a:spcPct val="100000"/>
+              </a:lnSpc>
+              <a:spcBef>
+                <a:spcPts val="400"/>
+              </a:spcBef>
+              <a:spcAft>
+                <a:spcPts val="0"/>
+              </a:spcAft>
+              <a:buClr>
+                <a:schemeClr val="accent1"/>
+              </a:buClr>
+              <a:buFont typeface="Arial"/>
+              <a:buChar char="●"/>
+              <a:defRPr sz="1400" b="0" i="0" u="none" strike="noStrike" cap="none">
+                <a:solidFill>
+                  <a:srgbClr val="000000"/>
+                </a:solidFill>
+                <a:latin typeface="Arial"/>
+                <a:ea typeface="Arial"/>
+                <a:cs typeface="Arial"/>
+                <a:sym typeface="Arial"/>
+              </a:defRPr>
+            </a:lvl6pPr>
+            <a:lvl7pPr marL="2895600" marR="0" lvl="6" indent="-152400" algn="l" rtl="0">
+              <a:lnSpc>
+                <a:spcPct val="100000"/>
+              </a:lnSpc>
+              <a:spcBef>
+                <a:spcPts val="400"/>
+              </a:spcBef>
+              <a:spcAft>
+                <a:spcPts val="0"/>
+              </a:spcAft>
+              <a:buClr>
+                <a:schemeClr val="accent1"/>
+              </a:buClr>
+              <a:buFont typeface="Arial"/>
+              <a:buChar char="●"/>
+              <a:defRPr sz="1400" b="0" i="0" u="none" strike="noStrike" cap="none">
+                <a:solidFill>
+                  <a:srgbClr val="000000"/>
+                </a:solidFill>
+                <a:latin typeface="Arial"/>
+                <a:ea typeface="Arial"/>
+                <a:cs typeface="Arial"/>
+                <a:sym typeface="Arial"/>
+              </a:defRPr>
+            </a:lvl7pPr>
+            <a:lvl8pPr marL="3352800" marR="0" lvl="7" indent="-152400" algn="l" rtl="0">
+              <a:lnSpc>
+                <a:spcPct val="100000"/>
+              </a:lnSpc>
+              <a:spcBef>
+                <a:spcPts val="400"/>
+              </a:spcBef>
+              <a:spcAft>
+                <a:spcPts val="0"/>
+              </a:spcAft>
+              <a:buClr>
+                <a:schemeClr val="accent1"/>
+              </a:buClr>
+              <a:buFont typeface="Arial"/>
+              <a:buChar char="●"/>
+              <a:defRPr sz="1400" b="0" i="0" u="none" strike="noStrike" cap="none">
+                <a:solidFill>
+                  <a:srgbClr val="000000"/>
+                </a:solidFill>
+                <a:latin typeface="Arial"/>
+                <a:ea typeface="Arial"/>
+                <a:cs typeface="Arial"/>
+                <a:sym typeface="Arial"/>
+              </a:defRPr>
+            </a:lvl8pPr>
+            <a:lvl9pPr marL="3810000" marR="0" lvl="8" indent="-152400" algn="l" rtl="0">
+              <a:lnSpc>
+                <a:spcPct val="100000"/>
+              </a:lnSpc>
+              <a:spcBef>
+                <a:spcPts val="400"/>
+              </a:spcBef>
+              <a:spcAft>
+                <a:spcPts val="0"/>
+              </a:spcAft>
+              <a:buClr>
+                <a:schemeClr val="accent1"/>
+              </a:buClr>
+              <a:buFont typeface="Arial"/>
+              <a:buChar char="●"/>
+              <a:defRPr sz="1400" b="0" i="0" u="none" strike="noStrike" cap="none">
+                <a:solidFill>
+                  <a:srgbClr val="000000"/>
+                </a:solidFill>
+                <a:latin typeface="Arial"/>
+                <a:ea typeface="Arial"/>
+                <a:cs typeface="Arial"/>
+                <a:sym typeface="Arial"/>
+              </a:defRPr>
+            </a:lvl9pPr>
+          </a:lstStyle>
+          <a:p>
+            <a:r>
+              <a:rPr lang="en-US" sz="2000" dirty="0"/>
+              <a:t>HTTP </a:t>
+            </a:r>
+            <a:r>
+              <a:rPr lang="en-US" sz="2000" i="1" dirty="0"/>
+              <a:t>allows</a:t>
+            </a:r>
+            <a:r>
+              <a:rPr lang="en-US" sz="2000" dirty="0"/>
+              <a:t> for RESTful design, but </a:t>
+            </a:r>
+            <a:r>
+              <a:rPr lang="en-US" sz="2000" b="1" dirty="0"/>
+              <a:t>does not</a:t>
+            </a:r>
+            <a:r>
+              <a:rPr lang="en-US" sz="2000" dirty="0"/>
+              <a:t> guarantee it</a:t>
+            </a:r>
+          </a:p>
+          <a:p>
+            <a:r>
+              <a:rPr lang="en-US" sz="2000" dirty="0"/>
+              <a:t>In particular, the following should be guaranteed </a:t>
+            </a:r>
+            <a:r>
+              <a:rPr lang="en-US" sz="2000" i="1" dirty="0"/>
+              <a:t>by design</a:t>
+            </a:r>
+            <a:endParaRPr lang="en-US" sz="2000" dirty="0"/>
+          </a:p>
+          <a:p>
+            <a:endParaRPr lang="en-US" sz="2000" dirty="0"/>
+          </a:p>
+          <a:p>
+            <a:pPr marL="106680" indent="0">
+              <a:buNone/>
+            </a:pPr>
+            <a:r>
+              <a:rPr lang="en-US" sz="2000" b="1" dirty="0"/>
+              <a:t>Stateless</a:t>
+            </a:r>
+          </a:p>
+          <a:p>
+            <a:r>
+              <a:rPr lang="en-US" sz="2000" dirty="0"/>
+              <a:t>HTTP is stateless, but this can be circumvented with </a:t>
+            </a:r>
+            <a:r>
+              <a:rPr lang="en-US" sz="2000" i="1" dirty="0"/>
+              <a:t>Cookies</a:t>
+            </a:r>
+          </a:p>
+          <a:p>
+            <a:r>
+              <a:rPr lang="en-US" sz="2000" dirty="0"/>
+              <a:t>Using them for session ties the User Agent to a single Server…</a:t>
+            </a:r>
+          </a:p>
+          <a:p>
+            <a:pPr marL="106680" indent="0">
+              <a:buNone/>
+            </a:pPr>
+            <a:r>
+              <a:rPr lang="en-US" sz="2000" b="1" dirty="0"/>
+              <a:t>Cacheable</a:t>
+            </a:r>
+          </a:p>
+          <a:p>
+            <a:r>
+              <a:rPr lang="en-US" sz="2000" dirty="0"/>
+              <a:t>The HTTP-verbs give guarantees, so use them correctly</a:t>
+            </a:r>
+          </a:p>
+          <a:p>
+            <a:r>
+              <a:rPr lang="en-US" sz="2000" dirty="0"/>
+              <a:t>Use </a:t>
+            </a:r>
+            <a:r>
+              <a:rPr lang="en-US" sz="2000" i="1" dirty="0"/>
+              <a:t>headers</a:t>
+            </a:r>
+            <a:r>
+              <a:rPr lang="en-US" sz="2000" dirty="0"/>
+              <a:t> to guide caching (but watch out, it’s a delicate art…)</a:t>
+            </a:r>
+          </a:p>
+          <a:p>
+            <a:pPr marL="106680" indent="0">
+              <a:buNone/>
+            </a:pPr>
+            <a:r>
+              <a:rPr lang="en-US" sz="2000" b="1" dirty="0"/>
+              <a:t>Uniform Interface</a:t>
+            </a:r>
+          </a:p>
+          <a:p>
+            <a:r>
+              <a:rPr lang="en-US" sz="2000" dirty="0"/>
+              <a:t>Use body only for the correct (and requested) content-type</a:t>
+            </a:r>
+          </a:p>
+          <a:p>
+            <a:r>
+              <a:rPr lang="en-US" sz="2000" dirty="0"/>
+              <a:t>Enrich the resource with </a:t>
+            </a:r>
+            <a:r>
+              <a:rPr lang="en-US" sz="2000" i="1" dirty="0"/>
+              <a:t>links</a:t>
+            </a:r>
+            <a:r>
+              <a:rPr lang="en-US" sz="2000" dirty="0"/>
+              <a:t> in order to guarantee HATEOAS</a:t>
+            </a:r>
+          </a:p>
+          <a:p>
+            <a:pPr lvl="1">
+              <a:buClr>
+                <a:schemeClr val="bg1"/>
+              </a:buClr>
+            </a:pPr>
+            <a:r>
+              <a:rPr lang="en-US" sz="2000" dirty="0"/>
+              <a:t>Several media types exist to enforce this: API-HAL, JSON-LD, </a:t>
+            </a:r>
+            <a:r>
+              <a:rPr lang="en-US" sz="2000" dirty="0" err="1"/>
+              <a:t>Collection+JSON</a:t>
+            </a:r>
+            <a:r>
+              <a:rPr lang="en-US" sz="2000" dirty="0"/>
+              <a:t>, SIREN, …</a:t>
+            </a:r>
+          </a:p>
+          <a:p>
+            <a:pPr lvl="1">
+              <a:buClr>
+                <a:schemeClr val="bg1"/>
+              </a:buClr>
+            </a:pPr>
+            <a:r>
+              <a:rPr lang="en-US" sz="2000" dirty="0"/>
+              <a:t>More import for M2M (machine-to-machine) communication</a:t>
+            </a:r>
+          </a:p>
+        </p:txBody>
+      </p:sp>
+    </p:spTree>
+    <p:extLst>
+      <p:ext uri="{BB962C8B-B14F-4D97-AF65-F5344CB8AC3E}">
+        <p14:creationId xmlns:p14="http://schemas.microsoft.com/office/powerpoint/2010/main" val="3679995152"/>
+      </p:ext>
+    </p:extLst>
+  </p:cSld>
+  <p:clrMapOvr>
+    <a:masterClrMapping/>
+  </p:clrMapOvr>
+</p:sld>
+</file>
+
+<file path=ppt/slides/slide53.xml><?xml version="1.0" encoding="utf-8"?>
+<p:sld xmlns:a="http://schemas.openxmlformats.org/drawingml/2006/main" xmlns:r="http://schemas.openxmlformats.org/officeDocument/2006/relationships" xmlns:p="http://schemas.openxmlformats.org/presentationml/2006/main" show="0">
+  <p:cSld>
+    <p:spTree>
+      <p:nvGrpSpPr>
+        <p:cNvPr id="1" name=""/>
+        <p:cNvGrpSpPr/>
+        <p:nvPr/>
+      </p:nvGrpSpPr>
+      <p:grpSpPr>
+        <a:xfrm>
+          <a:off x="0" y="0"/>
+          <a:ext cx="0" cy="0"/>
+          <a:chOff x="0" y="0"/>
+          <a:chExt cx="0" cy="0"/>
+        </a:xfrm>
+      </p:grpSpPr>
+      <p:sp>
+        <p:nvSpPr>
           <p:cNvPr id="22" name="Rectangle 2"/>
           <p:cNvSpPr>
             <a:spLocks noGrp="1" noChangeArrowheads="1"/>
@@ -44541,8 +45821,8 @@
 </p:sld>
 </file>
 
-<file path=ppt/slides/slide52.xml><?xml version="1.0" encoding="utf-8"?>
-<p:sld xmlns:a="http://schemas.openxmlformats.org/drawingml/2006/main" xmlns:r="http://schemas.openxmlformats.org/officeDocument/2006/relationships" xmlns:p="http://schemas.openxmlformats.org/presentationml/2006/main">
+<file path=ppt/slides/slide54.xml><?xml version="1.0" encoding="utf-8"?>
+<p:sld xmlns:a="http://schemas.openxmlformats.org/drawingml/2006/main" xmlns:r="http://schemas.openxmlformats.org/officeDocument/2006/relationships" xmlns:p="http://schemas.openxmlformats.org/presentationml/2006/main" show="0">
   <p:cSld>
     <p:spTree>
       <p:nvGrpSpPr>
@@ -45585,7 +46865,7 @@
 </file>
 
 <file path=ppt/slides/slide8.xml><?xml version="1.0" encoding="utf-8"?>
-<p:sld xmlns:a="http://schemas.openxmlformats.org/drawingml/2006/main" xmlns:r="http://schemas.openxmlformats.org/officeDocument/2006/relationships" xmlns:p="http://schemas.openxmlformats.org/presentationml/2006/main">
+<p:sld xmlns:a="http://schemas.openxmlformats.org/drawingml/2006/main" xmlns:r="http://schemas.openxmlformats.org/officeDocument/2006/relationships" xmlns:p="http://schemas.openxmlformats.org/presentationml/2006/main" show="0">
   <p:cSld>
     <p:spTree>
       <p:nvGrpSpPr>
@@ -46311,21 +47591,6 @@
 </file>
 
 <file path=customXml/item1.xml><?xml version="1.0" encoding="utf-8"?>
-<?mso-contentType ?>
-<FormTemplates xmlns="http://schemas.microsoft.com/sharepoint/v3/contenttype/forms">
-  <Display>DocumentLibraryForm</Display>
-  <Edit>DocumentLibraryForm</Edit>
-  <New>DocumentLibraryForm</New>
-</FormTemplates>
-</file>
-
-<file path=customXml/item2.xml><?xml version="1.0" encoding="utf-8"?>
-<p:properties xmlns:p="http://schemas.microsoft.com/office/2006/metadata/properties" xmlns:xsi="http://www.w3.org/2001/XMLSchema-instance" xmlns:pc="http://schemas.microsoft.com/office/infopath/2007/PartnerControls">
-  <documentManagement/>
-</p:properties>
-</file>
-
-<file path=customXml/item3.xml><?xml version="1.0" encoding="utf-8"?>
 <ct:contentTypeSchema xmlns:ct="http://schemas.microsoft.com/office/2006/metadata/contentType" xmlns:ma="http://schemas.microsoft.com/office/2006/metadata/properties/metaAttributes" ct:_="" ma:_="" ma:contentTypeName="Document" ma:contentTypeID="0x0101001B2209528641B24DB7C5DDAAC1066EA2" ma:contentTypeVersion="0" ma:contentTypeDescription="Een nieuw document maken." ma:contentTypeScope="" ma:versionID="2874a1ff820683da4217422ed1ddd971">
   <xsd:schema xmlns:xsd="http://www.w3.org/2001/XMLSchema" xmlns:xs="http://www.w3.org/2001/XMLSchema" xmlns:p="http://schemas.microsoft.com/office/2006/metadata/properties" targetNamespace="http://schemas.microsoft.com/office/2006/metadata/properties" ma:root="true" ma:fieldsID="a17e5968c79d9fe2fc9f8835eee23f58">
     <xsd:element name="properties">
@@ -46439,30 +47704,22 @@
 </ct:contentTypeSchema>
 </file>
 
-<file path=customXml/itemProps1.xml><?xml version="1.0" encoding="utf-8"?>
-<ds:datastoreItem xmlns:ds="http://schemas.openxmlformats.org/officeDocument/2006/customXml" ds:itemID="{121F05ED-81A8-4ABA-873F-9F2E13E2F346}">
-  <ds:schemaRefs>
-    <ds:schemaRef ds:uri="http://schemas.microsoft.com/sharepoint/v3/contenttype/forms"/>
-  </ds:schemaRefs>
-</ds:datastoreItem>
+<file path=customXml/item2.xml><?xml version="1.0" encoding="utf-8"?>
+<?mso-contentType ?>
+<FormTemplates xmlns="http://schemas.microsoft.com/sharepoint/v3/contenttype/forms">
+  <Display>DocumentLibraryForm</Display>
+  <Edit>DocumentLibraryForm</Edit>
+  <New>DocumentLibraryForm</New>
+</FormTemplates>
 </file>
 
-<file path=customXml/itemProps2.xml><?xml version="1.0" encoding="utf-8"?>
-<ds:datastoreItem xmlns:ds="http://schemas.openxmlformats.org/officeDocument/2006/customXml" ds:itemID="{52C75ADC-43A8-40A0-805F-20A88D092E27}">
-  <ds:schemaRefs>
-    <ds:schemaRef ds:uri="http://schemas.microsoft.com/office/2006/documentManagement/types"/>
-    <ds:schemaRef ds:uri="http://schemas.openxmlformats.org/package/2006/metadata/core-properties"/>
-    <ds:schemaRef ds:uri="http://purl.org/dc/dcmitype/"/>
-    <ds:schemaRef ds:uri="http://schemas.microsoft.com/office/infopath/2007/PartnerControls"/>
-    <ds:schemaRef ds:uri="http://purl.org/dc/elements/1.1/"/>
-    <ds:schemaRef ds:uri="http://schemas.microsoft.com/office/2006/metadata/properties"/>
-    <ds:schemaRef ds:uri="http://www.w3.org/XML/1998/namespace"/>
-    <ds:schemaRef ds:uri="http://purl.org/dc/terms/"/>
-  </ds:schemaRefs>
-</ds:datastoreItem>
+<file path=customXml/item3.xml><?xml version="1.0" encoding="utf-8"?>
+<p:properties xmlns:p="http://schemas.microsoft.com/office/2006/metadata/properties" xmlns:xsi="http://www.w3.org/2001/XMLSchema-instance" xmlns:pc="http://schemas.microsoft.com/office/infopath/2007/PartnerControls">
+  <documentManagement/>
+</p:properties>
 </file>
 
-<file path=customXml/itemProps3.xml><?xml version="1.0" encoding="utf-8"?>
+<file path=customXml/itemProps1.xml><?xml version="1.0" encoding="utf-8"?>
 <ds:datastoreItem xmlns:ds="http://schemas.openxmlformats.org/officeDocument/2006/customXml" ds:itemID="{9E609203-97AF-4F92-B1BE-9156327DA46F}">
   <ds:schemaRefs>
     <ds:schemaRef ds:uri="http://schemas.microsoft.com/office/2006/metadata/contentType"/>
@@ -46476,4 +47733,27 @@
     <ds:schemaRef ds:uri="http://schemas.microsoft.com/office/infopath/2007/PartnerControls"/>
   </ds:schemaRefs>
 </ds:datastoreItem>
+</file>
+
+<file path=customXml/itemProps2.xml><?xml version="1.0" encoding="utf-8"?>
+<ds:datastoreItem xmlns:ds="http://schemas.openxmlformats.org/officeDocument/2006/customXml" ds:itemID="{121F05ED-81A8-4ABA-873F-9F2E13E2F346}">
+  <ds:schemaRefs>
+    <ds:schemaRef ds:uri="http://schemas.microsoft.com/sharepoint/v3/contenttype/forms"/>
+  </ds:schemaRefs>
+</ds:datastoreItem>
+</file>
+
+<file path=customXml/itemProps3.xml><?xml version="1.0" encoding="utf-8"?>
+<ds:datastoreItem xmlns:ds="http://schemas.openxmlformats.org/officeDocument/2006/customXml" ds:itemID="{52C75ADC-43A8-40A0-805F-20A88D092E27}">
+  <ds:schemaRefs>
+    <ds:schemaRef ds:uri="http://schemas.microsoft.com/office/2006/documentManagement/types"/>
+    <ds:schemaRef ds:uri="http://schemas.openxmlformats.org/package/2006/metadata/core-properties"/>
+    <ds:schemaRef ds:uri="http://purl.org/dc/dcmitype/"/>
+    <ds:schemaRef ds:uri="http://schemas.microsoft.com/office/infopath/2007/PartnerControls"/>
+    <ds:schemaRef ds:uri="http://purl.org/dc/elements/1.1/"/>
+    <ds:schemaRef ds:uri="http://schemas.microsoft.com/office/2006/metadata/properties"/>
+    <ds:schemaRef ds:uri="http://www.w3.org/XML/1998/namespace"/>
+    <ds:schemaRef ds:uri="http://purl.org/dc/terms/"/>
+  </ds:schemaRefs>
+</ds:datastoreItem>
 </file>
--- a/onderwijsmateriaal/presentaties/Communication_Protocols_v1.0.pptx
+++ b/onderwijsmateriaal/presentaties/Communication_Protocols_v1.0.pptx
@@ -933,7 +933,7 @@
               <a:pPr algn="r">
                 <a:buSzPct val="25000"/>
               </a:pPr>
-              <a:t>‹#›</a:t>
+              <a:t>‹nr.›</a:t>
             </a:fld>
             <a:endParaRPr lang="en-GB" sz="1200">
               <a:solidFill>
@@ -10728,7 +10728,7 @@
                 <a:cs typeface="Arial"/>
                 <a:sym typeface="Arial"/>
               </a:rPr>
-              <a:t>‹#›</a:t>
+              <a:t>‹nr.›</a:t>
             </a:fld>
             <a:endParaRPr lang="en-GB" sz="1000" b="0" i="0" u="none" strike="noStrike" cap="none">
               <a:solidFill>
@@ -11247,7 +11247,7 @@
                 <a:cs typeface="Arial"/>
                 <a:sym typeface="Arial"/>
               </a:rPr>
-              <a:t>‹#›</a:t>
+              <a:t>‹nr.›</a:t>
             </a:fld>
             <a:endParaRPr lang="en-GB" sz="1000" b="0" i="0" u="none" strike="noStrike" cap="none">
               <a:solidFill>
@@ -11915,7 +11915,7 @@
                 <a:cs typeface="Arial"/>
                 <a:sym typeface="Arial"/>
               </a:rPr>
-              <a:t>‹#›</a:t>
+              <a:t>‹nr.›</a:t>
             </a:fld>
             <a:endParaRPr lang="en-GB" sz="1000" b="0" i="0" u="none" strike="noStrike" cap="none">
               <a:solidFill>
@@ -12434,7 +12434,7 @@
                 <a:cs typeface="Arial"/>
                 <a:sym typeface="Arial"/>
               </a:rPr>
-              <a:t>‹#›</a:t>
+              <a:t>‹nr.›</a:t>
             </a:fld>
             <a:endParaRPr lang="en-GB" sz="1000" b="0" i="0" u="none" strike="noStrike" cap="none">
               <a:solidFill>
@@ -12804,7 +12804,7 @@
                 <a:cs typeface="Arial"/>
                 <a:sym typeface="Arial"/>
               </a:rPr>
-              <a:t>‹#›</a:t>
+              <a:t>‹nr.›</a:t>
             </a:fld>
             <a:endParaRPr lang="en-GB" sz="1000" b="0" i="0" u="none" strike="noStrike" cap="none">
               <a:solidFill>
@@ -13174,7 +13174,7 @@
                 <a:cs typeface="Arial"/>
                 <a:sym typeface="Arial"/>
               </a:rPr>
-              <a:t>‹#›</a:t>
+              <a:t>‹nr.›</a:t>
             </a:fld>
             <a:endParaRPr lang="en-GB" sz="1000" b="0" i="0" u="none" strike="noStrike" cap="none">
               <a:solidFill>
@@ -13842,7 +13842,7 @@
                 <a:cs typeface="Arial"/>
                 <a:sym typeface="Arial"/>
               </a:rPr>
-              <a:t>‹#›</a:t>
+              <a:t>‹nr.›</a:t>
             </a:fld>
             <a:endParaRPr lang="en-GB" sz="1000" b="0" i="0" u="none" strike="noStrike" cap="none">
               <a:solidFill>
@@ -14361,7 +14361,7 @@
                 <a:cs typeface="Arial"/>
                 <a:sym typeface="Arial"/>
               </a:rPr>
-              <a:t>‹#›</a:t>
+              <a:t>‹nr.›</a:t>
             </a:fld>
             <a:endParaRPr lang="en-GB" sz="1000" b="0" i="0" u="none" strike="noStrike" cap="none">
               <a:solidFill>
@@ -15084,7 +15084,7 @@
                 <a:cs typeface="Arial"/>
                 <a:sym typeface="Arial"/>
               </a:rPr>
-              <a:t>‹#›</a:t>
+              <a:t>‹nr.›</a:t>
             </a:fld>
             <a:endParaRPr lang="en-GB" sz="1000" b="0" i="0" u="none" strike="noStrike" cap="none">
               <a:solidFill>
@@ -15454,7 +15454,7 @@
                 <a:cs typeface="Arial"/>
                 <a:sym typeface="Arial"/>
               </a:rPr>
-              <a:t>‹#›</a:t>
+              <a:t>‹nr.›</a:t>
             </a:fld>
             <a:endParaRPr lang="en-GB" sz="1000" b="0" i="0" u="none" strike="noStrike" cap="none">
               <a:solidFill>
@@ -15901,7 +15901,7 @@
                 <a:cs typeface="Arial"/>
                 <a:sym typeface="Arial"/>
               </a:rPr>
-              <a:t>‹#›</a:t>
+              <a:t>‹nr.›</a:t>
             </a:fld>
             <a:endParaRPr lang="en-GB" sz="1000" b="0" i="0" u="none" strike="noStrike" cap="none">
               <a:solidFill>
@@ -16443,7 +16443,7 @@
                 <a:cs typeface="Arial"/>
                 <a:sym typeface="Arial"/>
               </a:rPr>
-              <a:t>‹#›</a:t>
+              <a:t>‹nr.›</a:t>
             </a:fld>
             <a:endParaRPr lang="en-GB" sz="1000" b="0" i="0" u="none" strike="noStrike" cap="none">
               <a:solidFill>
@@ -16976,7 +16976,7 @@
                 <a:cs typeface="Arial"/>
                 <a:sym typeface="Arial"/>
               </a:rPr>
-              <a:t>‹#›</a:t>
+              <a:t>‹nr.›</a:t>
             </a:fld>
             <a:endParaRPr lang="en-GB" sz="1000" b="0" i="0" u="none" strike="noStrike" cap="none">
               <a:solidFill>
@@ -17447,7 +17447,7 @@
                 <a:cs typeface="Arial"/>
                 <a:sym typeface="Arial"/>
               </a:rPr>
-              <a:t>‹#›</a:t>
+              <a:t>‹nr.›</a:t>
             </a:fld>
             <a:endParaRPr lang="en-GB" sz="1000" b="0" i="0" u="none" strike="noStrike" cap="none">
               <a:solidFill>
@@ -17966,7 +17966,7 @@
                 <a:cs typeface="Arial"/>
                 <a:sym typeface="Arial"/>
               </a:rPr>
-              <a:t>‹#›</a:t>
+              <a:t>‹nr.›</a:t>
             </a:fld>
             <a:endParaRPr lang="en-GB" sz="1000" b="0" i="0" u="none" strike="noStrike" cap="none">
               <a:solidFill>
@@ -18519,7 +18519,7 @@
                 <a:cs typeface="Arial"/>
                 <a:sym typeface="Arial"/>
               </a:rPr>
-              <a:t>‹#›</a:t>
+              <a:t>‹nr.›</a:t>
             </a:fld>
             <a:endParaRPr lang="en-GB" sz="1000" b="0" i="0" u="none" strike="noStrike" cap="none">
               <a:solidFill>
@@ -34857,7 +34857,7 @@
             </a:r>
             <a:r>
               <a:rPr lang="nl-NL" sz="2000" dirty="0" err="1"/>
-              <a:t>Retreive</a:t>
+              <a:t>Retrieve</a:t>
             </a:r>
             <a:r>
               <a:rPr lang="nl-NL" sz="2000" dirty="0"/>
@@ -35163,8 +35163,12 @@
               <a:t>by</a:t>
             </a:r>
             <a:r>
+              <a:rPr lang="nl-NL" sz="2000"/>
+              <a:t> (URI) </a:t>
+            </a:r>
+            <a:r>
               <a:rPr lang="nl-NL" sz="2000" dirty="0"/>
-              <a:t> a URL (e.g. http://</a:t>
+              <a:t>a URL (e.g. http://</a:t>
             </a:r>
             <a:r>
               <a:rPr lang="nl-NL" sz="2000" dirty="0" err="1"/>
@@ -47591,6 +47595,21 @@
 </file>
 
 <file path=customXml/item1.xml><?xml version="1.0" encoding="utf-8"?>
+<?mso-contentType ?>
+<FormTemplates xmlns="http://schemas.microsoft.com/sharepoint/v3/contenttype/forms">
+  <Display>DocumentLibraryForm</Display>
+  <Edit>DocumentLibraryForm</Edit>
+  <New>DocumentLibraryForm</New>
+</FormTemplates>
+</file>
+
+<file path=customXml/item2.xml><?xml version="1.0" encoding="utf-8"?>
+<p:properties xmlns:p="http://schemas.microsoft.com/office/2006/metadata/properties" xmlns:xsi="http://www.w3.org/2001/XMLSchema-instance" xmlns:pc="http://schemas.microsoft.com/office/infopath/2007/PartnerControls">
+  <documentManagement/>
+</p:properties>
+</file>
+
+<file path=customXml/item3.xml><?xml version="1.0" encoding="utf-8"?>
 <ct:contentTypeSchema xmlns:ct="http://schemas.microsoft.com/office/2006/metadata/contentType" xmlns:ma="http://schemas.microsoft.com/office/2006/metadata/properties/metaAttributes" ct:_="" ma:_="" ma:contentTypeName="Document" ma:contentTypeID="0x0101001B2209528641B24DB7C5DDAAC1066EA2" ma:contentTypeVersion="0" ma:contentTypeDescription="Een nieuw document maken." ma:contentTypeScope="" ma:versionID="2874a1ff820683da4217422ed1ddd971">
   <xsd:schema xmlns:xsd="http://www.w3.org/2001/XMLSchema" xmlns:xs="http://www.w3.org/2001/XMLSchema" xmlns:p="http://schemas.microsoft.com/office/2006/metadata/properties" targetNamespace="http://schemas.microsoft.com/office/2006/metadata/properties" ma:root="true" ma:fieldsID="a17e5968c79d9fe2fc9f8835eee23f58">
     <xsd:element name="properties">
@@ -47704,22 +47723,30 @@
 </ct:contentTypeSchema>
 </file>
 
-<file path=customXml/item2.xml><?xml version="1.0" encoding="utf-8"?>
-<?mso-contentType ?>
-<FormTemplates xmlns="http://schemas.microsoft.com/sharepoint/v3/contenttype/forms">
-  <Display>DocumentLibraryForm</Display>
-  <Edit>DocumentLibraryForm</Edit>
-  <New>DocumentLibraryForm</New>
-</FormTemplates>
+<file path=customXml/itemProps1.xml><?xml version="1.0" encoding="utf-8"?>
+<ds:datastoreItem xmlns:ds="http://schemas.openxmlformats.org/officeDocument/2006/customXml" ds:itemID="{121F05ED-81A8-4ABA-873F-9F2E13E2F346}">
+  <ds:schemaRefs>
+    <ds:schemaRef ds:uri="http://schemas.microsoft.com/sharepoint/v3/contenttype/forms"/>
+  </ds:schemaRefs>
+</ds:datastoreItem>
 </file>
 
-<file path=customXml/item3.xml><?xml version="1.0" encoding="utf-8"?>
-<p:properties xmlns:p="http://schemas.microsoft.com/office/2006/metadata/properties" xmlns:xsi="http://www.w3.org/2001/XMLSchema-instance" xmlns:pc="http://schemas.microsoft.com/office/infopath/2007/PartnerControls">
-  <documentManagement/>
-</p:properties>
+<file path=customXml/itemProps2.xml><?xml version="1.0" encoding="utf-8"?>
+<ds:datastoreItem xmlns:ds="http://schemas.openxmlformats.org/officeDocument/2006/customXml" ds:itemID="{52C75ADC-43A8-40A0-805F-20A88D092E27}">
+  <ds:schemaRefs>
+    <ds:schemaRef ds:uri="http://schemas.microsoft.com/office/2006/documentManagement/types"/>
+    <ds:schemaRef ds:uri="http://schemas.openxmlformats.org/package/2006/metadata/core-properties"/>
+    <ds:schemaRef ds:uri="http://purl.org/dc/dcmitype/"/>
+    <ds:schemaRef ds:uri="http://schemas.microsoft.com/office/infopath/2007/PartnerControls"/>
+    <ds:schemaRef ds:uri="http://purl.org/dc/elements/1.1/"/>
+    <ds:schemaRef ds:uri="http://schemas.microsoft.com/office/2006/metadata/properties"/>
+    <ds:schemaRef ds:uri="http://www.w3.org/XML/1998/namespace"/>
+    <ds:schemaRef ds:uri="http://purl.org/dc/terms/"/>
+  </ds:schemaRefs>
+</ds:datastoreItem>
 </file>
 
-<file path=customXml/itemProps1.xml><?xml version="1.0" encoding="utf-8"?>
+<file path=customXml/itemProps3.xml><?xml version="1.0" encoding="utf-8"?>
 <ds:datastoreItem xmlns:ds="http://schemas.openxmlformats.org/officeDocument/2006/customXml" ds:itemID="{9E609203-97AF-4F92-B1BE-9156327DA46F}">
   <ds:schemaRefs>
     <ds:schemaRef ds:uri="http://schemas.microsoft.com/office/2006/metadata/contentType"/>
@@ -47733,27 +47760,4 @@
     <ds:schemaRef ds:uri="http://schemas.microsoft.com/office/infopath/2007/PartnerControls"/>
   </ds:schemaRefs>
 </ds:datastoreItem>
-</file>
-
-<file path=customXml/itemProps2.xml><?xml version="1.0" encoding="utf-8"?>
-<ds:datastoreItem xmlns:ds="http://schemas.openxmlformats.org/officeDocument/2006/customXml" ds:itemID="{121F05ED-81A8-4ABA-873F-9F2E13E2F346}">
-  <ds:schemaRefs>
-    <ds:schemaRef ds:uri="http://schemas.microsoft.com/sharepoint/v3/contenttype/forms"/>
-  </ds:schemaRefs>
-</ds:datastoreItem>
-</file>
-
-<file path=customXml/itemProps3.xml><?xml version="1.0" encoding="utf-8"?>
-<ds:datastoreItem xmlns:ds="http://schemas.openxmlformats.org/officeDocument/2006/customXml" ds:itemID="{52C75ADC-43A8-40A0-805F-20A88D092E27}">
-  <ds:schemaRefs>
-    <ds:schemaRef ds:uri="http://schemas.microsoft.com/office/2006/documentManagement/types"/>
-    <ds:schemaRef ds:uri="http://schemas.openxmlformats.org/package/2006/metadata/core-properties"/>
-    <ds:schemaRef ds:uri="http://purl.org/dc/dcmitype/"/>
-    <ds:schemaRef ds:uri="http://schemas.microsoft.com/office/infopath/2007/PartnerControls"/>
-    <ds:schemaRef ds:uri="http://purl.org/dc/elements/1.1/"/>
-    <ds:schemaRef ds:uri="http://schemas.microsoft.com/office/2006/metadata/properties"/>
-    <ds:schemaRef ds:uri="http://www.w3.org/XML/1998/namespace"/>
-    <ds:schemaRef ds:uri="http://purl.org/dc/terms/"/>
-  </ds:schemaRefs>
-</ds:datastoreItem>
 </file>